--- a/RA-L/pictures/pdf/SetUp.pptx
+++ b/RA-L/pictures/pdf/SetUp.pptx
@@ -288,7 +288,7 @@
           <a:p>
             <a:fld id="{F694978D-A894-E24D-9868-C9A03761E7E6}" type="datetimeFigureOut">
               <a:rPr lang="en-US" smtClean="0"/>
-              <a:t>8/9/2016</a:t>
+              <a:t>8/26/16</a:t>
             </a:fld>
             <a:endParaRPr lang="en-US"/>
           </a:p>
@@ -458,7 +458,7 @@
           <a:p>
             <a:fld id="{F694978D-A894-E24D-9868-C9A03761E7E6}" type="datetimeFigureOut">
               <a:rPr lang="en-US" smtClean="0"/>
-              <a:t>8/9/2016</a:t>
+              <a:t>8/26/16</a:t>
             </a:fld>
             <a:endParaRPr lang="en-US"/>
           </a:p>
@@ -638,7 +638,7 @@
           <a:p>
             <a:fld id="{F694978D-A894-E24D-9868-C9A03761E7E6}" type="datetimeFigureOut">
               <a:rPr lang="en-US" smtClean="0"/>
-              <a:t>8/9/2016</a:t>
+              <a:t>8/26/16</a:t>
             </a:fld>
             <a:endParaRPr lang="en-US"/>
           </a:p>
@@ -808,7 +808,7 @@
           <a:p>
             <a:fld id="{F694978D-A894-E24D-9868-C9A03761E7E6}" type="datetimeFigureOut">
               <a:rPr lang="en-US" smtClean="0"/>
-              <a:t>8/9/2016</a:t>
+              <a:t>8/26/16</a:t>
             </a:fld>
             <a:endParaRPr lang="en-US"/>
           </a:p>
@@ -1054,7 +1054,7 @@
           <a:p>
             <a:fld id="{F694978D-A894-E24D-9868-C9A03761E7E6}" type="datetimeFigureOut">
               <a:rPr lang="en-US" smtClean="0"/>
-              <a:t>8/9/2016</a:t>
+              <a:t>8/26/16</a:t>
             </a:fld>
             <a:endParaRPr lang="en-US"/>
           </a:p>
@@ -1342,7 +1342,7 @@
           <a:p>
             <a:fld id="{F694978D-A894-E24D-9868-C9A03761E7E6}" type="datetimeFigureOut">
               <a:rPr lang="en-US" smtClean="0"/>
-              <a:t>8/9/2016</a:t>
+              <a:t>8/26/16</a:t>
             </a:fld>
             <a:endParaRPr lang="en-US"/>
           </a:p>
@@ -1764,7 +1764,7 @@
           <a:p>
             <a:fld id="{F694978D-A894-E24D-9868-C9A03761E7E6}" type="datetimeFigureOut">
               <a:rPr lang="en-US" smtClean="0"/>
-              <a:t>8/9/2016</a:t>
+              <a:t>8/26/16</a:t>
             </a:fld>
             <a:endParaRPr lang="en-US"/>
           </a:p>
@@ -1882,7 +1882,7 @@
           <a:p>
             <a:fld id="{F694978D-A894-E24D-9868-C9A03761E7E6}" type="datetimeFigureOut">
               <a:rPr lang="en-US" smtClean="0"/>
-              <a:t>8/9/2016</a:t>
+              <a:t>8/26/16</a:t>
             </a:fld>
             <a:endParaRPr lang="en-US"/>
           </a:p>
@@ -1977,7 +1977,7 @@
           <a:p>
             <a:fld id="{F694978D-A894-E24D-9868-C9A03761E7E6}" type="datetimeFigureOut">
               <a:rPr lang="en-US" smtClean="0"/>
-              <a:t>8/9/2016</a:t>
+              <a:t>8/26/16</a:t>
             </a:fld>
             <a:endParaRPr lang="en-US"/>
           </a:p>
@@ -2254,7 +2254,7 @@
           <a:p>
             <a:fld id="{F694978D-A894-E24D-9868-C9A03761E7E6}" type="datetimeFigureOut">
               <a:rPr lang="en-US" smtClean="0"/>
-              <a:t>8/9/2016</a:t>
+              <a:t>8/26/16</a:t>
             </a:fld>
             <a:endParaRPr lang="en-US"/>
           </a:p>
@@ -2507,7 +2507,7 @@
           <a:p>
             <a:fld id="{F694978D-A894-E24D-9868-C9A03761E7E6}" type="datetimeFigureOut">
               <a:rPr lang="en-US" smtClean="0"/>
-              <a:t>8/9/2016</a:t>
+              <a:t>8/26/16</a:t>
             </a:fld>
             <a:endParaRPr lang="en-US"/>
           </a:p>
@@ -2720,7 +2720,7 @@
           <a:p>
             <a:fld id="{F694978D-A894-E24D-9868-C9A03761E7E6}" type="datetimeFigureOut">
               <a:rPr lang="en-US" smtClean="0"/>
-              <a:t>8/9/2016</a:t>
+              <a:t>8/26/16</a:t>
             </a:fld>
             <a:endParaRPr lang="en-US"/>
           </a:p>
@@ -3095,6 +3095,36 @@
           <a:chExt cx="0" cy="0"/>
         </a:xfrm>
       </p:grpSpPr>
+      <p:pic>
+        <p:nvPicPr>
+          <p:cNvPr id="2" name="Picture 1" descr="Table.png"/>
+          <p:cNvPicPr>
+            <a:picLocks noChangeAspect="1"/>
+          </p:cNvPicPr>
+          <p:nvPr/>
+        </p:nvPicPr>
+        <p:blipFill>
+          <a:blip r:embed="rId2">
+            <a:extLst>
+              <a:ext uri="{28A0092B-C50C-407E-A947-70E740481C1C}">
+                <a14:useLocalDpi xmlns:a14="http://schemas.microsoft.com/office/drawing/2010/main" val="0"/>
+              </a:ext>
+            </a:extLst>
+          </a:blip>
+          <a:stretch>
+            <a:fillRect/>
+          </a:stretch>
+        </p:blipFill>
+        <p:spPr>
+          <a:xfrm>
+            <a:off x="926817" y="3858403"/>
+            <a:ext cx="4047603" cy="2147006"/>
+          </a:xfrm>
+          <a:prstGeom prst="rect">
+            <a:avLst/>
+          </a:prstGeom>
+        </p:spPr>
+      </p:pic>
       <p:cxnSp>
         <p:nvCxnSpPr>
           <p:cNvPr id="457" name="Straight Arrow Connector 456"/>
@@ -3179,10 +3209,10 @@
         </p:nvGrpSpPr>
         <p:grpSpPr>
           <a:xfrm>
-            <a:off x="5431478" y="2460341"/>
-            <a:ext cx="2266729" cy="3131684"/>
-            <a:chOff x="5234764" y="2542349"/>
-            <a:chExt cx="2266729" cy="3131684"/>
+            <a:off x="6090666" y="5191359"/>
+            <a:ext cx="1355567" cy="400666"/>
+            <a:chOff x="5525367" y="5273367"/>
+            <a:chExt cx="1355567" cy="400666"/>
           </a:xfrm>
         </p:grpSpPr>
         <p:sp>
@@ -3193,8 +3223,8 @@
           </p:nvSpPr>
           <p:spPr>
             <a:xfrm>
-              <a:off x="6025582" y="5304701"/>
-              <a:ext cx="855351" cy="369332"/>
+              <a:off x="5525368" y="5304701"/>
+              <a:ext cx="1355566" cy="369332"/>
             </a:xfrm>
             <a:prstGeom prst="rect">
               <a:avLst/>
@@ -3221,36 +3251,6 @@
             </a:p>
           </p:txBody>
         </p:sp>
-        <p:pic>
-          <p:nvPicPr>
-            <p:cNvPr id="461" name="Picture 460" descr="Kilobot.png"/>
-            <p:cNvPicPr>
-              <a:picLocks noChangeAspect="1"/>
-            </p:cNvPicPr>
-            <p:nvPr/>
-          </p:nvPicPr>
-          <p:blipFill>
-            <a:blip r:embed="rId2" cstate="screen">
-              <a:extLst>
-                <a:ext uri="{28A0092B-C50C-407E-A947-70E740481C1C}">
-                  <a14:useLocalDpi xmlns:a14="http://schemas.microsoft.com/office/drawing/2010/main"/>
-                </a:ext>
-              </a:extLst>
-            </a:blip>
-            <a:stretch>
-              <a:fillRect/>
-            </a:stretch>
-          </p:blipFill>
-          <p:spPr>
-            <a:xfrm>
-              <a:off x="5234764" y="2542349"/>
-              <a:ext cx="2266729" cy="2902785"/>
-            </a:xfrm>
-            <a:prstGeom prst="rect">
-              <a:avLst/>
-            </a:prstGeom>
-          </p:spPr>
-        </p:pic>
         <p:cxnSp>
           <p:nvCxnSpPr>
             <p:cNvPr id="462" name="Straight Arrow Connector 461"/>
@@ -3258,9 +3258,9 @@
             <p:nvPr/>
           </p:nvCxnSpPr>
           <p:spPr>
-            <a:xfrm flipV="1">
-              <a:off x="5610023" y="5268311"/>
-              <a:ext cx="1604938" cy="5056"/>
+            <a:xfrm>
+              <a:off x="5525367" y="5273367"/>
+              <a:ext cx="681744" cy="31334"/>
             </a:xfrm>
             <a:prstGeom prst="straightConnector1">
               <a:avLst/>
@@ -4144,86 +4144,24 @@
         </p:nvGrpSpPr>
         <p:grpSpPr>
           <a:xfrm>
-            <a:off x="473318" y="1286513"/>
-            <a:ext cx="4719039" cy="4995474"/>
-            <a:chOff x="408878" y="1313934"/>
-            <a:chExt cx="4719039" cy="4995474"/>
+            <a:off x="926817" y="1286513"/>
+            <a:ext cx="4265540" cy="3645393"/>
+            <a:chOff x="862377" y="1313934"/>
+            <a:chExt cx="4265540" cy="3645393"/>
           </a:xfrm>
         </p:grpSpPr>
-        <p:pic>
-          <p:nvPicPr>
-            <p:cNvPr id="485" name="Picture 2"/>
-            <p:cNvPicPr>
-              <a:picLocks noChangeAspect="1" noChangeArrowheads="1"/>
-            </p:cNvPicPr>
-            <p:nvPr/>
-          </p:nvPicPr>
-          <p:blipFill>
-            <a:blip r:embed="rId3">
-              <a:extLst>
-                <a:ext uri="{28A0092B-C50C-407E-A947-70E740481C1C}">
-                  <a14:useLocalDpi xmlns:a14="http://schemas.microsoft.com/office/drawing/2010/main" val="0"/>
-                </a:ext>
-              </a:extLst>
-            </a:blip>
-            <a:srcRect/>
-            <a:stretch>
-              <a:fillRect/>
-            </a:stretch>
-          </p:blipFill>
-          <p:spPr bwMode="auto">
-            <a:xfrm>
-              <a:off x="547362" y="4061920"/>
-              <a:ext cx="4228900" cy="2247488"/>
-            </a:xfrm>
-            <a:prstGeom prst="rect">
-              <a:avLst/>
-            </a:prstGeom>
-            <a:noFill/>
-            <a:ln>
-              <a:noFill/>
-            </a:ln>
-            <a:effectLst/>
-            <a:extLst>
-              <a:ext uri="{909E8E84-426E-40DD-AFC4-6F175D3DCCD1}">
-                <a14:hiddenFill xmlns:a14="http://schemas.microsoft.com/office/drawing/2010/main">
-                  <a:solidFill>
-                    <a:schemeClr val="accent1"/>
-                  </a:solidFill>
-                </a14:hiddenFill>
-              </a:ext>
-              <a:ext uri="{91240B29-F687-4F45-9708-019B960494DF}">
-                <a14:hiddenLine xmlns:a14="http://schemas.microsoft.com/office/drawing/2010/main" w="9525">
-                  <a:solidFill>
-                    <a:schemeClr val="tx1"/>
-                  </a:solidFill>
-                  <a:miter lim="800000"/>
-                  <a:headEnd/>
-                  <a:tailEnd/>
-                </a14:hiddenLine>
-              </a:ext>
-              <a:ext uri="{AF507438-7753-43E0-B8FC-AC1667EBCBE1}">
-                <a14:hiddenEffects xmlns:a14="http://schemas.microsoft.com/office/drawing/2010/main">
-                  <a:effectLst>
-                    <a:outerShdw dist="35921" dir="2700000" algn="ctr" rotWithShape="0">
-                      <a:schemeClr val="bg2"/>
-                    </a:outerShdw>
-                  </a:effectLst>
-                </a14:hiddenEffects>
-              </a:ext>
-            </a:extLst>
-          </p:spPr>
-        </p:pic>
         <p:cxnSp>
           <p:nvCxnSpPr>
             <p:cNvPr id="486" name="Straight Arrow Connector 485"/>
-            <p:cNvCxnSpPr/>
+            <p:cNvCxnSpPr>
+              <a:stCxn id="2" idx="1"/>
+            </p:cNvCxnSpPr>
             <p:nvPr/>
           </p:nvCxnSpPr>
           <p:spPr>
             <a:xfrm flipV="1">
-              <a:off x="408878" y="3993742"/>
-              <a:ext cx="2386331" cy="743432"/>
+              <a:off x="862377" y="4120732"/>
+              <a:ext cx="1729395" cy="838595"/>
             </a:xfrm>
             <a:prstGeom prst="straightConnector1">
               <a:avLst/>
@@ -4259,7 +4197,7 @@
           </p:nvSpPr>
           <p:spPr>
             <a:xfrm>
-              <a:off x="1255994" y="3956367"/>
+              <a:off x="1419211" y="3962640"/>
               <a:ext cx="1520275" cy="369332"/>
             </a:xfrm>
             <a:prstGeom prst="rect">
@@ -4278,7 +4216,14 @@
                   <a:latin typeface="Times"/>
                   <a:cs typeface="Times"/>
                 </a:rPr>
-                <a:t>1.5 m</a:t>
+                <a:t>1 </a:t>
+              </a:r>
+              <a:r>
+                <a:rPr lang="en-US" dirty="0" smtClean="0">
+                  <a:latin typeface="Times"/>
+                  <a:cs typeface="Times"/>
+                </a:rPr>
+                <a:t>m</a:t>
               </a:r>
               <a:endParaRPr lang="en-US" dirty="0">
                 <a:latin typeface="Times"/>
@@ -4295,8 +4240,8 @@
           </p:nvCxnSpPr>
           <p:spPr>
             <a:xfrm>
-              <a:off x="2932014" y="3993742"/>
-              <a:ext cx="1844248" cy="294583"/>
+              <a:off x="2762670" y="4120732"/>
+              <a:ext cx="2013592" cy="147291"/>
             </a:xfrm>
             <a:prstGeom prst="straightConnector1">
               <a:avLst/>
@@ -4394,7 +4339,14 @@
                   <a:latin typeface="Times"/>
                   <a:cs typeface="Times"/>
                 </a:rPr>
-                <a:t>1.2 m</a:t>
+                <a:t>1 </a:t>
+              </a:r>
+              <a:r>
+                <a:rPr lang="en-US" dirty="0" smtClean="0">
+                  <a:latin typeface="Times"/>
+                  <a:cs typeface="Times"/>
+                </a:rPr>
+                <a:t>m</a:t>
               </a:r>
               <a:endParaRPr lang="en-US" dirty="0">
                 <a:latin typeface="Times"/>
@@ -4449,10 +4401,10 @@
         </p:nvGrpSpPr>
         <p:grpSpPr>
           <a:xfrm>
-            <a:off x="2950619" y="4397701"/>
-            <a:ext cx="2454887" cy="1899202"/>
-            <a:chOff x="2886179" y="4425122"/>
-            <a:chExt cx="2454887" cy="1899202"/>
+            <a:off x="2674478" y="4605287"/>
+            <a:ext cx="2731028" cy="1691616"/>
+            <a:chOff x="2610038" y="4632708"/>
+            <a:chExt cx="2731028" cy="1691616"/>
           </a:xfrm>
         </p:grpSpPr>
         <p:sp>
@@ -4490,50 +4442,14 @@
         </p:sp>
         <p:cxnSp>
           <p:nvCxnSpPr>
-            <p:cNvPr id="494" name="Straight Arrow Connector 493"/>
-            <p:cNvCxnSpPr/>
-            <p:nvPr/>
-          </p:nvCxnSpPr>
-          <p:spPr>
-            <a:xfrm flipH="1" flipV="1">
-              <a:off x="3385270" y="4425122"/>
-              <a:ext cx="982509" cy="965425"/>
-            </a:xfrm>
-            <a:prstGeom prst="straightConnector1">
-              <a:avLst/>
-            </a:prstGeom>
-            <a:ln>
-              <a:solidFill>
-                <a:schemeClr val="tx1"/>
-              </a:solidFill>
-              <a:tailEnd type="arrow"/>
-            </a:ln>
-          </p:spPr>
-          <p:style>
-            <a:lnRef idx="2">
-              <a:schemeClr val="accent1"/>
-            </a:lnRef>
-            <a:fillRef idx="0">
-              <a:schemeClr val="accent1"/>
-            </a:fillRef>
-            <a:effectRef idx="1">
-              <a:schemeClr val="accent1"/>
-            </a:effectRef>
-            <a:fontRef idx="minor">
-              <a:schemeClr val="tx1"/>
-            </a:fontRef>
-          </p:style>
-        </p:cxnSp>
-        <p:cxnSp>
-          <p:nvCxnSpPr>
             <p:cNvPr id="495" name="Straight Arrow Connector 494"/>
             <p:cNvCxnSpPr/>
             <p:nvPr/>
           </p:nvCxnSpPr>
           <p:spPr>
             <a:xfrm flipH="1" flipV="1">
-              <a:off x="2886179" y="5124801"/>
-              <a:ext cx="768075" cy="781093"/>
+              <a:off x="2610038" y="5309467"/>
+              <a:ext cx="1044217" cy="596428"/>
             </a:xfrm>
             <a:prstGeom prst="straightConnector1">
               <a:avLst/>
@@ -4588,8 +4504,12 @@
                   <a:latin typeface="Times"/>
                   <a:cs typeface="Times"/>
                 </a:rPr>
-                <a:t>Obstacle</a:t>
+                <a:t>Boundary</a:t>
               </a:r>
+              <a:endParaRPr lang="en-US" dirty="0" smtClean="0">
+                <a:latin typeface="Times"/>
+                <a:cs typeface="Times"/>
+              </a:endParaRPr>
             </a:p>
           </p:txBody>
         </p:sp>
@@ -4601,8 +4521,8 @@
           </p:nvCxnSpPr>
           <p:spPr>
             <a:xfrm flipH="1" flipV="1">
-              <a:off x="4319646" y="4548875"/>
-              <a:ext cx="456616" cy="410452"/>
+              <a:off x="3619741" y="4632708"/>
+              <a:ext cx="1156521" cy="326619"/>
             </a:xfrm>
             <a:prstGeom prst="straightConnector1">
               <a:avLst/>
@@ -4694,7 +4614,7 @@
                 <a:latin typeface="Times New Roman"/>
                 <a:cs typeface="Times New Roman"/>
               </a:rPr>
-              <a:t>Table of the Robots</a:t>
+              <a:t>Workspace</a:t>
             </a:r>
             <a:endParaRPr lang="en-US" dirty="0">
               <a:latin typeface="Times New Roman"/>
@@ -4791,8 +4711,8 @@
         </p:nvSpPr>
         <p:spPr bwMode="auto">
           <a:xfrm>
-            <a:off x="5464664" y="2793994"/>
-            <a:ext cx="2261567" cy="2303386"/>
+            <a:off x="5464664" y="3269896"/>
+            <a:ext cx="2219239" cy="1827483"/>
           </a:xfrm>
           <a:prstGeom prst="ellipse">
             <a:avLst/>
@@ -4807,7 +4727,7 @@
             <a:tailEnd/>
           </a:ln>
           <a:extLst>
-            <a:ext uri="{909E8E84-426E-40DD-AFC4-6F175D3DCCD1}">
+            <a:ext uri="{909E8E84-426E-40dd-AFC4-6F175D3DCCD1}">
               <a14:hiddenFill xmlns:a14="http://schemas.microsoft.com/office/drawing/2010/main">
                 <a:solidFill>
                   <a:srgbClr val="FFFFFF"/>
@@ -4837,8 +4757,8 @@
         </p:nvSpPr>
         <p:spPr bwMode="auto">
           <a:xfrm flipV="1">
-            <a:off x="4347445" y="4477069"/>
-            <a:ext cx="77657" cy="60872"/>
+            <a:off x="3521916" y="4251309"/>
+            <a:ext cx="224973" cy="60872"/>
           </a:xfrm>
           <a:prstGeom prst="ellipse">
             <a:avLst/>
@@ -4853,7 +4773,7 @@
             <a:tailEnd/>
           </a:ln>
           <a:extLst>
-            <a:ext uri="{909E8E84-426E-40DD-AFC4-6F175D3DCCD1}">
+            <a:ext uri="{909E8E84-426E-40dd-AFC4-6F175D3DCCD1}">
               <a14:hiddenFill xmlns:a14="http://schemas.microsoft.com/office/drawing/2010/main">
                 <a:solidFill>
                   <a:srgbClr val="FFFFFF"/>
@@ -4885,8 +4805,8 @@
         </p:nvCxnSpPr>
         <p:spPr bwMode="auto">
           <a:xfrm flipH="1">
-            <a:off x="4386274" y="3131317"/>
-            <a:ext cx="1409589" cy="1345752"/>
+            <a:off x="3634403" y="3537525"/>
+            <a:ext cx="2155261" cy="713784"/>
           </a:xfrm>
           <a:prstGeom prst="line">
             <a:avLst/>
@@ -4901,7 +4821,7 @@
             <a:tailEnd/>
           </a:ln>
           <a:extLst>
-            <a:ext uri="{909E8E84-426E-40DD-AFC4-6F175D3DCCD1}">
+            <a:ext uri="{909E8E84-426E-40dd-AFC4-6F175D3DCCD1}">
               <a14:hiddenFill xmlns:a14="http://schemas.microsoft.com/office/drawing/2010/main">
                 <a:noFill/>
               </a14:hiddenFill>
@@ -4914,14 +4834,13 @@
           <p:cNvPr id="505" name="Straight Connector 28"/>
           <p:cNvCxnSpPr>
             <a:cxnSpLocks noChangeShapeType="1"/>
-            <a:stCxn id="503" idx="0"/>
           </p:cNvCxnSpPr>
           <p:nvPr/>
         </p:nvCxnSpPr>
         <p:spPr bwMode="auto">
           <a:xfrm>
-            <a:off x="4386274" y="4537941"/>
-            <a:ext cx="1612190" cy="393965"/>
+            <a:off x="3626469" y="4312181"/>
+            <a:ext cx="2222596" cy="600533"/>
           </a:xfrm>
           <a:prstGeom prst="line">
             <a:avLst/>
@@ -4936,7 +4855,7 @@
             <a:tailEnd/>
           </a:ln>
           <a:extLst>
-            <a:ext uri="{909E8E84-426E-40DD-AFC4-6F175D3DCCD1}">
+            <a:ext uri="{909E8E84-426E-40dd-AFC4-6F175D3DCCD1}">
               <a14:hiddenFill xmlns:a14="http://schemas.microsoft.com/office/drawing/2010/main">
                 <a:noFill/>
               </a14:hiddenFill>
@@ -4944,39 +4863,36 @@
           </a:extLst>
         </p:spPr>
       </p:cxnSp>
-      <p:sp>
-        <p:nvSpPr>
-          <p:cNvPr id="506" name="TextBox 505"/>
-          <p:cNvSpPr txBox="1"/>
+      <p:pic>
+        <p:nvPicPr>
+          <p:cNvPr id="15" name="Picture 14" descr="SideVideKilobot.png"/>
+          <p:cNvPicPr>
+            <a:picLocks noChangeAspect="1"/>
+          </p:cNvPicPr>
           <p:nvPr/>
-        </p:nvSpPr>
+        </p:nvPicPr>
+        <p:blipFill>
+          <a:blip r:embed="rId3">
+            <a:extLst>
+              <a:ext uri="{28A0092B-C50C-407E-A947-70E740481C1C}">
+                <a14:useLocalDpi xmlns:a14="http://schemas.microsoft.com/office/drawing/2010/main" val="0"/>
+              </a:ext>
+            </a:extLst>
+          </a:blip>
+          <a:stretch>
+            <a:fillRect/>
+          </a:stretch>
+        </p:blipFill>
         <p:spPr>
           <a:xfrm>
-            <a:off x="4003680" y="5307788"/>
-            <a:ext cx="970894" cy="369332"/>
+            <a:off x="5514147" y="3501837"/>
+            <a:ext cx="2148592" cy="1604538"/>
           </a:xfrm>
           <a:prstGeom prst="rect">
             <a:avLst/>
           </a:prstGeom>
-          <a:noFill/>
-        </p:spPr>
-        <p:txBody>
-          <a:bodyPr wrap="square" rtlCol="0">
-            <a:spAutoFit/>
-          </a:bodyPr>
-          <a:lstStyle/>
-          <a:p>
-            <a:pPr algn="ctr"/>
-            <a:r>
-              <a:rPr lang="en-US" dirty="0" smtClean="0">
-                <a:latin typeface="Times"/>
-                <a:cs typeface="Times"/>
-              </a:rPr>
-              <a:t>Object</a:t>
-            </a:r>
-          </a:p>
-        </p:txBody>
-      </p:sp>
+        </p:spPr>
+      </p:pic>
     </p:spTree>
     <p:extLst>
       <p:ext uri="{BB962C8B-B14F-4D97-AF65-F5344CB8AC3E}">
@@ -4990,7 +4906,7 @@
   <p:timing>
     <p:tnLst>
       <p:par>
-        <p:cTn id="1" dur="indefinite" restart="never" nodeType="tmRoot"/>
+        <p:cTn xmlns:p14="http://schemas.microsoft.com/office/powerpoint/2010/main" id="1" dur="indefinite" restart="never" nodeType="tmRoot"/>
       </p:par>
     </p:tnLst>
   </p:timing>

--- a/RA-L/pictures/pdf/SetUp.pptx
+++ b/RA-L/pictures/pdf/SetUp.pptx
@@ -7,14 +7,14 @@
   <p:sldIdLst>
     <p:sldId id="257" r:id="rId2"/>
   </p:sldIdLst>
-  <p:sldSz cx="7772400" cy="6400800"/>
+  <p:sldSz cx="3886200" cy="3200400"/>
   <p:notesSz cx="6858000" cy="9144000"/>
   <p:defaultTextStyle>
     <a:defPPr>
       <a:defRPr lang="en-US"/>
     </a:defPPr>
-    <a:lvl1pPr marL="0" algn="l" defTabSz="457200" rtl="0" eaLnBrk="1" latinLnBrk="0" hangingPunct="1">
-      <a:defRPr sz="1800" kern="1200">
+    <a:lvl1pPr marL="0" algn="l" defTabSz="228600" rtl="0" eaLnBrk="1" latinLnBrk="0" hangingPunct="1">
+      <a:defRPr sz="900" kern="1200">
         <a:solidFill>
           <a:schemeClr val="tx1"/>
         </a:solidFill>
@@ -23,8 +23,8 @@
         <a:cs typeface="+mn-cs"/>
       </a:defRPr>
     </a:lvl1pPr>
-    <a:lvl2pPr marL="457200" algn="l" defTabSz="457200" rtl="0" eaLnBrk="1" latinLnBrk="0" hangingPunct="1">
-      <a:defRPr sz="1800" kern="1200">
+    <a:lvl2pPr marL="228600" algn="l" defTabSz="228600" rtl="0" eaLnBrk="1" latinLnBrk="0" hangingPunct="1">
+      <a:defRPr sz="900" kern="1200">
         <a:solidFill>
           <a:schemeClr val="tx1"/>
         </a:solidFill>
@@ -33,8 +33,8 @@
         <a:cs typeface="+mn-cs"/>
       </a:defRPr>
     </a:lvl2pPr>
-    <a:lvl3pPr marL="914400" algn="l" defTabSz="457200" rtl="0" eaLnBrk="1" latinLnBrk="0" hangingPunct="1">
-      <a:defRPr sz="1800" kern="1200">
+    <a:lvl3pPr marL="457200" algn="l" defTabSz="228600" rtl="0" eaLnBrk="1" latinLnBrk="0" hangingPunct="1">
+      <a:defRPr sz="900" kern="1200">
         <a:solidFill>
           <a:schemeClr val="tx1"/>
         </a:solidFill>
@@ -43,8 +43,8 @@
         <a:cs typeface="+mn-cs"/>
       </a:defRPr>
     </a:lvl3pPr>
-    <a:lvl4pPr marL="1371600" algn="l" defTabSz="457200" rtl="0" eaLnBrk="1" latinLnBrk="0" hangingPunct="1">
-      <a:defRPr sz="1800" kern="1200">
+    <a:lvl4pPr marL="685800" algn="l" defTabSz="228600" rtl="0" eaLnBrk="1" latinLnBrk="0" hangingPunct="1">
+      <a:defRPr sz="900" kern="1200">
         <a:solidFill>
           <a:schemeClr val="tx1"/>
         </a:solidFill>
@@ -53,8 +53,8 @@
         <a:cs typeface="+mn-cs"/>
       </a:defRPr>
     </a:lvl4pPr>
-    <a:lvl5pPr marL="1828800" algn="l" defTabSz="457200" rtl="0" eaLnBrk="1" latinLnBrk="0" hangingPunct="1">
-      <a:defRPr sz="1800" kern="1200">
+    <a:lvl5pPr marL="914400" algn="l" defTabSz="228600" rtl="0" eaLnBrk="1" latinLnBrk="0" hangingPunct="1">
+      <a:defRPr sz="900" kern="1200">
         <a:solidFill>
           <a:schemeClr val="tx1"/>
         </a:solidFill>
@@ -63,8 +63,8 @@
         <a:cs typeface="+mn-cs"/>
       </a:defRPr>
     </a:lvl5pPr>
-    <a:lvl6pPr marL="2286000" algn="l" defTabSz="457200" rtl="0" eaLnBrk="1" latinLnBrk="0" hangingPunct="1">
-      <a:defRPr sz="1800" kern="1200">
+    <a:lvl6pPr marL="1143000" algn="l" defTabSz="228600" rtl="0" eaLnBrk="1" latinLnBrk="0" hangingPunct="1">
+      <a:defRPr sz="900" kern="1200">
         <a:solidFill>
           <a:schemeClr val="tx1"/>
         </a:solidFill>
@@ -73,8 +73,8 @@
         <a:cs typeface="+mn-cs"/>
       </a:defRPr>
     </a:lvl6pPr>
-    <a:lvl7pPr marL="2743200" algn="l" defTabSz="457200" rtl="0" eaLnBrk="1" latinLnBrk="0" hangingPunct="1">
-      <a:defRPr sz="1800" kern="1200">
+    <a:lvl7pPr marL="1371600" algn="l" defTabSz="228600" rtl="0" eaLnBrk="1" latinLnBrk="0" hangingPunct="1">
+      <a:defRPr sz="900" kern="1200">
         <a:solidFill>
           <a:schemeClr val="tx1"/>
         </a:solidFill>
@@ -83,8 +83,8 @@
         <a:cs typeface="+mn-cs"/>
       </a:defRPr>
     </a:lvl7pPr>
-    <a:lvl8pPr marL="3200400" algn="l" defTabSz="457200" rtl="0" eaLnBrk="1" latinLnBrk="0" hangingPunct="1">
-      <a:defRPr sz="1800" kern="1200">
+    <a:lvl8pPr marL="1600200" algn="l" defTabSz="228600" rtl="0" eaLnBrk="1" latinLnBrk="0" hangingPunct="1">
+      <a:defRPr sz="900" kern="1200">
         <a:solidFill>
           <a:schemeClr val="tx1"/>
         </a:solidFill>
@@ -93,8 +93,8 @@
         <a:cs typeface="+mn-cs"/>
       </a:defRPr>
     </a:lvl8pPr>
-    <a:lvl9pPr marL="3657600" algn="l" defTabSz="457200" rtl="0" eaLnBrk="1" latinLnBrk="0" hangingPunct="1">
-      <a:defRPr sz="1800" kern="1200">
+    <a:lvl9pPr marL="1828800" algn="l" defTabSz="228600" rtl="0" eaLnBrk="1" latinLnBrk="0" hangingPunct="1">
+      <a:defRPr sz="900" kern="1200">
         <a:solidFill>
           <a:schemeClr val="tx1"/>
         </a:solidFill>
@@ -136,8 +136,8 @@
         </p:nvSpPr>
         <p:spPr>
           <a:xfrm>
-            <a:off x="582930" y="1988406"/>
-            <a:ext cx="6606540" cy="1372023"/>
+            <a:off x="291465" y="994203"/>
+            <a:ext cx="3303270" cy="686012"/>
           </a:xfrm>
         </p:spPr>
         <p:txBody>
@@ -164,8 +164,8 @@
         </p:nvSpPr>
         <p:spPr>
           <a:xfrm>
-            <a:off x="1165860" y="3627120"/>
-            <a:ext cx="5440680" cy="1635760"/>
+            <a:off x="582930" y="1813560"/>
+            <a:ext cx="2720340" cy="817880"/>
           </a:xfrm>
         </p:spPr>
         <p:txBody>
@@ -181,7 +181,7 @@
                 </a:solidFill>
               </a:defRPr>
             </a:lvl1pPr>
-            <a:lvl2pPr marL="457200" indent="0" algn="ctr">
+            <a:lvl2pPr marL="228600" indent="0" algn="ctr">
               <a:buNone/>
               <a:defRPr>
                 <a:solidFill>
@@ -191,7 +191,7 @@
                 </a:solidFill>
               </a:defRPr>
             </a:lvl2pPr>
-            <a:lvl3pPr marL="914400" indent="0" algn="ctr">
+            <a:lvl3pPr marL="457200" indent="0" algn="ctr">
               <a:buNone/>
               <a:defRPr>
                 <a:solidFill>
@@ -201,7 +201,7 @@
                 </a:solidFill>
               </a:defRPr>
             </a:lvl3pPr>
-            <a:lvl4pPr marL="1371600" indent="0" algn="ctr">
+            <a:lvl4pPr marL="685800" indent="0" algn="ctr">
               <a:buNone/>
               <a:defRPr>
                 <a:solidFill>
@@ -211,7 +211,7 @@
                 </a:solidFill>
               </a:defRPr>
             </a:lvl4pPr>
-            <a:lvl5pPr marL="1828800" indent="0" algn="ctr">
+            <a:lvl5pPr marL="914400" indent="0" algn="ctr">
               <a:buNone/>
               <a:defRPr>
                 <a:solidFill>
@@ -221,7 +221,7 @@
                 </a:solidFill>
               </a:defRPr>
             </a:lvl5pPr>
-            <a:lvl6pPr marL="2286000" indent="0" algn="ctr">
+            <a:lvl6pPr marL="1143000" indent="0" algn="ctr">
               <a:buNone/>
               <a:defRPr>
                 <a:solidFill>
@@ -231,7 +231,7 @@
                 </a:solidFill>
               </a:defRPr>
             </a:lvl6pPr>
-            <a:lvl7pPr marL="2743200" indent="0" algn="ctr">
+            <a:lvl7pPr marL="1371600" indent="0" algn="ctr">
               <a:buNone/>
               <a:defRPr>
                 <a:solidFill>
@@ -241,7 +241,7 @@
                 </a:solidFill>
               </a:defRPr>
             </a:lvl7pPr>
-            <a:lvl8pPr marL="3200400" indent="0" algn="ctr">
+            <a:lvl8pPr marL="1600200" indent="0" algn="ctr">
               <a:buNone/>
               <a:defRPr>
                 <a:solidFill>
@@ -251,7 +251,7 @@
                 </a:solidFill>
               </a:defRPr>
             </a:lvl8pPr>
-            <a:lvl9pPr marL="3657600" indent="0" algn="ctr">
+            <a:lvl9pPr marL="1828800" indent="0" algn="ctr">
               <a:buNone/>
               <a:defRPr>
                 <a:solidFill>
@@ -288,7 +288,7 @@
           <a:p>
             <a:fld id="{F694978D-A894-E24D-9868-C9A03761E7E6}" type="datetimeFigureOut">
               <a:rPr lang="en-US" smtClean="0"/>
-              <a:t>8/26/16</a:t>
+              <a:t>9/6/16</a:t>
             </a:fld>
             <a:endParaRPr lang="en-US"/>
           </a:p>
@@ -458,7 +458,7 @@
           <a:p>
             <a:fld id="{F694978D-A894-E24D-9868-C9A03761E7E6}" type="datetimeFigureOut">
               <a:rPr lang="en-US" smtClean="0"/>
-              <a:t>8/26/16</a:t>
+              <a:t>9/6/16</a:t>
             </a:fld>
             <a:endParaRPr lang="en-US"/>
           </a:p>
@@ -548,8 +548,8 @@
         </p:nvSpPr>
         <p:spPr>
           <a:xfrm>
-            <a:off x="5634990" y="256338"/>
-            <a:ext cx="1748790" cy="5461423"/>
+            <a:off x="2817495" y="128169"/>
+            <a:ext cx="874395" cy="2730712"/>
           </a:xfrm>
         </p:spPr>
         <p:txBody>
@@ -576,8 +576,8 @@
         </p:nvSpPr>
         <p:spPr>
           <a:xfrm>
-            <a:off x="388620" y="256338"/>
-            <a:ext cx="5116830" cy="5461423"/>
+            <a:off x="194310" y="128169"/>
+            <a:ext cx="2558415" cy="2730712"/>
           </a:xfrm>
         </p:spPr>
         <p:txBody>
@@ -638,7 +638,7 @@
           <a:p>
             <a:fld id="{F694978D-A894-E24D-9868-C9A03761E7E6}" type="datetimeFigureOut">
               <a:rPr lang="en-US" smtClean="0"/>
-              <a:t>8/26/16</a:t>
+              <a:t>9/6/16</a:t>
             </a:fld>
             <a:endParaRPr lang="en-US"/>
           </a:p>
@@ -808,7 +808,7 @@
           <a:p>
             <a:fld id="{F694978D-A894-E24D-9868-C9A03761E7E6}" type="datetimeFigureOut">
               <a:rPr lang="en-US" smtClean="0"/>
-              <a:t>8/26/16</a:t>
+              <a:t>9/6/16</a:t>
             </a:fld>
             <a:endParaRPr lang="en-US"/>
           </a:p>
@@ -898,15 +898,15 @@
         </p:nvSpPr>
         <p:spPr>
           <a:xfrm>
-            <a:off x="613965" y="4113108"/>
-            <a:ext cx="6606540" cy="1271270"/>
+            <a:off x="306983" y="2056554"/>
+            <a:ext cx="3303270" cy="635635"/>
           </a:xfrm>
         </p:spPr>
         <p:txBody>
           <a:bodyPr anchor="t"/>
           <a:lstStyle>
             <a:lvl1pPr algn="l">
-              <a:defRPr sz="4000" b="1" cap="all"/>
+              <a:defRPr sz="2000" b="1" cap="all"/>
             </a:lvl1pPr>
           </a:lstStyle>
           <a:p>
@@ -930,8 +930,8 @@
         </p:nvSpPr>
         <p:spPr>
           <a:xfrm>
-            <a:off x="613965" y="2712936"/>
-            <a:ext cx="6606540" cy="1400175"/>
+            <a:off x="306983" y="1356468"/>
+            <a:ext cx="3303270" cy="700088"/>
           </a:xfrm>
         </p:spPr>
         <p:txBody>
@@ -939,7 +939,7 @@
           <a:lstStyle>
             <a:lvl1pPr marL="0" indent="0">
               <a:buNone/>
-              <a:defRPr sz="2000">
+              <a:defRPr sz="1000">
                 <a:solidFill>
                   <a:schemeClr val="tx1">
                     <a:tint val="75000"/>
@@ -947,9 +947,9 @@
                 </a:solidFill>
               </a:defRPr>
             </a:lvl1pPr>
-            <a:lvl2pPr marL="457200" indent="0">
-              <a:buNone/>
-              <a:defRPr sz="1800">
+            <a:lvl2pPr marL="228600" indent="0">
+              <a:buNone/>
+              <a:defRPr sz="900">
                 <a:solidFill>
                   <a:schemeClr val="tx1">
                     <a:tint val="75000"/>
@@ -957,9 +957,9 @@
                 </a:solidFill>
               </a:defRPr>
             </a:lvl2pPr>
-            <a:lvl3pPr marL="914400" indent="0">
-              <a:buNone/>
-              <a:defRPr sz="1600">
+            <a:lvl3pPr marL="457200" indent="0">
+              <a:buNone/>
+              <a:defRPr sz="800">
                 <a:solidFill>
                   <a:schemeClr val="tx1">
                     <a:tint val="75000"/>
@@ -967,9 +967,9 @@
                 </a:solidFill>
               </a:defRPr>
             </a:lvl3pPr>
-            <a:lvl4pPr marL="1371600" indent="0">
-              <a:buNone/>
-              <a:defRPr sz="1400">
+            <a:lvl4pPr marL="685800" indent="0">
+              <a:buNone/>
+              <a:defRPr sz="700">
                 <a:solidFill>
                   <a:schemeClr val="tx1">
                     <a:tint val="75000"/>
@@ -977,9 +977,9 @@
                 </a:solidFill>
               </a:defRPr>
             </a:lvl4pPr>
-            <a:lvl5pPr marL="1828800" indent="0">
-              <a:buNone/>
-              <a:defRPr sz="1400">
+            <a:lvl5pPr marL="914400" indent="0">
+              <a:buNone/>
+              <a:defRPr sz="700">
                 <a:solidFill>
                   <a:schemeClr val="tx1">
                     <a:tint val="75000"/>
@@ -987,9 +987,9 @@
                 </a:solidFill>
               </a:defRPr>
             </a:lvl5pPr>
-            <a:lvl6pPr marL="2286000" indent="0">
-              <a:buNone/>
-              <a:defRPr sz="1400">
+            <a:lvl6pPr marL="1143000" indent="0">
+              <a:buNone/>
+              <a:defRPr sz="700">
                 <a:solidFill>
                   <a:schemeClr val="tx1">
                     <a:tint val="75000"/>
@@ -997,9 +997,9 @@
                 </a:solidFill>
               </a:defRPr>
             </a:lvl6pPr>
-            <a:lvl7pPr marL="2743200" indent="0">
-              <a:buNone/>
-              <a:defRPr sz="1400">
+            <a:lvl7pPr marL="1371600" indent="0">
+              <a:buNone/>
+              <a:defRPr sz="700">
                 <a:solidFill>
                   <a:schemeClr val="tx1">
                     <a:tint val="75000"/>
@@ -1007,9 +1007,9 @@
                 </a:solidFill>
               </a:defRPr>
             </a:lvl7pPr>
-            <a:lvl8pPr marL="3200400" indent="0">
-              <a:buNone/>
-              <a:defRPr sz="1400">
+            <a:lvl8pPr marL="1600200" indent="0">
+              <a:buNone/>
+              <a:defRPr sz="700">
                 <a:solidFill>
                   <a:schemeClr val="tx1">
                     <a:tint val="75000"/>
@@ -1017,9 +1017,9 @@
                 </a:solidFill>
               </a:defRPr>
             </a:lvl8pPr>
-            <a:lvl9pPr marL="3657600" indent="0">
-              <a:buNone/>
-              <a:defRPr sz="1400">
+            <a:lvl9pPr marL="1828800" indent="0">
+              <a:buNone/>
+              <a:defRPr sz="700">
                 <a:solidFill>
                   <a:schemeClr val="tx1">
                     <a:tint val="75000"/>
@@ -1054,7 +1054,7 @@
           <a:p>
             <a:fld id="{F694978D-A894-E24D-9868-C9A03761E7E6}" type="datetimeFigureOut">
               <a:rPr lang="en-US" smtClean="0"/>
-              <a:t>8/26/16</a:t>
+              <a:t>9/6/16</a:t>
             </a:fld>
             <a:endParaRPr lang="en-US"/>
           </a:p>
@@ -1167,39 +1167,39 @@
         </p:nvSpPr>
         <p:spPr>
           <a:xfrm>
-            <a:off x="388620" y="1493521"/>
-            <a:ext cx="3432810" cy="4224232"/>
+            <a:off x="194310" y="746761"/>
+            <a:ext cx="1716405" cy="2112116"/>
           </a:xfrm>
         </p:spPr>
         <p:txBody>
           <a:bodyPr/>
           <a:lstStyle>
             <a:lvl1pPr>
-              <a:defRPr sz="2800"/>
+              <a:defRPr sz="1400"/>
             </a:lvl1pPr>
             <a:lvl2pPr>
-              <a:defRPr sz="2400"/>
+              <a:defRPr sz="1200"/>
             </a:lvl2pPr>
             <a:lvl3pPr>
-              <a:defRPr sz="2000"/>
+              <a:defRPr sz="1000"/>
             </a:lvl3pPr>
             <a:lvl4pPr>
-              <a:defRPr sz="1800"/>
+              <a:defRPr sz="900"/>
             </a:lvl4pPr>
             <a:lvl5pPr>
-              <a:defRPr sz="1800"/>
+              <a:defRPr sz="900"/>
             </a:lvl5pPr>
             <a:lvl6pPr>
-              <a:defRPr sz="1800"/>
+              <a:defRPr sz="900"/>
             </a:lvl6pPr>
             <a:lvl7pPr>
-              <a:defRPr sz="1800"/>
+              <a:defRPr sz="900"/>
             </a:lvl7pPr>
             <a:lvl8pPr>
-              <a:defRPr sz="1800"/>
+              <a:defRPr sz="900"/>
             </a:lvl8pPr>
             <a:lvl9pPr>
-              <a:defRPr sz="1800"/>
+              <a:defRPr sz="900"/>
             </a:lvl9pPr>
           </a:lstStyle>
           <a:p>
@@ -1252,39 +1252,39 @@
         </p:nvSpPr>
         <p:spPr>
           <a:xfrm>
-            <a:off x="3950970" y="1493521"/>
-            <a:ext cx="3432810" cy="4224232"/>
+            <a:off x="1975485" y="746761"/>
+            <a:ext cx="1716405" cy="2112116"/>
           </a:xfrm>
         </p:spPr>
         <p:txBody>
           <a:bodyPr/>
           <a:lstStyle>
             <a:lvl1pPr>
-              <a:defRPr sz="2800"/>
+              <a:defRPr sz="1400"/>
             </a:lvl1pPr>
             <a:lvl2pPr>
-              <a:defRPr sz="2400"/>
+              <a:defRPr sz="1200"/>
             </a:lvl2pPr>
             <a:lvl3pPr>
-              <a:defRPr sz="2000"/>
+              <a:defRPr sz="1000"/>
             </a:lvl3pPr>
             <a:lvl4pPr>
-              <a:defRPr sz="1800"/>
+              <a:defRPr sz="900"/>
             </a:lvl4pPr>
             <a:lvl5pPr>
-              <a:defRPr sz="1800"/>
+              <a:defRPr sz="900"/>
             </a:lvl5pPr>
             <a:lvl6pPr>
-              <a:defRPr sz="1800"/>
+              <a:defRPr sz="900"/>
             </a:lvl6pPr>
             <a:lvl7pPr>
-              <a:defRPr sz="1800"/>
+              <a:defRPr sz="900"/>
             </a:lvl7pPr>
             <a:lvl8pPr>
-              <a:defRPr sz="1800"/>
+              <a:defRPr sz="900"/>
             </a:lvl8pPr>
             <a:lvl9pPr>
-              <a:defRPr sz="1800"/>
+              <a:defRPr sz="900"/>
             </a:lvl9pPr>
           </a:lstStyle>
           <a:p>
@@ -1342,7 +1342,7 @@
           <a:p>
             <a:fld id="{F694978D-A894-E24D-9868-C9A03761E7E6}" type="datetimeFigureOut">
               <a:rPr lang="en-US" smtClean="0"/>
-              <a:t>8/26/16</a:t>
+              <a:t>9/6/16</a:t>
             </a:fld>
             <a:endParaRPr lang="en-US"/>
           </a:p>
@@ -1459,8 +1459,8 @@
         </p:nvSpPr>
         <p:spPr>
           <a:xfrm>
-            <a:off x="388620" y="1432773"/>
-            <a:ext cx="3434160" cy="597111"/>
+            <a:off x="194310" y="716386"/>
+            <a:ext cx="1717080" cy="298556"/>
           </a:xfrm>
         </p:spPr>
         <p:txBody>
@@ -1468,39 +1468,39 @@
           <a:lstStyle>
             <a:lvl1pPr marL="0" indent="0">
               <a:buNone/>
-              <a:defRPr sz="2400" b="1"/>
+              <a:defRPr sz="1200" b="1"/>
             </a:lvl1pPr>
-            <a:lvl2pPr marL="457200" indent="0">
-              <a:buNone/>
-              <a:defRPr sz="2000" b="1"/>
+            <a:lvl2pPr marL="228600" indent="0">
+              <a:buNone/>
+              <a:defRPr sz="1000" b="1"/>
             </a:lvl2pPr>
-            <a:lvl3pPr marL="914400" indent="0">
-              <a:buNone/>
-              <a:defRPr sz="1800" b="1"/>
+            <a:lvl3pPr marL="457200" indent="0">
+              <a:buNone/>
+              <a:defRPr sz="900" b="1"/>
             </a:lvl3pPr>
-            <a:lvl4pPr marL="1371600" indent="0">
-              <a:buNone/>
-              <a:defRPr sz="1600" b="1"/>
+            <a:lvl4pPr marL="685800" indent="0">
+              <a:buNone/>
+              <a:defRPr sz="800" b="1"/>
             </a:lvl4pPr>
-            <a:lvl5pPr marL="1828800" indent="0">
-              <a:buNone/>
-              <a:defRPr sz="1600" b="1"/>
+            <a:lvl5pPr marL="914400" indent="0">
+              <a:buNone/>
+              <a:defRPr sz="800" b="1"/>
             </a:lvl5pPr>
-            <a:lvl6pPr marL="2286000" indent="0">
-              <a:buNone/>
-              <a:defRPr sz="1600" b="1"/>
+            <a:lvl6pPr marL="1143000" indent="0">
+              <a:buNone/>
+              <a:defRPr sz="800" b="1"/>
             </a:lvl6pPr>
-            <a:lvl7pPr marL="2743200" indent="0">
-              <a:buNone/>
-              <a:defRPr sz="1600" b="1"/>
+            <a:lvl7pPr marL="1371600" indent="0">
+              <a:buNone/>
+              <a:defRPr sz="800" b="1"/>
             </a:lvl7pPr>
-            <a:lvl8pPr marL="3200400" indent="0">
-              <a:buNone/>
-              <a:defRPr sz="1600" b="1"/>
+            <a:lvl8pPr marL="1600200" indent="0">
+              <a:buNone/>
+              <a:defRPr sz="800" b="1"/>
             </a:lvl8pPr>
-            <a:lvl9pPr marL="3657600" indent="0">
-              <a:buNone/>
-              <a:defRPr sz="1600" b="1"/>
+            <a:lvl9pPr marL="1828800" indent="0">
+              <a:buNone/>
+              <a:defRPr sz="800" b="1"/>
             </a:lvl9pPr>
           </a:lstStyle>
           <a:p>
@@ -1524,39 +1524,39 @@
         </p:nvSpPr>
         <p:spPr>
           <a:xfrm>
-            <a:off x="388620" y="2029884"/>
-            <a:ext cx="3434160" cy="3687869"/>
+            <a:off x="194310" y="1014942"/>
+            <a:ext cx="1717080" cy="1843935"/>
           </a:xfrm>
         </p:spPr>
         <p:txBody>
           <a:bodyPr/>
           <a:lstStyle>
             <a:lvl1pPr>
-              <a:defRPr sz="2400"/>
+              <a:defRPr sz="1200"/>
             </a:lvl1pPr>
             <a:lvl2pPr>
-              <a:defRPr sz="2000"/>
+              <a:defRPr sz="1000"/>
             </a:lvl2pPr>
             <a:lvl3pPr>
-              <a:defRPr sz="1800"/>
+              <a:defRPr sz="900"/>
             </a:lvl3pPr>
             <a:lvl4pPr>
-              <a:defRPr sz="1600"/>
+              <a:defRPr sz="800"/>
             </a:lvl4pPr>
             <a:lvl5pPr>
-              <a:defRPr sz="1600"/>
+              <a:defRPr sz="800"/>
             </a:lvl5pPr>
             <a:lvl6pPr>
-              <a:defRPr sz="1600"/>
+              <a:defRPr sz="800"/>
             </a:lvl6pPr>
             <a:lvl7pPr>
-              <a:defRPr sz="1600"/>
+              <a:defRPr sz="800"/>
             </a:lvl7pPr>
             <a:lvl8pPr>
-              <a:defRPr sz="1600"/>
+              <a:defRPr sz="800"/>
             </a:lvl8pPr>
             <a:lvl9pPr>
-              <a:defRPr sz="1600"/>
+              <a:defRPr sz="800"/>
             </a:lvl9pPr>
           </a:lstStyle>
           <a:p>
@@ -1609,8 +1609,8 @@
         </p:nvSpPr>
         <p:spPr>
           <a:xfrm>
-            <a:off x="3948274" y="1432773"/>
-            <a:ext cx="3435510" cy="597111"/>
+            <a:off x="1974137" y="716386"/>
+            <a:ext cx="1717755" cy="298556"/>
           </a:xfrm>
         </p:spPr>
         <p:txBody>
@@ -1618,39 +1618,39 @@
           <a:lstStyle>
             <a:lvl1pPr marL="0" indent="0">
               <a:buNone/>
-              <a:defRPr sz="2400" b="1"/>
+              <a:defRPr sz="1200" b="1"/>
             </a:lvl1pPr>
-            <a:lvl2pPr marL="457200" indent="0">
-              <a:buNone/>
-              <a:defRPr sz="2000" b="1"/>
+            <a:lvl2pPr marL="228600" indent="0">
+              <a:buNone/>
+              <a:defRPr sz="1000" b="1"/>
             </a:lvl2pPr>
-            <a:lvl3pPr marL="914400" indent="0">
-              <a:buNone/>
-              <a:defRPr sz="1800" b="1"/>
+            <a:lvl3pPr marL="457200" indent="0">
+              <a:buNone/>
+              <a:defRPr sz="900" b="1"/>
             </a:lvl3pPr>
-            <a:lvl4pPr marL="1371600" indent="0">
-              <a:buNone/>
-              <a:defRPr sz="1600" b="1"/>
+            <a:lvl4pPr marL="685800" indent="0">
+              <a:buNone/>
+              <a:defRPr sz="800" b="1"/>
             </a:lvl4pPr>
-            <a:lvl5pPr marL="1828800" indent="0">
-              <a:buNone/>
-              <a:defRPr sz="1600" b="1"/>
+            <a:lvl5pPr marL="914400" indent="0">
+              <a:buNone/>
+              <a:defRPr sz="800" b="1"/>
             </a:lvl5pPr>
-            <a:lvl6pPr marL="2286000" indent="0">
-              <a:buNone/>
-              <a:defRPr sz="1600" b="1"/>
+            <a:lvl6pPr marL="1143000" indent="0">
+              <a:buNone/>
+              <a:defRPr sz="800" b="1"/>
             </a:lvl6pPr>
-            <a:lvl7pPr marL="2743200" indent="0">
-              <a:buNone/>
-              <a:defRPr sz="1600" b="1"/>
+            <a:lvl7pPr marL="1371600" indent="0">
+              <a:buNone/>
+              <a:defRPr sz="800" b="1"/>
             </a:lvl7pPr>
-            <a:lvl8pPr marL="3200400" indent="0">
-              <a:buNone/>
-              <a:defRPr sz="1600" b="1"/>
+            <a:lvl8pPr marL="1600200" indent="0">
+              <a:buNone/>
+              <a:defRPr sz="800" b="1"/>
             </a:lvl8pPr>
-            <a:lvl9pPr marL="3657600" indent="0">
-              <a:buNone/>
-              <a:defRPr sz="1600" b="1"/>
+            <a:lvl9pPr marL="1828800" indent="0">
+              <a:buNone/>
+              <a:defRPr sz="800" b="1"/>
             </a:lvl9pPr>
           </a:lstStyle>
           <a:p>
@@ -1674,39 +1674,39 @@
         </p:nvSpPr>
         <p:spPr>
           <a:xfrm>
-            <a:off x="3948274" y="2029884"/>
-            <a:ext cx="3435510" cy="3687869"/>
+            <a:off x="1974137" y="1014942"/>
+            <a:ext cx="1717755" cy="1843935"/>
           </a:xfrm>
         </p:spPr>
         <p:txBody>
           <a:bodyPr/>
           <a:lstStyle>
             <a:lvl1pPr>
-              <a:defRPr sz="2400"/>
+              <a:defRPr sz="1200"/>
             </a:lvl1pPr>
             <a:lvl2pPr>
-              <a:defRPr sz="2000"/>
+              <a:defRPr sz="1000"/>
             </a:lvl2pPr>
             <a:lvl3pPr>
-              <a:defRPr sz="1800"/>
+              <a:defRPr sz="900"/>
             </a:lvl3pPr>
             <a:lvl4pPr>
-              <a:defRPr sz="1600"/>
+              <a:defRPr sz="800"/>
             </a:lvl4pPr>
             <a:lvl5pPr>
-              <a:defRPr sz="1600"/>
+              <a:defRPr sz="800"/>
             </a:lvl5pPr>
             <a:lvl6pPr>
-              <a:defRPr sz="1600"/>
+              <a:defRPr sz="800"/>
             </a:lvl6pPr>
             <a:lvl7pPr>
-              <a:defRPr sz="1600"/>
+              <a:defRPr sz="800"/>
             </a:lvl7pPr>
             <a:lvl8pPr>
-              <a:defRPr sz="1600"/>
+              <a:defRPr sz="800"/>
             </a:lvl8pPr>
             <a:lvl9pPr>
-              <a:defRPr sz="1600"/>
+              <a:defRPr sz="800"/>
             </a:lvl9pPr>
           </a:lstStyle>
           <a:p>
@@ -1764,7 +1764,7 @@
           <a:p>
             <a:fld id="{F694978D-A894-E24D-9868-C9A03761E7E6}" type="datetimeFigureOut">
               <a:rPr lang="en-US" smtClean="0"/>
-              <a:t>8/26/16</a:t>
+              <a:t>9/6/16</a:t>
             </a:fld>
             <a:endParaRPr lang="en-US"/>
           </a:p>
@@ -1882,7 +1882,7 @@
           <a:p>
             <a:fld id="{F694978D-A894-E24D-9868-C9A03761E7E6}" type="datetimeFigureOut">
               <a:rPr lang="en-US" smtClean="0"/>
-              <a:t>8/26/16</a:t>
+              <a:t>9/6/16</a:t>
             </a:fld>
             <a:endParaRPr lang="en-US"/>
           </a:p>
@@ -1977,7 +1977,7 @@
           <a:p>
             <a:fld id="{F694978D-A894-E24D-9868-C9A03761E7E6}" type="datetimeFigureOut">
               <a:rPr lang="en-US" smtClean="0"/>
-              <a:t>8/26/16</a:t>
+              <a:t>9/6/16</a:t>
             </a:fld>
             <a:endParaRPr lang="en-US"/>
           </a:p>
@@ -2067,15 +2067,15 @@
         </p:nvSpPr>
         <p:spPr>
           <a:xfrm>
-            <a:off x="388622" y="254847"/>
-            <a:ext cx="2557065" cy="1084580"/>
+            <a:off x="194311" y="127424"/>
+            <a:ext cx="1278533" cy="542290"/>
           </a:xfrm>
         </p:spPr>
         <p:txBody>
           <a:bodyPr anchor="b"/>
           <a:lstStyle>
             <a:lvl1pPr algn="l">
-              <a:defRPr sz="2000" b="1"/>
+              <a:defRPr sz="1000" b="1"/>
             </a:lvl1pPr>
           </a:lstStyle>
           <a:p>
@@ -2099,39 +2099,39 @@
         </p:nvSpPr>
         <p:spPr>
           <a:xfrm>
-            <a:off x="3038794" y="254856"/>
-            <a:ext cx="4344988" cy="5462905"/>
+            <a:off x="1519397" y="127428"/>
+            <a:ext cx="2172494" cy="2731453"/>
           </a:xfrm>
         </p:spPr>
         <p:txBody>
           <a:bodyPr/>
           <a:lstStyle>
             <a:lvl1pPr>
-              <a:defRPr sz="3200"/>
+              <a:defRPr sz="1600"/>
             </a:lvl1pPr>
             <a:lvl2pPr>
-              <a:defRPr sz="2800"/>
+              <a:defRPr sz="1400"/>
             </a:lvl2pPr>
             <a:lvl3pPr>
-              <a:defRPr sz="2400"/>
+              <a:defRPr sz="1200"/>
             </a:lvl3pPr>
             <a:lvl4pPr>
-              <a:defRPr sz="2000"/>
+              <a:defRPr sz="1000"/>
             </a:lvl4pPr>
             <a:lvl5pPr>
-              <a:defRPr sz="2000"/>
+              <a:defRPr sz="1000"/>
             </a:lvl5pPr>
             <a:lvl6pPr>
-              <a:defRPr sz="2000"/>
+              <a:defRPr sz="1000"/>
             </a:lvl6pPr>
             <a:lvl7pPr>
-              <a:defRPr sz="2000"/>
+              <a:defRPr sz="1000"/>
             </a:lvl7pPr>
             <a:lvl8pPr>
-              <a:defRPr sz="2000"/>
+              <a:defRPr sz="1000"/>
             </a:lvl8pPr>
             <a:lvl9pPr>
-              <a:defRPr sz="2000"/>
+              <a:defRPr sz="1000"/>
             </a:lvl9pPr>
           </a:lstStyle>
           <a:p>
@@ -2184,8 +2184,8 @@
         </p:nvSpPr>
         <p:spPr>
           <a:xfrm>
-            <a:off x="388622" y="1339436"/>
-            <a:ext cx="2557065" cy="4378325"/>
+            <a:off x="194311" y="669718"/>
+            <a:ext cx="1278533" cy="2189163"/>
           </a:xfrm>
         </p:spPr>
         <p:txBody>
@@ -2193,39 +2193,39 @@
           <a:lstStyle>
             <a:lvl1pPr marL="0" indent="0">
               <a:buNone/>
-              <a:defRPr sz="1400"/>
+              <a:defRPr sz="700"/>
             </a:lvl1pPr>
-            <a:lvl2pPr marL="457200" indent="0">
-              <a:buNone/>
-              <a:defRPr sz="1200"/>
+            <a:lvl2pPr marL="228600" indent="0">
+              <a:buNone/>
+              <a:defRPr sz="600"/>
             </a:lvl2pPr>
-            <a:lvl3pPr marL="914400" indent="0">
-              <a:buNone/>
-              <a:defRPr sz="1000"/>
+            <a:lvl3pPr marL="457200" indent="0">
+              <a:buNone/>
+              <a:defRPr sz="500"/>
             </a:lvl3pPr>
-            <a:lvl4pPr marL="1371600" indent="0">
-              <a:buNone/>
-              <a:defRPr sz="900"/>
+            <a:lvl4pPr marL="685800" indent="0">
+              <a:buNone/>
+              <a:defRPr sz="500"/>
             </a:lvl4pPr>
-            <a:lvl5pPr marL="1828800" indent="0">
-              <a:buNone/>
-              <a:defRPr sz="900"/>
+            <a:lvl5pPr marL="914400" indent="0">
+              <a:buNone/>
+              <a:defRPr sz="500"/>
             </a:lvl5pPr>
-            <a:lvl6pPr marL="2286000" indent="0">
-              <a:buNone/>
-              <a:defRPr sz="900"/>
+            <a:lvl6pPr marL="1143000" indent="0">
+              <a:buNone/>
+              <a:defRPr sz="500"/>
             </a:lvl6pPr>
-            <a:lvl7pPr marL="2743200" indent="0">
-              <a:buNone/>
-              <a:defRPr sz="900"/>
+            <a:lvl7pPr marL="1371600" indent="0">
+              <a:buNone/>
+              <a:defRPr sz="500"/>
             </a:lvl7pPr>
-            <a:lvl8pPr marL="3200400" indent="0">
-              <a:buNone/>
-              <a:defRPr sz="900"/>
+            <a:lvl8pPr marL="1600200" indent="0">
+              <a:buNone/>
+              <a:defRPr sz="500"/>
             </a:lvl8pPr>
-            <a:lvl9pPr marL="3657600" indent="0">
-              <a:buNone/>
-              <a:defRPr sz="900"/>
+            <a:lvl9pPr marL="1828800" indent="0">
+              <a:buNone/>
+              <a:defRPr sz="500"/>
             </a:lvl9pPr>
           </a:lstStyle>
           <a:p>
@@ -2254,7 +2254,7 @@
           <a:p>
             <a:fld id="{F694978D-A894-E24D-9868-C9A03761E7E6}" type="datetimeFigureOut">
               <a:rPr lang="en-US" smtClean="0"/>
-              <a:t>8/26/16</a:t>
+              <a:t>9/6/16</a:t>
             </a:fld>
             <a:endParaRPr lang="en-US"/>
           </a:p>
@@ -2344,15 +2344,15 @@
         </p:nvSpPr>
         <p:spPr>
           <a:xfrm>
-            <a:off x="1523445" y="4480568"/>
-            <a:ext cx="4663440" cy="528955"/>
+            <a:off x="761723" y="2240284"/>
+            <a:ext cx="2331720" cy="264478"/>
           </a:xfrm>
         </p:spPr>
         <p:txBody>
           <a:bodyPr anchor="b"/>
           <a:lstStyle>
             <a:lvl1pPr algn="l">
-              <a:defRPr sz="2000" b="1"/>
+              <a:defRPr sz="1000" b="1"/>
             </a:lvl1pPr>
           </a:lstStyle>
           <a:p>
@@ -2376,8 +2376,8 @@
         </p:nvSpPr>
         <p:spPr>
           <a:xfrm>
-            <a:off x="1523445" y="571923"/>
-            <a:ext cx="4663440" cy="3840480"/>
+            <a:off x="761723" y="285962"/>
+            <a:ext cx="2331720" cy="1920240"/>
           </a:xfrm>
         </p:spPr>
         <p:txBody>
@@ -2385,39 +2385,39 @@
           <a:lstStyle>
             <a:lvl1pPr marL="0" indent="0">
               <a:buNone/>
-              <a:defRPr sz="3200"/>
+              <a:defRPr sz="1600"/>
             </a:lvl1pPr>
-            <a:lvl2pPr marL="457200" indent="0">
-              <a:buNone/>
-              <a:defRPr sz="2800"/>
+            <a:lvl2pPr marL="228600" indent="0">
+              <a:buNone/>
+              <a:defRPr sz="1400"/>
             </a:lvl2pPr>
-            <a:lvl3pPr marL="914400" indent="0">
-              <a:buNone/>
-              <a:defRPr sz="2400"/>
+            <a:lvl3pPr marL="457200" indent="0">
+              <a:buNone/>
+              <a:defRPr sz="1200"/>
             </a:lvl3pPr>
-            <a:lvl4pPr marL="1371600" indent="0">
-              <a:buNone/>
-              <a:defRPr sz="2000"/>
+            <a:lvl4pPr marL="685800" indent="0">
+              <a:buNone/>
+              <a:defRPr sz="1000"/>
             </a:lvl4pPr>
-            <a:lvl5pPr marL="1828800" indent="0">
-              <a:buNone/>
-              <a:defRPr sz="2000"/>
+            <a:lvl5pPr marL="914400" indent="0">
+              <a:buNone/>
+              <a:defRPr sz="1000"/>
             </a:lvl5pPr>
-            <a:lvl6pPr marL="2286000" indent="0">
-              <a:buNone/>
-              <a:defRPr sz="2000"/>
+            <a:lvl6pPr marL="1143000" indent="0">
+              <a:buNone/>
+              <a:defRPr sz="1000"/>
             </a:lvl6pPr>
-            <a:lvl7pPr marL="2743200" indent="0">
-              <a:buNone/>
-              <a:defRPr sz="2000"/>
+            <a:lvl7pPr marL="1371600" indent="0">
+              <a:buNone/>
+              <a:defRPr sz="1000"/>
             </a:lvl7pPr>
-            <a:lvl8pPr marL="3200400" indent="0">
-              <a:buNone/>
-              <a:defRPr sz="2000"/>
+            <a:lvl8pPr marL="1600200" indent="0">
+              <a:buNone/>
+              <a:defRPr sz="1000"/>
             </a:lvl8pPr>
-            <a:lvl9pPr marL="3657600" indent="0">
-              <a:buNone/>
-              <a:defRPr sz="2000"/>
+            <a:lvl9pPr marL="1828800" indent="0">
+              <a:buNone/>
+              <a:defRPr sz="1000"/>
             </a:lvl9pPr>
           </a:lstStyle>
           <a:p>
@@ -2437,8 +2437,8 @@
         </p:nvSpPr>
         <p:spPr>
           <a:xfrm>
-            <a:off x="1523445" y="5009523"/>
-            <a:ext cx="4663440" cy="751205"/>
+            <a:off x="761723" y="2504762"/>
+            <a:ext cx="2331720" cy="375603"/>
           </a:xfrm>
         </p:spPr>
         <p:txBody>
@@ -2446,39 +2446,39 @@
           <a:lstStyle>
             <a:lvl1pPr marL="0" indent="0">
               <a:buNone/>
-              <a:defRPr sz="1400"/>
+              <a:defRPr sz="700"/>
             </a:lvl1pPr>
-            <a:lvl2pPr marL="457200" indent="0">
-              <a:buNone/>
-              <a:defRPr sz="1200"/>
+            <a:lvl2pPr marL="228600" indent="0">
+              <a:buNone/>
+              <a:defRPr sz="600"/>
             </a:lvl2pPr>
-            <a:lvl3pPr marL="914400" indent="0">
-              <a:buNone/>
-              <a:defRPr sz="1000"/>
+            <a:lvl3pPr marL="457200" indent="0">
+              <a:buNone/>
+              <a:defRPr sz="500"/>
             </a:lvl3pPr>
-            <a:lvl4pPr marL="1371600" indent="0">
-              <a:buNone/>
-              <a:defRPr sz="900"/>
+            <a:lvl4pPr marL="685800" indent="0">
+              <a:buNone/>
+              <a:defRPr sz="500"/>
             </a:lvl4pPr>
-            <a:lvl5pPr marL="1828800" indent="0">
-              <a:buNone/>
-              <a:defRPr sz="900"/>
+            <a:lvl5pPr marL="914400" indent="0">
+              <a:buNone/>
+              <a:defRPr sz="500"/>
             </a:lvl5pPr>
-            <a:lvl6pPr marL="2286000" indent="0">
-              <a:buNone/>
-              <a:defRPr sz="900"/>
+            <a:lvl6pPr marL="1143000" indent="0">
+              <a:buNone/>
+              <a:defRPr sz="500"/>
             </a:lvl6pPr>
-            <a:lvl7pPr marL="2743200" indent="0">
-              <a:buNone/>
-              <a:defRPr sz="900"/>
+            <a:lvl7pPr marL="1371600" indent="0">
+              <a:buNone/>
+              <a:defRPr sz="500"/>
             </a:lvl7pPr>
-            <a:lvl8pPr marL="3200400" indent="0">
-              <a:buNone/>
-              <a:defRPr sz="900"/>
+            <a:lvl8pPr marL="1600200" indent="0">
+              <a:buNone/>
+              <a:defRPr sz="500"/>
             </a:lvl8pPr>
-            <a:lvl9pPr marL="3657600" indent="0">
-              <a:buNone/>
-              <a:defRPr sz="900"/>
+            <a:lvl9pPr marL="1828800" indent="0">
+              <a:buNone/>
+              <a:defRPr sz="500"/>
             </a:lvl9pPr>
           </a:lstStyle>
           <a:p>
@@ -2507,7 +2507,7 @@
           <a:p>
             <a:fld id="{F694978D-A894-E24D-9868-C9A03761E7E6}" type="datetimeFigureOut">
               <a:rPr lang="en-US" smtClean="0"/>
-              <a:t>8/26/16</a:t>
+              <a:t>9/6/16</a:t>
             </a:fld>
             <a:endParaRPr lang="en-US"/>
           </a:p>
@@ -2602,15 +2602,15 @@
         </p:nvSpPr>
         <p:spPr>
           <a:xfrm>
-            <a:off x="388620" y="256329"/>
-            <a:ext cx="6995160" cy="1066800"/>
+            <a:off x="194310" y="128165"/>
+            <a:ext cx="3497580" cy="533400"/>
           </a:xfrm>
           <a:prstGeom prst="rect">
             <a:avLst/>
           </a:prstGeom>
         </p:spPr>
         <p:txBody>
-          <a:bodyPr vert="horz" lIns="91440" tIns="45720" rIns="91440" bIns="45720" rtlCol="0" anchor="ctr">
+          <a:bodyPr vert="horz" lIns="45720" tIns="22860" rIns="45720" bIns="22860" rtlCol="0" anchor="ctr">
             <a:normAutofit/>
           </a:bodyPr>
           <a:lstStyle/>
@@ -2635,15 +2635,15 @@
         </p:nvSpPr>
         <p:spPr>
           <a:xfrm>
-            <a:off x="388620" y="1493521"/>
-            <a:ext cx="6995160" cy="4224232"/>
+            <a:off x="194310" y="746761"/>
+            <a:ext cx="3497580" cy="2112116"/>
           </a:xfrm>
           <a:prstGeom prst="rect">
             <a:avLst/>
           </a:prstGeom>
         </p:spPr>
         <p:txBody>
-          <a:bodyPr vert="horz" lIns="91440" tIns="45720" rIns="91440" bIns="45720" rtlCol="0">
+          <a:bodyPr vert="horz" lIns="45720" tIns="22860" rIns="45720" bIns="22860" rtlCol="0">
             <a:normAutofit/>
           </a:bodyPr>
           <a:lstStyle/>
@@ -2697,18 +2697,18 @@
         </p:nvSpPr>
         <p:spPr>
           <a:xfrm>
-            <a:off x="388620" y="5932603"/>
-            <a:ext cx="1813560" cy="340783"/>
+            <a:off x="194310" y="2966302"/>
+            <a:ext cx="906780" cy="170392"/>
           </a:xfrm>
           <a:prstGeom prst="rect">
             <a:avLst/>
           </a:prstGeom>
         </p:spPr>
         <p:txBody>
-          <a:bodyPr vert="horz" lIns="91440" tIns="45720" rIns="91440" bIns="45720" rtlCol="0" anchor="ctr"/>
+          <a:bodyPr vert="horz" lIns="45720" tIns="22860" rIns="45720" bIns="22860" rtlCol="0" anchor="ctr"/>
           <a:lstStyle>
             <a:lvl1pPr algn="l">
-              <a:defRPr sz="1200">
+              <a:defRPr sz="600">
                 <a:solidFill>
                   <a:schemeClr val="tx1">
                     <a:tint val="75000"/>
@@ -2720,7 +2720,7 @@
           <a:p>
             <a:fld id="{F694978D-A894-E24D-9868-C9A03761E7E6}" type="datetimeFigureOut">
               <a:rPr lang="en-US" smtClean="0"/>
-              <a:t>8/26/16</a:t>
+              <a:t>9/6/16</a:t>
             </a:fld>
             <a:endParaRPr lang="en-US"/>
           </a:p>
@@ -2738,18 +2738,18 @@
         </p:nvSpPr>
         <p:spPr>
           <a:xfrm>
-            <a:off x="2655570" y="5932603"/>
-            <a:ext cx="2461260" cy="340783"/>
+            <a:off x="1327785" y="2966302"/>
+            <a:ext cx="1230630" cy="170392"/>
           </a:xfrm>
           <a:prstGeom prst="rect">
             <a:avLst/>
           </a:prstGeom>
         </p:spPr>
         <p:txBody>
-          <a:bodyPr vert="horz" lIns="91440" tIns="45720" rIns="91440" bIns="45720" rtlCol="0" anchor="ctr"/>
+          <a:bodyPr vert="horz" lIns="45720" tIns="22860" rIns="45720" bIns="22860" rtlCol="0" anchor="ctr"/>
           <a:lstStyle>
             <a:lvl1pPr algn="ctr">
-              <a:defRPr sz="1200">
+              <a:defRPr sz="600">
                 <a:solidFill>
                   <a:schemeClr val="tx1">
                     <a:tint val="75000"/>
@@ -2775,18 +2775,18 @@
         </p:nvSpPr>
         <p:spPr>
           <a:xfrm>
-            <a:off x="5570220" y="5932603"/>
-            <a:ext cx="1813560" cy="340783"/>
+            <a:off x="2785110" y="2966302"/>
+            <a:ext cx="906780" cy="170392"/>
           </a:xfrm>
           <a:prstGeom prst="rect">
             <a:avLst/>
           </a:prstGeom>
         </p:spPr>
         <p:txBody>
-          <a:bodyPr vert="horz" lIns="91440" tIns="45720" rIns="91440" bIns="45720" rtlCol="0" anchor="ctr"/>
+          <a:bodyPr vert="horz" lIns="45720" tIns="22860" rIns="45720" bIns="22860" rtlCol="0" anchor="ctr"/>
           <a:lstStyle>
             <a:lvl1pPr algn="r">
-              <a:defRPr sz="1200">
+              <a:defRPr sz="600">
                 <a:solidFill>
                   <a:schemeClr val="tx1">
                     <a:tint val="75000"/>
@@ -2827,12 +2827,12 @@
   </p:sldLayoutIdLst>
   <p:txStyles>
     <p:titleStyle>
-      <a:lvl1pPr algn="ctr" defTabSz="457200" rtl="0" eaLnBrk="1" latinLnBrk="0" hangingPunct="1">
+      <a:lvl1pPr algn="ctr" defTabSz="228600" rtl="0" eaLnBrk="1" latinLnBrk="0" hangingPunct="1">
         <a:spcBef>
           <a:spcPct val="0"/>
         </a:spcBef>
         <a:buNone/>
-        <a:defRPr sz="4400" kern="1200">
+        <a:defRPr sz="2200" kern="1200">
           <a:solidFill>
             <a:schemeClr val="tx1"/>
           </a:solidFill>
@@ -2843,13 +2843,13 @@
       </a:lvl1pPr>
     </p:titleStyle>
     <p:bodyStyle>
-      <a:lvl1pPr marL="342900" indent="-342900" algn="l" defTabSz="457200" rtl="0" eaLnBrk="1" latinLnBrk="0" hangingPunct="1">
+      <a:lvl1pPr marL="171450" indent="-171450" algn="l" defTabSz="228600" rtl="0" eaLnBrk="1" latinLnBrk="0" hangingPunct="1">
         <a:spcBef>
           <a:spcPct val="20000"/>
         </a:spcBef>
         <a:buFont typeface="Arial"/>
         <a:buChar char="•"/>
-        <a:defRPr sz="3200" kern="1200">
+        <a:defRPr sz="1600" kern="1200">
           <a:solidFill>
             <a:schemeClr val="tx1"/>
           </a:solidFill>
@@ -2858,13 +2858,13 @@
           <a:cs typeface="+mn-cs"/>
         </a:defRPr>
       </a:lvl1pPr>
-      <a:lvl2pPr marL="742950" indent="-285750" algn="l" defTabSz="457200" rtl="0" eaLnBrk="1" latinLnBrk="0" hangingPunct="1">
+      <a:lvl2pPr marL="371475" indent="-142875" algn="l" defTabSz="228600" rtl="0" eaLnBrk="1" latinLnBrk="0" hangingPunct="1">
         <a:spcBef>
           <a:spcPct val="20000"/>
         </a:spcBef>
         <a:buFont typeface="Arial"/>
         <a:buChar char="–"/>
-        <a:defRPr sz="2800" kern="1200">
+        <a:defRPr sz="1400" kern="1200">
           <a:solidFill>
             <a:schemeClr val="tx1"/>
           </a:solidFill>
@@ -2873,13 +2873,13 @@
           <a:cs typeface="+mn-cs"/>
         </a:defRPr>
       </a:lvl2pPr>
-      <a:lvl3pPr marL="1143000" indent="-228600" algn="l" defTabSz="457200" rtl="0" eaLnBrk="1" latinLnBrk="0" hangingPunct="1">
+      <a:lvl3pPr marL="571500" indent="-114300" algn="l" defTabSz="228600" rtl="0" eaLnBrk="1" latinLnBrk="0" hangingPunct="1">
         <a:spcBef>
           <a:spcPct val="20000"/>
         </a:spcBef>
         <a:buFont typeface="Arial"/>
         <a:buChar char="•"/>
-        <a:defRPr sz="2400" kern="1200">
+        <a:defRPr sz="1200" kern="1200">
           <a:solidFill>
             <a:schemeClr val="tx1"/>
           </a:solidFill>
@@ -2888,13 +2888,13 @@
           <a:cs typeface="+mn-cs"/>
         </a:defRPr>
       </a:lvl3pPr>
-      <a:lvl4pPr marL="1600200" indent="-228600" algn="l" defTabSz="457200" rtl="0" eaLnBrk="1" latinLnBrk="0" hangingPunct="1">
+      <a:lvl4pPr marL="800100" indent="-114300" algn="l" defTabSz="228600" rtl="0" eaLnBrk="1" latinLnBrk="0" hangingPunct="1">
         <a:spcBef>
           <a:spcPct val="20000"/>
         </a:spcBef>
         <a:buFont typeface="Arial"/>
         <a:buChar char="–"/>
-        <a:defRPr sz="2000" kern="1200">
+        <a:defRPr sz="1000" kern="1200">
           <a:solidFill>
             <a:schemeClr val="tx1"/>
           </a:solidFill>
@@ -2903,13 +2903,13 @@
           <a:cs typeface="+mn-cs"/>
         </a:defRPr>
       </a:lvl4pPr>
-      <a:lvl5pPr marL="2057400" indent="-228600" algn="l" defTabSz="457200" rtl="0" eaLnBrk="1" latinLnBrk="0" hangingPunct="1">
+      <a:lvl5pPr marL="1028700" indent="-114300" algn="l" defTabSz="228600" rtl="0" eaLnBrk="1" latinLnBrk="0" hangingPunct="1">
         <a:spcBef>
           <a:spcPct val="20000"/>
         </a:spcBef>
         <a:buFont typeface="Arial"/>
         <a:buChar char="»"/>
-        <a:defRPr sz="2000" kern="1200">
+        <a:defRPr sz="1000" kern="1200">
           <a:solidFill>
             <a:schemeClr val="tx1"/>
           </a:solidFill>
@@ -2918,13 +2918,13 @@
           <a:cs typeface="+mn-cs"/>
         </a:defRPr>
       </a:lvl5pPr>
-      <a:lvl6pPr marL="2514600" indent="-228600" algn="l" defTabSz="457200" rtl="0" eaLnBrk="1" latinLnBrk="0" hangingPunct="1">
+      <a:lvl6pPr marL="1257300" indent="-114300" algn="l" defTabSz="228600" rtl="0" eaLnBrk="1" latinLnBrk="0" hangingPunct="1">
         <a:spcBef>
           <a:spcPct val="20000"/>
         </a:spcBef>
         <a:buFont typeface="Arial"/>
         <a:buChar char="•"/>
-        <a:defRPr sz="2000" kern="1200">
+        <a:defRPr sz="1000" kern="1200">
           <a:solidFill>
             <a:schemeClr val="tx1"/>
           </a:solidFill>
@@ -2933,13 +2933,13 @@
           <a:cs typeface="+mn-cs"/>
         </a:defRPr>
       </a:lvl6pPr>
-      <a:lvl7pPr marL="2971800" indent="-228600" algn="l" defTabSz="457200" rtl="0" eaLnBrk="1" latinLnBrk="0" hangingPunct="1">
+      <a:lvl7pPr marL="1485900" indent="-114300" algn="l" defTabSz="228600" rtl="0" eaLnBrk="1" latinLnBrk="0" hangingPunct="1">
         <a:spcBef>
           <a:spcPct val="20000"/>
         </a:spcBef>
         <a:buFont typeface="Arial"/>
         <a:buChar char="•"/>
-        <a:defRPr sz="2000" kern="1200">
+        <a:defRPr sz="1000" kern="1200">
           <a:solidFill>
             <a:schemeClr val="tx1"/>
           </a:solidFill>
@@ -2948,13 +2948,13 @@
           <a:cs typeface="+mn-cs"/>
         </a:defRPr>
       </a:lvl7pPr>
-      <a:lvl8pPr marL="3429000" indent="-228600" algn="l" defTabSz="457200" rtl="0" eaLnBrk="1" latinLnBrk="0" hangingPunct="1">
+      <a:lvl8pPr marL="1714500" indent="-114300" algn="l" defTabSz="228600" rtl="0" eaLnBrk="1" latinLnBrk="0" hangingPunct="1">
         <a:spcBef>
           <a:spcPct val="20000"/>
         </a:spcBef>
         <a:buFont typeface="Arial"/>
         <a:buChar char="•"/>
-        <a:defRPr sz="2000" kern="1200">
+        <a:defRPr sz="1000" kern="1200">
           <a:solidFill>
             <a:schemeClr val="tx1"/>
           </a:solidFill>
@@ -2963,13 +2963,13 @@
           <a:cs typeface="+mn-cs"/>
         </a:defRPr>
       </a:lvl8pPr>
-      <a:lvl9pPr marL="3886200" indent="-228600" algn="l" defTabSz="457200" rtl="0" eaLnBrk="1" latinLnBrk="0" hangingPunct="1">
+      <a:lvl9pPr marL="1943100" indent="-114300" algn="l" defTabSz="228600" rtl="0" eaLnBrk="1" latinLnBrk="0" hangingPunct="1">
         <a:spcBef>
           <a:spcPct val="20000"/>
         </a:spcBef>
         <a:buFont typeface="Arial"/>
         <a:buChar char="•"/>
-        <a:defRPr sz="2000" kern="1200">
+        <a:defRPr sz="1000" kern="1200">
           <a:solidFill>
             <a:schemeClr val="tx1"/>
           </a:solidFill>
@@ -2983,8 +2983,8 @@
       <a:defPPr>
         <a:defRPr lang="en-US"/>
       </a:defPPr>
-      <a:lvl1pPr marL="0" algn="l" defTabSz="457200" rtl="0" eaLnBrk="1" latinLnBrk="0" hangingPunct="1">
-        <a:defRPr sz="1800" kern="1200">
+      <a:lvl1pPr marL="0" algn="l" defTabSz="228600" rtl="0" eaLnBrk="1" latinLnBrk="0" hangingPunct="1">
+        <a:defRPr sz="900" kern="1200">
           <a:solidFill>
             <a:schemeClr val="tx1"/>
           </a:solidFill>
@@ -2993,8 +2993,8 @@
           <a:cs typeface="+mn-cs"/>
         </a:defRPr>
       </a:lvl1pPr>
-      <a:lvl2pPr marL="457200" algn="l" defTabSz="457200" rtl="0" eaLnBrk="1" latinLnBrk="0" hangingPunct="1">
-        <a:defRPr sz="1800" kern="1200">
+      <a:lvl2pPr marL="228600" algn="l" defTabSz="228600" rtl="0" eaLnBrk="1" latinLnBrk="0" hangingPunct="1">
+        <a:defRPr sz="900" kern="1200">
           <a:solidFill>
             <a:schemeClr val="tx1"/>
           </a:solidFill>
@@ -3003,8 +3003,8 @@
           <a:cs typeface="+mn-cs"/>
         </a:defRPr>
       </a:lvl2pPr>
-      <a:lvl3pPr marL="914400" algn="l" defTabSz="457200" rtl="0" eaLnBrk="1" latinLnBrk="0" hangingPunct="1">
-        <a:defRPr sz="1800" kern="1200">
+      <a:lvl3pPr marL="457200" algn="l" defTabSz="228600" rtl="0" eaLnBrk="1" latinLnBrk="0" hangingPunct="1">
+        <a:defRPr sz="900" kern="1200">
           <a:solidFill>
             <a:schemeClr val="tx1"/>
           </a:solidFill>
@@ -3013,8 +3013,8 @@
           <a:cs typeface="+mn-cs"/>
         </a:defRPr>
       </a:lvl3pPr>
-      <a:lvl4pPr marL="1371600" algn="l" defTabSz="457200" rtl="0" eaLnBrk="1" latinLnBrk="0" hangingPunct="1">
-        <a:defRPr sz="1800" kern="1200">
+      <a:lvl4pPr marL="685800" algn="l" defTabSz="228600" rtl="0" eaLnBrk="1" latinLnBrk="0" hangingPunct="1">
+        <a:defRPr sz="900" kern="1200">
           <a:solidFill>
             <a:schemeClr val="tx1"/>
           </a:solidFill>
@@ -3023,8 +3023,8 @@
           <a:cs typeface="+mn-cs"/>
         </a:defRPr>
       </a:lvl4pPr>
-      <a:lvl5pPr marL="1828800" algn="l" defTabSz="457200" rtl="0" eaLnBrk="1" latinLnBrk="0" hangingPunct="1">
-        <a:defRPr sz="1800" kern="1200">
+      <a:lvl5pPr marL="914400" algn="l" defTabSz="228600" rtl="0" eaLnBrk="1" latinLnBrk="0" hangingPunct="1">
+        <a:defRPr sz="900" kern="1200">
           <a:solidFill>
             <a:schemeClr val="tx1"/>
           </a:solidFill>
@@ -3033,8 +3033,8 @@
           <a:cs typeface="+mn-cs"/>
         </a:defRPr>
       </a:lvl5pPr>
-      <a:lvl6pPr marL="2286000" algn="l" defTabSz="457200" rtl="0" eaLnBrk="1" latinLnBrk="0" hangingPunct="1">
-        <a:defRPr sz="1800" kern="1200">
+      <a:lvl6pPr marL="1143000" algn="l" defTabSz="228600" rtl="0" eaLnBrk="1" latinLnBrk="0" hangingPunct="1">
+        <a:defRPr sz="900" kern="1200">
           <a:solidFill>
             <a:schemeClr val="tx1"/>
           </a:solidFill>
@@ -3043,8 +3043,8 @@
           <a:cs typeface="+mn-cs"/>
         </a:defRPr>
       </a:lvl6pPr>
-      <a:lvl7pPr marL="2743200" algn="l" defTabSz="457200" rtl="0" eaLnBrk="1" latinLnBrk="0" hangingPunct="1">
-        <a:defRPr sz="1800" kern="1200">
+      <a:lvl7pPr marL="1371600" algn="l" defTabSz="228600" rtl="0" eaLnBrk="1" latinLnBrk="0" hangingPunct="1">
+        <a:defRPr sz="900" kern="1200">
           <a:solidFill>
             <a:schemeClr val="tx1"/>
           </a:solidFill>
@@ -3053,8 +3053,8 @@
           <a:cs typeface="+mn-cs"/>
         </a:defRPr>
       </a:lvl7pPr>
-      <a:lvl8pPr marL="3200400" algn="l" defTabSz="457200" rtl="0" eaLnBrk="1" latinLnBrk="0" hangingPunct="1">
-        <a:defRPr sz="1800" kern="1200">
+      <a:lvl8pPr marL="1600200" algn="l" defTabSz="228600" rtl="0" eaLnBrk="1" latinLnBrk="0" hangingPunct="1">
+        <a:defRPr sz="900" kern="1200">
           <a:solidFill>
             <a:schemeClr val="tx1"/>
           </a:solidFill>
@@ -3063,8 +3063,8 @@
           <a:cs typeface="+mn-cs"/>
         </a:defRPr>
       </a:lvl8pPr>
-      <a:lvl9pPr marL="3657600" algn="l" defTabSz="457200" rtl="0" eaLnBrk="1" latinLnBrk="0" hangingPunct="1">
-        <a:defRPr sz="1800" kern="1200">
+      <a:lvl9pPr marL="1828800" algn="l" defTabSz="228600" rtl="0" eaLnBrk="1" latinLnBrk="0" hangingPunct="1">
+        <a:defRPr sz="900" kern="1200">
           <a:solidFill>
             <a:schemeClr val="tx1"/>
           </a:solidFill>
@@ -3104,10 +3104,10 @@
           <p:nvPr/>
         </p:nvPicPr>
         <p:blipFill>
-          <a:blip r:embed="rId2">
+          <a:blip r:embed="rId2" cstate="email">
             <a:extLst>
               <a:ext uri="{28A0092B-C50C-407E-A947-70E740481C1C}">
-                <a14:useLocalDpi xmlns:a14="http://schemas.microsoft.com/office/drawing/2010/main" val="0"/>
+                <a14:useLocalDpi xmlns:a14="http://schemas.microsoft.com/office/drawing/2010/main"/>
               </a:ext>
             </a:extLst>
           </a:blip>
@@ -3117,8 +3117,8 @@
         </p:blipFill>
         <p:spPr>
           <a:xfrm>
-            <a:off x="926817" y="3858403"/>
-            <a:ext cx="4047603" cy="2147006"/>
+            <a:off x="463409" y="1929202"/>
+            <a:ext cx="2023802" cy="1073503"/>
           </a:xfrm>
           <a:prstGeom prst="rect">
             <a:avLst/>
@@ -3133,8 +3133,8 @@
         </p:nvCxnSpPr>
         <p:spPr>
           <a:xfrm>
-            <a:off x="1768780" y="708190"/>
-            <a:ext cx="887432" cy="54841"/>
+            <a:off x="884390" y="354095"/>
+            <a:ext cx="443716" cy="27421"/>
           </a:xfrm>
           <a:prstGeom prst="straightConnector1">
             <a:avLst/>
@@ -3169,8 +3169,8 @@
         </p:nvSpPr>
         <p:spPr>
           <a:xfrm>
-            <a:off x="762642" y="338858"/>
-            <a:ext cx="1609492" cy="369332"/>
+            <a:off x="381321" y="169429"/>
+            <a:ext cx="804746" cy="184666"/>
           </a:xfrm>
           <a:prstGeom prst="rect">
             <a:avLst/>
@@ -3181,7 +3181,7 @@
           </a:ln>
         </p:spPr>
         <p:txBody>
-          <a:bodyPr wrap="square" rtlCol="0">
+          <a:bodyPr wrap="square" lIns="45720" tIns="22860" rIns="45720" bIns="22860" rtlCol="0">
             <a:spAutoFit/>
           </a:bodyPr>
           <a:lstStyle/>
@@ -3209,10 +3209,10 @@
         </p:nvGrpSpPr>
         <p:grpSpPr>
           <a:xfrm>
-            <a:off x="6090666" y="5191359"/>
-            <a:ext cx="1355567" cy="400666"/>
+            <a:off x="3045333" y="2595680"/>
+            <a:ext cx="677784" cy="246499"/>
             <a:chOff x="5525367" y="5273367"/>
-            <a:chExt cx="1355567" cy="400666"/>
+            <a:chExt cx="1355567" cy="492998"/>
           </a:xfrm>
         </p:grpSpPr>
         <p:sp>
@@ -3223,8 +3223,8 @@
           </p:nvSpPr>
           <p:spPr>
             <a:xfrm>
-              <a:off x="5525368" y="5304701"/>
-              <a:ext cx="1355566" cy="369332"/>
+              <a:off x="5525369" y="5304701"/>
+              <a:ext cx="1355565" cy="461664"/>
             </a:xfrm>
             <a:prstGeom prst="rect">
               <a:avLst/>
@@ -3297,8 +3297,8 @@
         </p:nvSpPr>
         <p:spPr>
           <a:xfrm>
-            <a:off x="2674478" y="440140"/>
-            <a:ext cx="562155" cy="590942"/>
+            <a:off x="1337239" y="220070"/>
+            <a:ext cx="281078" cy="295471"/>
           </a:xfrm>
           <a:prstGeom prst="cube">
             <a:avLst/>
@@ -3319,7 +3319,7 @@
           </a:fontRef>
         </p:style>
         <p:txBody>
-          <a:bodyPr rtlCol="0" anchor="ctr"/>
+          <a:bodyPr lIns="45720" tIns="22860" rIns="45720" bIns="22860" rtlCol="0" anchor="ctr"/>
           <a:lstStyle/>
           <a:p>
             <a:pPr algn="ctr"/>
@@ -3335,8 +3335,8 @@
         </p:nvSpPr>
         <p:spPr>
           <a:xfrm>
-            <a:off x="2773586" y="1031082"/>
-            <a:ext cx="354066" cy="209158"/>
+            <a:off x="1386793" y="515541"/>
+            <a:ext cx="177033" cy="104579"/>
           </a:xfrm>
           <a:prstGeom prst="trapezoid">
             <a:avLst>
@@ -3359,7 +3359,7 @@
           </a:fontRef>
         </p:style>
         <p:txBody>
-          <a:bodyPr rtlCol="0" anchor="ctr"/>
+          <a:bodyPr lIns="45720" tIns="22860" rIns="45720" bIns="22860" rtlCol="0" anchor="ctr"/>
           <a:lstStyle/>
           <a:p>
             <a:pPr algn="ctr"/>
@@ -3375,8 +3375,8 @@
         </p:nvSpPr>
         <p:spPr>
           <a:xfrm rot="3582198">
-            <a:off x="3490212" y="2366957"/>
-            <a:ext cx="367582" cy="544348"/>
+            <a:off x="1745106" y="1183479"/>
+            <a:ext cx="183791" cy="272174"/>
           </a:xfrm>
           <a:prstGeom prst="trapezoid">
             <a:avLst>
@@ -3406,7 +3406,7 @@
           </a:fontRef>
         </p:style>
         <p:txBody>
-          <a:bodyPr rtlCol="0" anchor="ctr"/>
+          <a:bodyPr lIns="45720" tIns="22860" rIns="45720" bIns="22860" rtlCol="0" anchor="ctr"/>
           <a:lstStyle/>
           <a:p>
             <a:pPr algn="ctr"/>
@@ -3422,8 +3422,8 @@
         </p:nvSpPr>
         <p:spPr>
           <a:xfrm rot="19375798">
-            <a:off x="4679008" y="2649416"/>
-            <a:ext cx="367582" cy="544348"/>
+            <a:off x="2339504" y="1324708"/>
+            <a:ext cx="183791" cy="272174"/>
           </a:xfrm>
           <a:prstGeom prst="trapezoid">
             <a:avLst>
@@ -3453,7 +3453,7 @@
           </a:fontRef>
         </p:style>
         <p:txBody>
-          <a:bodyPr rtlCol="0" anchor="ctr"/>
+          <a:bodyPr lIns="45720" tIns="22860" rIns="45720" bIns="22860" rtlCol="0" anchor="ctr"/>
           <a:lstStyle/>
           <a:p>
             <a:pPr algn="ctr"/>
@@ -3469,8 +3469,8 @@
         </p:nvSpPr>
         <p:spPr>
           <a:xfrm rot="287208">
-            <a:off x="4008973" y="2621625"/>
-            <a:ext cx="367582" cy="544348"/>
+            <a:off x="2004487" y="1310813"/>
+            <a:ext cx="183791" cy="272174"/>
           </a:xfrm>
           <a:prstGeom prst="trapezoid">
             <a:avLst>
@@ -3500,7 +3500,7 @@
           </a:fontRef>
         </p:style>
         <p:txBody>
-          <a:bodyPr rtlCol="0" anchor="ctr"/>
+          <a:bodyPr lIns="45720" tIns="22860" rIns="45720" bIns="22860" rtlCol="0" anchor="ctr"/>
           <a:lstStyle/>
           <a:p>
             <a:pPr algn="ctr"/>
@@ -3516,8 +3516,8 @@
         </p:nvSpPr>
         <p:spPr>
           <a:xfrm>
-            <a:off x="2514847" y="1873989"/>
-            <a:ext cx="784455" cy="101357"/>
+            <a:off x="1257424" y="936995"/>
+            <a:ext cx="392228" cy="50679"/>
           </a:xfrm>
           <a:prstGeom prst="trapezoid">
             <a:avLst/>
@@ -3538,7 +3538,7 @@
           </a:fontRef>
         </p:style>
         <p:txBody>
-          <a:bodyPr rtlCol="0" anchor="ctr"/>
+          <a:bodyPr lIns="45720" tIns="22860" rIns="45720" bIns="22860" rtlCol="0" anchor="ctr"/>
           <a:lstStyle/>
           <a:p>
             <a:pPr algn="ctr"/>
@@ -3554,8 +3554,8 @@
         </p:nvSpPr>
         <p:spPr>
           <a:xfrm>
-            <a:off x="2514847" y="1975347"/>
-            <a:ext cx="784455" cy="423456"/>
+            <a:off x="1257424" y="987674"/>
+            <a:ext cx="392228" cy="211728"/>
           </a:xfrm>
           <a:prstGeom prst="cube">
             <a:avLst>
@@ -3578,7 +3578,7 @@
           </a:fontRef>
         </p:style>
         <p:txBody>
-          <a:bodyPr rtlCol="0" anchor="ctr"/>
+          <a:bodyPr lIns="45720" tIns="22860" rIns="45720" bIns="22860" rtlCol="0" anchor="ctr"/>
           <a:lstStyle/>
           <a:p>
             <a:pPr algn="ctr"/>
@@ -3594,8 +3594,8 @@
         </p:nvCxnSpPr>
         <p:spPr>
           <a:xfrm flipH="1">
-            <a:off x="444383" y="1614528"/>
-            <a:ext cx="160154" cy="937730"/>
+            <a:off x="222192" y="807264"/>
+            <a:ext cx="80077" cy="468865"/>
           </a:xfrm>
           <a:prstGeom prst="straightConnector1">
             <a:avLst/>
@@ -3630,8 +3630,8 @@
         </p:nvSpPr>
         <p:spPr>
           <a:xfrm>
-            <a:off x="70722" y="1245196"/>
-            <a:ext cx="2034559" cy="369332"/>
+            <a:off x="35361" y="622598"/>
+            <a:ext cx="1017280" cy="184666"/>
           </a:xfrm>
           <a:prstGeom prst="rect">
             <a:avLst/>
@@ -3639,7 +3639,7 @@
           <a:noFill/>
         </p:spPr>
         <p:txBody>
-          <a:bodyPr wrap="square" rtlCol="0">
+          <a:bodyPr wrap="square" lIns="45720" tIns="22860" rIns="45720" bIns="22860" rtlCol="0">
             <a:spAutoFit/>
           </a:bodyPr>
           <a:lstStyle/>
@@ -3667,8 +3667,8 @@
         </p:nvSpPr>
         <p:spPr>
           <a:xfrm>
-            <a:off x="4256871" y="950995"/>
-            <a:ext cx="1813111" cy="369332"/>
+            <a:off x="2128436" y="475498"/>
+            <a:ext cx="906556" cy="184666"/>
           </a:xfrm>
           <a:prstGeom prst="rect">
             <a:avLst/>
@@ -3676,7 +3676,7 @@
           <a:noFill/>
         </p:spPr>
         <p:txBody>
-          <a:bodyPr wrap="square" rtlCol="0">
+          <a:bodyPr wrap="square" lIns="45720" tIns="22860" rIns="45720" bIns="22860" rtlCol="0">
             <a:spAutoFit/>
           </a:bodyPr>
           <a:lstStyle/>
@@ -3704,8 +3704,8 @@
         </p:nvCxnSpPr>
         <p:spPr>
           <a:xfrm flipH="1">
-            <a:off x="4993931" y="1320327"/>
-            <a:ext cx="179579" cy="1484688"/>
+            <a:off x="2496966" y="660164"/>
+            <a:ext cx="89790" cy="742344"/>
           </a:xfrm>
           <a:prstGeom prst="straightConnector1">
             <a:avLst/>
@@ -3740,8 +3740,8 @@
         </p:nvSpPr>
         <p:spPr>
           <a:xfrm rot="565866">
-            <a:off x="3946533" y="2000108"/>
-            <a:ext cx="856791" cy="526890"/>
+            <a:off x="1973267" y="1000054"/>
+            <a:ext cx="428396" cy="263445"/>
           </a:xfrm>
           <a:prstGeom prst="cube">
             <a:avLst/>
@@ -3767,7 +3767,7 @@
           </a:fontRef>
         </p:style>
         <p:txBody>
-          <a:bodyPr rtlCol="0" anchor="ctr"/>
+          <a:bodyPr lIns="45720" tIns="22860" rIns="45720" bIns="22860" rtlCol="0" anchor="ctr"/>
           <a:lstStyle/>
           <a:p>
             <a:pPr algn="ctr"/>
@@ -3783,8 +3783,8 @@
         </p:nvSpPr>
         <p:spPr>
           <a:xfrm rot="20555765" flipH="1">
-            <a:off x="845666" y="2156520"/>
-            <a:ext cx="869499" cy="484568"/>
+            <a:off x="422833" y="1078260"/>
+            <a:ext cx="434750" cy="242284"/>
           </a:xfrm>
           <a:prstGeom prst="cube">
             <a:avLst>
@@ -3812,7 +3812,7 @@
           </a:fontRef>
         </p:style>
         <p:txBody>
-          <a:bodyPr rtlCol="0" anchor="ctr"/>
+          <a:bodyPr lIns="45720" tIns="22860" rIns="45720" bIns="22860" rtlCol="0" anchor="ctr"/>
           <a:lstStyle/>
           <a:p>
             <a:pPr algn="ctr"/>
@@ -3828,8 +3828,8 @@
         </p:nvCxnSpPr>
         <p:spPr>
           <a:xfrm flipH="1">
-            <a:off x="4489128" y="1286513"/>
-            <a:ext cx="351574" cy="688834"/>
+            <a:off x="2244564" y="643256"/>
+            <a:ext cx="175787" cy="344417"/>
           </a:xfrm>
           <a:prstGeom prst="straightConnector1">
             <a:avLst/>
@@ -3864,8 +3864,8 @@
         </p:nvSpPr>
         <p:spPr>
           <a:xfrm>
-            <a:off x="284231" y="2938128"/>
-            <a:ext cx="320305" cy="331769"/>
+            <a:off x="142116" y="1469064"/>
+            <a:ext cx="160153" cy="165885"/>
           </a:xfrm>
           <a:prstGeom prst="cube">
             <a:avLst>
@@ -3888,7 +3888,7 @@
           </a:fontRef>
         </p:style>
         <p:txBody>
-          <a:bodyPr rtlCol="0" anchor="ctr"/>
+          <a:bodyPr lIns="45720" tIns="22860" rIns="45720" bIns="22860" rtlCol="0" anchor="ctr"/>
           <a:lstStyle/>
           <a:p>
             <a:pPr algn="ctr"/>
@@ -3904,8 +3904,8 @@
         </p:nvSpPr>
         <p:spPr>
           <a:xfrm>
-            <a:off x="284231" y="2639968"/>
-            <a:ext cx="320305" cy="299621"/>
+            <a:off x="142116" y="1319984"/>
+            <a:ext cx="160153" cy="149811"/>
           </a:xfrm>
           <a:prstGeom prst="trapezoid">
             <a:avLst/>
@@ -3926,7 +3926,7 @@
           </a:fontRef>
         </p:style>
         <p:txBody>
-          <a:bodyPr rtlCol="0" anchor="ctr"/>
+          <a:bodyPr lIns="45720" tIns="22860" rIns="45720" bIns="22860" rtlCol="0" anchor="ctr"/>
           <a:lstStyle/>
           <a:p>
             <a:pPr algn="ctr"/>
@@ -3942,8 +3942,8 @@
         </p:nvCxnSpPr>
         <p:spPr>
           <a:xfrm>
-            <a:off x="1962893" y="1505935"/>
-            <a:ext cx="409241" cy="368054"/>
+            <a:off x="981447" y="752968"/>
+            <a:ext cx="204621" cy="184027"/>
           </a:xfrm>
           <a:prstGeom prst="straightConnector1">
             <a:avLst/>
@@ -3978,8 +3978,8 @@
         </p:nvSpPr>
         <p:spPr>
           <a:xfrm>
-            <a:off x="5370778" y="2639131"/>
-            <a:ext cx="320305" cy="331769"/>
+            <a:off x="2685389" y="1319566"/>
+            <a:ext cx="160153" cy="165885"/>
           </a:xfrm>
           <a:prstGeom prst="cube">
             <a:avLst>
@@ -4002,7 +4002,7 @@
           </a:fontRef>
         </p:style>
         <p:txBody>
-          <a:bodyPr rtlCol="0" anchor="ctr"/>
+          <a:bodyPr lIns="45720" tIns="22860" rIns="45720" bIns="22860" rtlCol="0" anchor="ctr"/>
           <a:lstStyle/>
           <a:p>
             <a:pPr algn="ctr"/>
@@ -4018,8 +4018,8 @@
         </p:nvSpPr>
         <p:spPr>
           <a:xfrm>
-            <a:off x="5370778" y="2340971"/>
-            <a:ext cx="320305" cy="299621"/>
+            <a:off x="2685389" y="1170486"/>
+            <a:ext cx="160153" cy="149811"/>
           </a:xfrm>
           <a:prstGeom prst="trapezoid">
             <a:avLst/>
@@ -4040,7 +4040,7 @@
           </a:fontRef>
         </p:style>
         <p:txBody>
-          <a:bodyPr rtlCol="0" anchor="ctr"/>
+          <a:bodyPr lIns="45720" tIns="22860" rIns="45720" bIns="22860" rtlCol="0" anchor="ctr"/>
           <a:lstStyle/>
           <a:p>
             <a:pPr algn="ctr"/>
@@ -4056,8 +4056,8 @@
         </p:nvSpPr>
         <p:spPr>
           <a:xfrm rot="20555765" flipH="1" flipV="1">
-            <a:off x="4318475" y="2982118"/>
-            <a:ext cx="869499" cy="545001"/>
+            <a:off x="2159238" y="1491059"/>
+            <a:ext cx="434750" cy="272501"/>
           </a:xfrm>
           <a:prstGeom prst="cube">
             <a:avLst>
@@ -4085,7 +4085,7 @@
           </a:fontRef>
         </p:style>
         <p:txBody>
-          <a:bodyPr rtlCol="0" anchor="ctr"/>
+          <a:bodyPr lIns="45720" tIns="22860" rIns="45720" bIns="22860" rtlCol="0" anchor="ctr"/>
           <a:lstStyle/>
           <a:p>
             <a:pPr algn="ctr"/>
@@ -4101,8 +4101,8 @@
         </p:nvSpPr>
         <p:spPr>
           <a:xfrm rot="565866" flipV="1">
-            <a:off x="847355" y="3110060"/>
-            <a:ext cx="856791" cy="567860"/>
+            <a:off x="423678" y="1555030"/>
+            <a:ext cx="428396" cy="283930"/>
           </a:xfrm>
           <a:prstGeom prst="cube">
             <a:avLst/>
@@ -4128,7 +4128,7 @@
           </a:fontRef>
         </p:style>
         <p:txBody>
-          <a:bodyPr rtlCol="0" anchor="ctr"/>
+          <a:bodyPr lIns="45720" tIns="22860" rIns="45720" bIns="22860" rtlCol="0" anchor="ctr"/>
           <a:lstStyle/>
           <a:p>
             <a:pPr algn="ctr"/>
@@ -4144,10 +4144,10 @@
         </p:nvGrpSpPr>
         <p:grpSpPr>
           <a:xfrm>
-            <a:off x="926817" y="1286513"/>
-            <a:ext cx="4265540" cy="3645393"/>
+            <a:off x="463409" y="643257"/>
+            <a:ext cx="2132771" cy="1822697"/>
             <a:chOff x="862377" y="1313934"/>
-            <a:chExt cx="4265540" cy="3645393"/>
+            <a:chExt cx="4265542" cy="3645393"/>
           </a:xfrm>
         </p:grpSpPr>
         <p:cxnSp>
@@ -4197,8 +4197,8 @@
           </p:nvSpPr>
           <p:spPr>
             <a:xfrm>
-              <a:off x="1419211" y="3962640"/>
-              <a:ext cx="1520275" cy="369332"/>
+              <a:off x="1419211" y="3962639"/>
+              <a:ext cx="1520276" cy="461664"/>
             </a:xfrm>
             <a:prstGeom prst="rect">
               <a:avLst/>
@@ -4216,14 +4216,7 @@
                   <a:latin typeface="Times"/>
                   <a:cs typeface="Times"/>
                 </a:rPr>
-                <a:t>1 </a:t>
-              </a:r>
-              <a:r>
-                <a:rPr lang="en-US" dirty="0" smtClean="0">
-                  <a:latin typeface="Times"/>
-                  <a:cs typeface="Times"/>
-                </a:rPr>
-                <a:t>m</a:t>
+                <a:t>1 m</a:t>
               </a:r>
               <a:endParaRPr lang="en-US" dirty="0">
                 <a:latin typeface="Times"/>
@@ -4277,8 +4270,8 @@
           </p:nvSpPr>
           <p:spPr>
             <a:xfrm>
-              <a:off x="2179349" y="2579679"/>
-              <a:ext cx="1728579" cy="369332"/>
+              <a:off x="2179349" y="2579680"/>
+              <a:ext cx="1728580" cy="461664"/>
             </a:xfrm>
             <a:prstGeom prst="rect">
               <a:avLst/>
@@ -4320,8 +4313,8 @@
           </p:nvSpPr>
           <p:spPr>
             <a:xfrm>
-              <a:off x="3607642" y="3771701"/>
-              <a:ext cx="1520275" cy="369332"/>
+              <a:off x="3607643" y="3771701"/>
+              <a:ext cx="1520276" cy="461664"/>
             </a:xfrm>
             <a:prstGeom prst="rect">
               <a:avLst/>
@@ -4339,14 +4332,7 @@
                   <a:latin typeface="Times"/>
                   <a:cs typeface="Times"/>
                 </a:rPr>
-                <a:t>1 </a:t>
-              </a:r>
-              <a:r>
-                <a:rPr lang="en-US" dirty="0" smtClean="0">
-                  <a:latin typeface="Times"/>
-                  <a:cs typeface="Times"/>
-                </a:rPr>
-                <a:t>m</a:t>
+                <a:t>1 m</a:t>
               </a:r>
               <a:endParaRPr lang="en-US" dirty="0">
                 <a:latin typeface="Times"/>
@@ -4401,10 +4387,10 @@
         </p:nvGrpSpPr>
         <p:grpSpPr>
           <a:xfrm>
-            <a:off x="2674478" y="4605287"/>
-            <a:ext cx="2731028" cy="1691616"/>
+            <a:off x="1337239" y="2302644"/>
+            <a:ext cx="1365514" cy="1030474"/>
             <a:chOff x="2610038" y="4632708"/>
-            <a:chExt cx="2731028" cy="1691616"/>
+            <a:chExt cx="2731028" cy="2060948"/>
           </a:xfrm>
         </p:grpSpPr>
         <p:sp>
@@ -4415,8 +4401,8 @@
           </p:nvSpPr>
           <p:spPr>
             <a:xfrm>
-              <a:off x="4479202" y="4940135"/>
-              <a:ext cx="861864" cy="369332"/>
+              <a:off x="4479202" y="4940136"/>
+              <a:ext cx="861864" cy="738664"/>
             </a:xfrm>
             <a:prstGeom prst="rect">
               <a:avLst/>
@@ -4485,7 +4471,7 @@
           <p:spPr>
             <a:xfrm>
               <a:off x="3463118" y="5954992"/>
-              <a:ext cx="1096816" cy="369332"/>
+              <a:ext cx="1096816" cy="738664"/>
             </a:xfrm>
             <a:prstGeom prst="rect">
               <a:avLst/>
@@ -4506,10 +4492,6 @@
                 </a:rPr>
                 <a:t>Boundary</a:t>
               </a:r>
-              <a:endParaRPr lang="en-US" dirty="0" smtClean="0">
-                <a:latin typeface="Times"/>
-                <a:cs typeface="Times"/>
-              </a:endParaRPr>
             </a:p>
           </p:txBody>
         </p:sp>
@@ -4558,8 +4540,8 @@
         </p:nvCxnSpPr>
         <p:spPr>
           <a:xfrm flipV="1">
-            <a:off x="1122798" y="5443086"/>
-            <a:ext cx="295305" cy="435387"/>
+            <a:off x="561399" y="2721543"/>
+            <a:ext cx="147653" cy="217694"/>
           </a:xfrm>
           <a:prstGeom prst="straightConnector1">
             <a:avLst/>
@@ -4594,8 +4576,8 @@
         </p:nvSpPr>
         <p:spPr>
           <a:xfrm>
-            <a:off x="136198" y="5912655"/>
-            <a:ext cx="2076297" cy="369332"/>
+            <a:off x="68099" y="2956328"/>
+            <a:ext cx="1038149" cy="184666"/>
           </a:xfrm>
           <a:prstGeom prst="rect">
             <a:avLst/>
@@ -4603,7 +4585,7 @@
           <a:noFill/>
         </p:spPr>
         <p:txBody>
-          <a:bodyPr wrap="square" rtlCol="0">
+          <a:bodyPr wrap="square" lIns="45720" tIns="22860" rIns="45720" bIns="22860" rtlCol="0">
             <a:spAutoFit/>
           </a:bodyPr>
           <a:lstStyle/>
@@ -4631,8 +4613,8 @@
         </p:nvSpPr>
         <p:spPr>
           <a:xfrm>
-            <a:off x="2514847" y="3183166"/>
-            <a:ext cx="952312" cy="521052"/>
+            <a:off x="1257424" y="1591583"/>
+            <a:ext cx="476156" cy="260526"/>
           </a:xfrm>
           <a:prstGeom prst="cube">
             <a:avLst>
@@ -4655,7 +4637,7 @@
           </a:fontRef>
         </p:style>
         <p:txBody>
-          <a:bodyPr rtlCol="0" anchor="ctr"/>
+          <a:bodyPr lIns="45720" tIns="22860" rIns="45720" bIns="22860" rtlCol="0" anchor="ctr"/>
           <a:lstStyle/>
           <a:p>
             <a:pPr algn="ctr"/>
@@ -4671,8 +4653,8 @@
         </p:nvSpPr>
         <p:spPr>
           <a:xfrm flipV="1">
-            <a:off x="2514847" y="3706693"/>
-            <a:ext cx="952312" cy="127062"/>
+            <a:off x="1257424" y="1853347"/>
+            <a:ext cx="476156" cy="63531"/>
           </a:xfrm>
           <a:prstGeom prst="trapezoid">
             <a:avLst/>
@@ -4693,7 +4675,7 @@
           </a:fontRef>
         </p:style>
         <p:txBody>
-          <a:bodyPr rtlCol="0" anchor="ctr"/>
+          <a:bodyPr lIns="45720" tIns="22860" rIns="45720" bIns="22860" rtlCol="0" anchor="ctr"/>
           <a:lstStyle/>
           <a:p>
             <a:pPr algn="ctr"/>
@@ -4711,8 +4693,8 @@
         </p:nvSpPr>
         <p:spPr bwMode="auto">
           <a:xfrm>
-            <a:off x="5464664" y="3269896"/>
-            <a:ext cx="2219239" cy="1827483"/>
+            <a:off x="2732332" y="1634948"/>
+            <a:ext cx="1109620" cy="913742"/>
           </a:xfrm>
           <a:prstGeom prst="ellipse">
             <a:avLst/>
@@ -4737,7 +4719,7 @@
           </a:extLst>
         </p:spPr>
         <p:txBody>
-          <a:bodyPr/>
+          <a:bodyPr lIns="45720" tIns="22860" rIns="45720" bIns="22860"/>
           <a:lstStyle/>
           <a:p>
             <a:endParaRPr lang="en-US">
@@ -4757,8 +4739,8 @@
         </p:nvSpPr>
         <p:spPr bwMode="auto">
           <a:xfrm flipV="1">
-            <a:off x="3521916" y="4251309"/>
-            <a:ext cx="224973" cy="60872"/>
+            <a:off x="1760958" y="2125655"/>
+            <a:ext cx="112487" cy="30436"/>
           </a:xfrm>
           <a:prstGeom prst="ellipse">
             <a:avLst/>
@@ -4783,7 +4765,7 @@
           </a:extLst>
         </p:spPr>
         <p:txBody>
-          <a:bodyPr/>
+          <a:bodyPr lIns="45720" tIns="22860" rIns="45720" bIns="22860"/>
           <a:lstStyle/>
           <a:p>
             <a:endParaRPr lang="en-US">
@@ -4805,8 +4787,8 @@
         </p:nvCxnSpPr>
         <p:spPr bwMode="auto">
           <a:xfrm flipH="1">
-            <a:off x="3634403" y="3537525"/>
-            <a:ext cx="2155261" cy="713784"/>
+            <a:off x="1817202" y="1768763"/>
+            <a:ext cx="1077631" cy="356892"/>
           </a:xfrm>
           <a:prstGeom prst="line">
             <a:avLst/>
@@ -4839,8 +4821,8 @@
         </p:nvCxnSpPr>
         <p:spPr bwMode="auto">
           <a:xfrm>
-            <a:off x="3626469" y="4312181"/>
-            <a:ext cx="2222596" cy="600533"/>
+            <a:off x="1813235" y="2156091"/>
+            <a:ext cx="1111298" cy="300267"/>
           </a:xfrm>
           <a:prstGeom prst="line">
             <a:avLst/>
@@ -4872,10 +4854,10 @@
           <p:nvPr/>
         </p:nvPicPr>
         <p:blipFill>
-          <a:blip r:embed="rId3">
+          <a:blip r:embed="rId3" cstate="email">
             <a:extLst>
               <a:ext uri="{28A0092B-C50C-407E-A947-70E740481C1C}">
-                <a14:useLocalDpi xmlns:a14="http://schemas.microsoft.com/office/drawing/2010/main" val="0"/>
+                <a14:useLocalDpi xmlns:a14="http://schemas.microsoft.com/office/drawing/2010/main"/>
               </a:ext>
             </a:extLst>
           </a:blip>
@@ -4885,8 +4867,8 @@
         </p:blipFill>
         <p:spPr>
           <a:xfrm>
-            <a:off x="5514147" y="3501837"/>
-            <a:ext cx="2148592" cy="1604538"/>
+            <a:off x="2757074" y="1750919"/>
+            <a:ext cx="1074296" cy="802269"/>
           </a:xfrm>
           <a:prstGeom prst="rect">
             <a:avLst/>

--- a/RA-L/pictures/pdf/SetUp.pptx
+++ b/RA-L/pictures/pdf/SetUp.pptx
@@ -7,14 +7,14 @@
   <p:sldIdLst>
     <p:sldId id="257" r:id="rId2"/>
   </p:sldIdLst>
-  <p:sldSz cx="3886200" cy="3200400"/>
+  <p:sldSz cx="7772400" cy="6400800"/>
   <p:notesSz cx="6858000" cy="9144000"/>
   <p:defaultTextStyle>
     <a:defPPr>
       <a:defRPr lang="en-US"/>
     </a:defPPr>
-    <a:lvl1pPr marL="0" algn="l" defTabSz="228600" rtl="0" eaLnBrk="1" latinLnBrk="0" hangingPunct="1">
-      <a:defRPr sz="900" kern="1200">
+    <a:lvl1pPr marL="0" algn="l" defTabSz="457200" rtl="0" eaLnBrk="1" latinLnBrk="0" hangingPunct="1">
+      <a:defRPr sz="1800" kern="1200">
         <a:solidFill>
           <a:schemeClr val="tx1"/>
         </a:solidFill>
@@ -23,8 +23,8 @@
         <a:cs typeface="+mn-cs"/>
       </a:defRPr>
     </a:lvl1pPr>
-    <a:lvl2pPr marL="228600" algn="l" defTabSz="228600" rtl="0" eaLnBrk="1" latinLnBrk="0" hangingPunct="1">
-      <a:defRPr sz="900" kern="1200">
+    <a:lvl2pPr marL="457200" algn="l" defTabSz="457200" rtl="0" eaLnBrk="1" latinLnBrk="0" hangingPunct="1">
+      <a:defRPr sz="1800" kern="1200">
         <a:solidFill>
           <a:schemeClr val="tx1"/>
         </a:solidFill>
@@ -33,8 +33,8 @@
         <a:cs typeface="+mn-cs"/>
       </a:defRPr>
     </a:lvl2pPr>
-    <a:lvl3pPr marL="457200" algn="l" defTabSz="228600" rtl="0" eaLnBrk="1" latinLnBrk="0" hangingPunct="1">
-      <a:defRPr sz="900" kern="1200">
+    <a:lvl3pPr marL="914400" algn="l" defTabSz="457200" rtl="0" eaLnBrk="1" latinLnBrk="0" hangingPunct="1">
+      <a:defRPr sz="1800" kern="1200">
         <a:solidFill>
           <a:schemeClr val="tx1"/>
         </a:solidFill>
@@ -43,8 +43,8 @@
         <a:cs typeface="+mn-cs"/>
       </a:defRPr>
     </a:lvl3pPr>
-    <a:lvl4pPr marL="685800" algn="l" defTabSz="228600" rtl="0" eaLnBrk="1" latinLnBrk="0" hangingPunct="1">
-      <a:defRPr sz="900" kern="1200">
+    <a:lvl4pPr marL="1371600" algn="l" defTabSz="457200" rtl="0" eaLnBrk="1" latinLnBrk="0" hangingPunct="1">
+      <a:defRPr sz="1800" kern="1200">
         <a:solidFill>
           <a:schemeClr val="tx1"/>
         </a:solidFill>
@@ -53,8 +53,8 @@
         <a:cs typeface="+mn-cs"/>
       </a:defRPr>
     </a:lvl4pPr>
-    <a:lvl5pPr marL="914400" algn="l" defTabSz="228600" rtl="0" eaLnBrk="1" latinLnBrk="0" hangingPunct="1">
-      <a:defRPr sz="900" kern="1200">
+    <a:lvl5pPr marL="1828800" algn="l" defTabSz="457200" rtl="0" eaLnBrk="1" latinLnBrk="0" hangingPunct="1">
+      <a:defRPr sz="1800" kern="1200">
         <a:solidFill>
           <a:schemeClr val="tx1"/>
         </a:solidFill>
@@ -63,8 +63,8 @@
         <a:cs typeface="+mn-cs"/>
       </a:defRPr>
     </a:lvl5pPr>
-    <a:lvl6pPr marL="1143000" algn="l" defTabSz="228600" rtl="0" eaLnBrk="1" latinLnBrk="0" hangingPunct="1">
-      <a:defRPr sz="900" kern="1200">
+    <a:lvl6pPr marL="2286000" algn="l" defTabSz="457200" rtl="0" eaLnBrk="1" latinLnBrk="0" hangingPunct="1">
+      <a:defRPr sz="1800" kern="1200">
         <a:solidFill>
           <a:schemeClr val="tx1"/>
         </a:solidFill>
@@ -73,8 +73,8 @@
         <a:cs typeface="+mn-cs"/>
       </a:defRPr>
     </a:lvl6pPr>
-    <a:lvl7pPr marL="1371600" algn="l" defTabSz="228600" rtl="0" eaLnBrk="1" latinLnBrk="0" hangingPunct="1">
-      <a:defRPr sz="900" kern="1200">
+    <a:lvl7pPr marL="2743200" algn="l" defTabSz="457200" rtl="0" eaLnBrk="1" latinLnBrk="0" hangingPunct="1">
+      <a:defRPr sz="1800" kern="1200">
         <a:solidFill>
           <a:schemeClr val="tx1"/>
         </a:solidFill>
@@ -83,8 +83,8 @@
         <a:cs typeface="+mn-cs"/>
       </a:defRPr>
     </a:lvl7pPr>
-    <a:lvl8pPr marL="1600200" algn="l" defTabSz="228600" rtl="0" eaLnBrk="1" latinLnBrk="0" hangingPunct="1">
-      <a:defRPr sz="900" kern="1200">
+    <a:lvl8pPr marL="3200400" algn="l" defTabSz="457200" rtl="0" eaLnBrk="1" latinLnBrk="0" hangingPunct="1">
+      <a:defRPr sz="1800" kern="1200">
         <a:solidFill>
           <a:schemeClr val="tx1"/>
         </a:solidFill>
@@ -93,8 +93,8 @@
         <a:cs typeface="+mn-cs"/>
       </a:defRPr>
     </a:lvl8pPr>
-    <a:lvl9pPr marL="1828800" algn="l" defTabSz="228600" rtl="0" eaLnBrk="1" latinLnBrk="0" hangingPunct="1">
-      <a:defRPr sz="900" kern="1200">
+    <a:lvl9pPr marL="3657600" algn="l" defTabSz="457200" rtl="0" eaLnBrk="1" latinLnBrk="0" hangingPunct="1">
+      <a:defRPr sz="1800" kern="1200">
         <a:solidFill>
           <a:schemeClr val="tx1"/>
         </a:solidFill>
@@ -136,8 +136,8 @@
         </p:nvSpPr>
         <p:spPr>
           <a:xfrm>
-            <a:off x="291465" y="994203"/>
-            <a:ext cx="3303270" cy="686012"/>
+            <a:off x="582930" y="1988406"/>
+            <a:ext cx="6606540" cy="1372023"/>
           </a:xfrm>
         </p:spPr>
         <p:txBody>
@@ -164,8 +164,8 @@
         </p:nvSpPr>
         <p:spPr>
           <a:xfrm>
-            <a:off x="582930" y="1813560"/>
-            <a:ext cx="2720340" cy="817880"/>
+            <a:off x="1165860" y="3627120"/>
+            <a:ext cx="5440680" cy="1635760"/>
           </a:xfrm>
         </p:spPr>
         <p:txBody>
@@ -181,7 +181,7 @@
                 </a:solidFill>
               </a:defRPr>
             </a:lvl1pPr>
-            <a:lvl2pPr marL="228600" indent="0" algn="ctr">
+            <a:lvl2pPr marL="457200" indent="0" algn="ctr">
               <a:buNone/>
               <a:defRPr>
                 <a:solidFill>
@@ -191,7 +191,7 @@
                 </a:solidFill>
               </a:defRPr>
             </a:lvl2pPr>
-            <a:lvl3pPr marL="457200" indent="0" algn="ctr">
+            <a:lvl3pPr marL="914400" indent="0" algn="ctr">
               <a:buNone/>
               <a:defRPr>
                 <a:solidFill>
@@ -201,7 +201,7 @@
                 </a:solidFill>
               </a:defRPr>
             </a:lvl3pPr>
-            <a:lvl4pPr marL="685800" indent="0" algn="ctr">
+            <a:lvl4pPr marL="1371600" indent="0" algn="ctr">
               <a:buNone/>
               <a:defRPr>
                 <a:solidFill>
@@ -211,7 +211,7 @@
                 </a:solidFill>
               </a:defRPr>
             </a:lvl4pPr>
-            <a:lvl5pPr marL="914400" indent="0" algn="ctr">
+            <a:lvl5pPr marL="1828800" indent="0" algn="ctr">
               <a:buNone/>
               <a:defRPr>
                 <a:solidFill>
@@ -221,7 +221,7 @@
                 </a:solidFill>
               </a:defRPr>
             </a:lvl5pPr>
-            <a:lvl6pPr marL="1143000" indent="0" algn="ctr">
+            <a:lvl6pPr marL="2286000" indent="0" algn="ctr">
               <a:buNone/>
               <a:defRPr>
                 <a:solidFill>
@@ -231,7 +231,7 @@
                 </a:solidFill>
               </a:defRPr>
             </a:lvl6pPr>
-            <a:lvl7pPr marL="1371600" indent="0" algn="ctr">
+            <a:lvl7pPr marL="2743200" indent="0" algn="ctr">
               <a:buNone/>
               <a:defRPr>
                 <a:solidFill>
@@ -241,7 +241,7 @@
                 </a:solidFill>
               </a:defRPr>
             </a:lvl7pPr>
-            <a:lvl8pPr marL="1600200" indent="0" algn="ctr">
+            <a:lvl8pPr marL="3200400" indent="0" algn="ctr">
               <a:buNone/>
               <a:defRPr>
                 <a:solidFill>
@@ -251,7 +251,7 @@
                 </a:solidFill>
               </a:defRPr>
             </a:lvl8pPr>
-            <a:lvl9pPr marL="1828800" indent="0" algn="ctr">
+            <a:lvl9pPr marL="3657600" indent="0" algn="ctr">
               <a:buNone/>
               <a:defRPr>
                 <a:solidFill>
@@ -288,7 +288,7 @@
           <a:p>
             <a:fld id="{F694978D-A894-E24D-9868-C9A03761E7E6}" type="datetimeFigureOut">
               <a:rPr lang="en-US" smtClean="0"/>
-              <a:t>9/6/16</a:t>
+              <a:t>8/26/16</a:t>
             </a:fld>
             <a:endParaRPr lang="en-US"/>
           </a:p>
@@ -458,7 +458,7 @@
           <a:p>
             <a:fld id="{F694978D-A894-E24D-9868-C9A03761E7E6}" type="datetimeFigureOut">
               <a:rPr lang="en-US" smtClean="0"/>
-              <a:t>9/6/16</a:t>
+              <a:t>8/26/16</a:t>
             </a:fld>
             <a:endParaRPr lang="en-US"/>
           </a:p>
@@ -548,8 +548,8 @@
         </p:nvSpPr>
         <p:spPr>
           <a:xfrm>
-            <a:off x="2817495" y="128169"/>
-            <a:ext cx="874395" cy="2730712"/>
+            <a:off x="5634990" y="256338"/>
+            <a:ext cx="1748790" cy="5461423"/>
           </a:xfrm>
         </p:spPr>
         <p:txBody>
@@ -576,8 +576,8 @@
         </p:nvSpPr>
         <p:spPr>
           <a:xfrm>
-            <a:off x="194310" y="128169"/>
-            <a:ext cx="2558415" cy="2730712"/>
+            <a:off x="388620" y="256338"/>
+            <a:ext cx="5116830" cy="5461423"/>
           </a:xfrm>
         </p:spPr>
         <p:txBody>
@@ -638,7 +638,7 @@
           <a:p>
             <a:fld id="{F694978D-A894-E24D-9868-C9A03761E7E6}" type="datetimeFigureOut">
               <a:rPr lang="en-US" smtClean="0"/>
-              <a:t>9/6/16</a:t>
+              <a:t>8/26/16</a:t>
             </a:fld>
             <a:endParaRPr lang="en-US"/>
           </a:p>
@@ -808,7 +808,7 @@
           <a:p>
             <a:fld id="{F694978D-A894-E24D-9868-C9A03761E7E6}" type="datetimeFigureOut">
               <a:rPr lang="en-US" smtClean="0"/>
-              <a:t>9/6/16</a:t>
+              <a:t>8/26/16</a:t>
             </a:fld>
             <a:endParaRPr lang="en-US"/>
           </a:p>
@@ -898,15 +898,15 @@
         </p:nvSpPr>
         <p:spPr>
           <a:xfrm>
-            <a:off x="306983" y="2056554"/>
-            <a:ext cx="3303270" cy="635635"/>
+            <a:off x="613965" y="4113108"/>
+            <a:ext cx="6606540" cy="1271270"/>
           </a:xfrm>
         </p:spPr>
         <p:txBody>
           <a:bodyPr anchor="t"/>
           <a:lstStyle>
             <a:lvl1pPr algn="l">
-              <a:defRPr sz="2000" b="1" cap="all"/>
+              <a:defRPr sz="4000" b="1" cap="all"/>
             </a:lvl1pPr>
           </a:lstStyle>
           <a:p>
@@ -930,8 +930,8 @@
         </p:nvSpPr>
         <p:spPr>
           <a:xfrm>
-            <a:off x="306983" y="1356468"/>
-            <a:ext cx="3303270" cy="700088"/>
+            <a:off x="613965" y="2712936"/>
+            <a:ext cx="6606540" cy="1400175"/>
           </a:xfrm>
         </p:spPr>
         <p:txBody>
@@ -939,7 +939,7 @@
           <a:lstStyle>
             <a:lvl1pPr marL="0" indent="0">
               <a:buNone/>
-              <a:defRPr sz="1000">
+              <a:defRPr sz="2000">
                 <a:solidFill>
                   <a:schemeClr val="tx1">
                     <a:tint val="75000"/>
@@ -947,9 +947,9 @@
                 </a:solidFill>
               </a:defRPr>
             </a:lvl1pPr>
-            <a:lvl2pPr marL="228600" indent="0">
-              <a:buNone/>
-              <a:defRPr sz="900">
+            <a:lvl2pPr marL="457200" indent="0">
+              <a:buNone/>
+              <a:defRPr sz="1800">
                 <a:solidFill>
                   <a:schemeClr val="tx1">
                     <a:tint val="75000"/>
@@ -957,9 +957,9 @@
                 </a:solidFill>
               </a:defRPr>
             </a:lvl2pPr>
-            <a:lvl3pPr marL="457200" indent="0">
-              <a:buNone/>
-              <a:defRPr sz="800">
+            <a:lvl3pPr marL="914400" indent="0">
+              <a:buNone/>
+              <a:defRPr sz="1600">
                 <a:solidFill>
                   <a:schemeClr val="tx1">
                     <a:tint val="75000"/>
@@ -967,9 +967,9 @@
                 </a:solidFill>
               </a:defRPr>
             </a:lvl3pPr>
-            <a:lvl4pPr marL="685800" indent="0">
-              <a:buNone/>
-              <a:defRPr sz="700">
+            <a:lvl4pPr marL="1371600" indent="0">
+              <a:buNone/>
+              <a:defRPr sz="1400">
                 <a:solidFill>
                   <a:schemeClr val="tx1">
                     <a:tint val="75000"/>
@@ -977,9 +977,9 @@
                 </a:solidFill>
               </a:defRPr>
             </a:lvl4pPr>
-            <a:lvl5pPr marL="914400" indent="0">
-              <a:buNone/>
-              <a:defRPr sz="700">
+            <a:lvl5pPr marL="1828800" indent="0">
+              <a:buNone/>
+              <a:defRPr sz="1400">
                 <a:solidFill>
                   <a:schemeClr val="tx1">
                     <a:tint val="75000"/>
@@ -987,9 +987,9 @@
                 </a:solidFill>
               </a:defRPr>
             </a:lvl5pPr>
-            <a:lvl6pPr marL="1143000" indent="0">
-              <a:buNone/>
-              <a:defRPr sz="700">
+            <a:lvl6pPr marL="2286000" indent="0">
+              <a:buNone/>
+              <a:defRPr sz="1400">
                 <a:solidFill>
                   <a:schemeClr val="tx1">
                     <a:tint val="75000"/>
@@ -997,9 +997,9 @@
                 </a:solidFill>
               </a:defRPr>
             </a:lvl6pPr>
-            <a:lvl7pPr marL="1371600" indent="0">
-              <a:buNone/>
-              <a:defRPr sz="700">
+            <a:lvl7pPr marL="2743200" indent="0">
+              <a:buNone/>
+              <a:defRPr sz="1400">
                 <a:solidFill>
                   <a:schemeClr val="tx1">
                     <a:tint val="75000"/>
@@ -1007,9 +1007,9 @@
                 </a:solidFill>
               </a:defRPr>
             </a:lvl7pPr>
-            <a:lvl8pPr marL="1600200" indent="0">
-              <a:buNone/>
-              <a:defRPr sz="700">
+            <a:lvl8pPr marL="3200400" indent="0">
+              <a:buNone/>
+              <a:defRPr sz="1400">
                 <a:solidFill>
                   <a:schemeClr val="tx1">
                     <a:tint val="75000"/>
@@ -1017,9 +1017,9 @@
                 </a:solidFill>
               </a:defRPr>
             </a:lvl8pPr>
-            <a:lvl9pPr marL="1828800" indent="0">
-              <a:buNone/>
-              <a:defRPr sz="700">
+            <a:lvl9pPr marL="3657600" indent="0">
+              <a:buNone/>
+              <a:defRPr sz="1400">
                 <a:solidFill>
                   <a:schemeClr val="tx1">
                     <a:tint val="75000"/>
@@ -1054,7 +1054,7 @@
           <a:p>
             <a:fld id="{F694978D-A894-E24D-9868-C9A03761E7E6}" type="datetimeFigureOut">
               <a:rPr lang="en-US" smtClean="0"/>
-              <a:t>9/6/16</a:t>
+              <a:t>8/26/16</a:t>
             </a:fld>
             <a:endParaRPr lang="en-US"/>
           </a:p>
@@ -1167,39 +1167,39 @@
         </p:nvSpPr>
         <p:spPr>
           <a:xfrm>
-            <a:off x="194310" y="746761"/>
-            <a:ext cx="1716405" cy="2112116"/>
+            <a:off x="388620" y="1493521"/>
+            <a:ext cx="3432810" cy="4224232"/>
           </a:xfrm>
         </p:spPr>
         <p:txBody>
           <a:bodyPr/>
           <a:lstStyle>
             <a:lvl1pPr>
-              <a:defRPr sz="1400"/>
+              <a:defRPr sz="2800"/>
             </a:lvl1pPr>
             <a:lvl2pPr>
-              <a:defRPr sz="1200"/>
+              <a:defRPr sz="2400"/>
             </a:lvl2pPr>
             <a:lvl3pPr>
-              <a:defRPr sz="1000"/>
+              <a:defRPr sz="2000"/>
             </a:lvl3pPr>
             <a:lvl4pPr>
-              <a:defRPr sz="900"/>
+              <a:defRPr sz="1800"/>
             </a:lvl4pPr>
             <a:lvl5pPr>
-              <a:defRPr sz="900"/>
+              <a:defRPr sz="1800"/>
             </a:lvl5pPr>
             <a:lvl6pPr>
-              <a:defRPr sz="900"/>
+              <a:defRPr sz="1800"/>
             </a:lvl6pPr>
             <a:lvl7pPr>
-              <a:defRPr sz="900"/>
+              <a:defRPr sz="1800"/>
             </a:lvl7pPr>
             <a:lvl8pPr>
-              <a:defRPr sz="900"/>
+              <a:defRPr sz="1800"/>
             </a:lvl8pPr>
             <a:lvl9pPr>
-              <a:defRPr sz="900"/>
+              <a:defRPr sz="1800"/>
             </a:lvl9pPr>
           </a:lstStyle>
           <a:p>
@@ -1252,39 +1252,39 @@
         </p:nvSpPr>
         <p:spPr>
           <a:xfrm>
-            <a:off x="1975485" y="746761"/>
-            <a:ext cx="1716405" cy="2112116"/>
+            <a:off x="3950970" y="1493521"/>
+            <a:ext cx="3432810" cy="4224232"/>
           </a:xfrm>
         </p:spPr>
         <p:txBody>
           <a:bodyPr/>
           <a:lstStyle>
             <a:lvl1pPr>
-              <a:defRPr sz="1400"/>
+              <a:defRPr sz="2800"/>
             </a:lvl1pPr>
             <a:lvl2pPr>
-              <a:defRPr sz="1200"/>
+              <a:defRPr sz="2400"/>
             </a:lvl2pPr>
             <a:lvl3pPr>
-              <a:defRPr sz="1000"/>
+              <a:defRPr sz="2000"/>
             </a:lvl3pPr>
             <a:lvl4pPr>
-              <a:defRPr sz="900"/>
+              <a:defRPr sz="1800"/>
             </a:lvl4pPr>
             <a:lvl5pPr>
-              <a:defRPr sz="900"/>
+              <a:defRPr sz="1800"/>
             </a:lvl5pPr>
             <a:lvl6pPr>
-              <a:defRPr sz="900"/>
+              <a:defRPr sz="1800"/>
             </a:lvl6pPr>
             <a:lvl7pPr>
-              <a:defRPr sz="900"/>
+              <a:defRPr sz="1800"/>
             </a:lvl7pPr>
             <a:lvl8pPr>
-              <a:defRPr sz="900"/>
+              <a:defRPr sz="1800"/>
             </a:lvl8pPr>
             <a:lvl9pPr>
-              <a:defRPr sz="900"/>
+              <a:defRPr sz="1800"/>
             </a:lvl9pPr>
           </a:lstStyle>
           <a:p>
@@ -1342,7 +1342,7 @@
           <a:p>
             <a:fld id="{F694978D-A894-E24D-9868-C9A03761E7E6}" type="datetimeFigureOut">
               <a:rPr lang="en-US" smtClean="0"/>
-              <a:t>9/6/16</a:t>
+              <a:t>8/26/16</a:t>
             </a:fld>
             <a:endParaRPr lang="en-US"/>
           </a:p>
@@ -1459,8 +1459,8 @@
         </p:nvSpPr>
         <p:spPr>
           <a:xfrm>
-            <a:off x="194310" y="716386"/>
-            <a:ext cx="1717080" cy="298556"/>
+            <a:off x="388620" y="1432773"/>
+            <a:ext cx="3434160" cy="597111"/>
           </a:xfrm>
         </p:spPr>
         <p:txBody>
@@ -1468,39 +1468,39 @@
           <a:lstStyle>
             <a:lvl1pPr marL="0" indent="0">
               <a:buNone/>
-              <a:defRPr sz="1200" b="1"/>
+              <a:defRPr sz="2400" b="1"/>
             </a:lvl1pPr>
-            <a:lvl2pPr marL="228600" indent="0">
-              <a:buNone/>
-              <a:defRPr sz="1000" b="1"/>
+            <a:lvl2pPr marL="457200" indent="0">
+              <a:buNone/>
+              <a:defRPr sz="2000" b="1"/>
             </a:lvl2pPr>
-            <a:lvl3pPr marL="457200" indent="0">
-              <a:buNone/>
-              <a:defRPr sz="900" b="1"/>
+            <a:lvl3pPr marL="914400" indent="0">
+              <a:buNone/>
+              <a:defRPr sz="1800" b="1"/>
             </a:lvl3pPr>
-            <a:lvl4pPr marL="685800" indent="0">
-              <a:buNone/>
-              <a:defRPr sz="800" b="1"/>
+            <a:lvl4pPr marL="1371600" indent="0">
+              <a:buNone/>
+              <a:defRPr sz="1600" b="1"/>
             </a:lvl4pPr>
-            <a:lvl5pPr marL="914400" indent="0">
-              <a:buNone/>
-              <a:defRPr sz="800" b="1"/>
+            <a:lvl5pPr marL="1828800" indent="0">
+              <a:buNone/>
+              <a:defRPr sz="1600" b="1"/>
             </a:lvl5pPr>
-            <a:lvl6pPr marL="1143000" indent="0">
-              <a:buNone/>
-              <a:defRPr sz="800" b="1"/>
+            <a:lvl6pPr marL="2286000" indent="0">
+              <a:buNone/>
+              <a:defRPr sz="1600" b="1"/>
             </a:lvl6pPr>
-            <a:lvl7pPr marL="1371600" indent="0">
-              <a:buNone/>
-              <a:defRPr sz="800" b="1"/>
+            <a:lvl7pPr marL="2743200" indent="0">
+              <a:buNone/>
+              <a:defRPr sz="1600" b="1"/>
             </a:lvl7pPr>
-            <a:lvl8pPr marL="1600200" indent="0">
-              <a:buNone/>
-              <a:defRPr sz="800" b="1"/>
+            <a:lvl8pPr marL="3200400" indent="0">
+              <a:buNone/>
+              <a:defRPr sz="1600" b="1"/>
             </a:lvl8pPr>
-            <a:lvl9pPr marL="1828800" indent="0">
-              <a:buNone/>
-              <a:defRPr sz="800" b="1"/>
+            <a:lvl9pPr marL="3657600" indent="0">
+              <a:buNone/>
+              <a:defRPr sz="1600" b="1"/>
             </a:lvl9pPr>
           </a:lstStyle>
           <a:p>
@@ -1524,39 +1524,39 @@
         </p:nvSpPr>
         <p:spPr>
           <a:xfrm>
-            <a:off x="194310" y="1014942"/>
-            <a:ext cx="1717080" cy="1843935"/>
+            <a:off x="388620" y="2029884"/>
+            <a:ext cx="3434160" cy="3687869"/>
           </a:xfrm>
         </p:spPr>
         <p:txBody>
           <a:bodyPr/>
           <a:lstStyle>
             <a:lvl1pPr>
-              <a:defRPr sz="1200"/>
+              <a:defRPr sz="2400"/>
             </a:lvl1pPr>
             <a:lvl2pPr>
-              <a:defRPr sz="1000"/>
+              <a:defRPr sz="2000"/>
             </a:lvl2pPr>
             <a:lvl3pPr>
-              <a:defRPr sz="900"/>
+              <a:defRPr sz="1800"/>
             </a:lvl3pPr>
             <a:lvl4pPr>
-              <a:defRPr sz="800"/>
+              <a:defRPr sz="1600"/>
             </a:lvl4pPr>
             <a:lvl5pPr>
-              <a:defRPr sz="800"/>
+              <a:defRPr sz="1600"/>
             </a:lvl5pPr>
             <a:lvl6pPr>
-              <a:defRPr sz="800"/>
+              <a:defRPr sz="1600"/>
             </a:lvl6pPr>
             <a:lvl7pPr>
-              <a:defRPr sz="800"/>
+              <a:defRPr sz="1600"/>
             </a:lvl7pPr>
             <a:lvl8pPr>
-              <a:defRPr sz="800"/>
+              <a:defRPr sz="1600"/>
             </a:lvl8pPr>
             <a:lvl9pPr>
-              <a:defRPr sz="800"/>
+              <a:defRPr sz="1600"/>
             </a:lvl9pPr>
           </a:lstStyle>
           <a:p>
@@ -1609,8 +1609,8 @@
         </p:nvSpPr>
         <p:spPr>
           <a:xfrm>
-            <a:off x="1974137" y="716386"/>
-            <a:ext cx="1717755" cy="298556"/>
+            <a:off x="3948274" y="1432773"/>
+            <a:ext cx="3435510" cy="597111"/>
           </a:xfrm>
         </p:spPr>
         <p:txBody>
@@ -1618,39 +1618,39 @@
           <a:lstStyle>
             <a:lvl1pPr marL="0" indent="0">
               <a:buNone/>
-              <a:defRPr sz="1200" b="1"/>
+              <a:defRPr sz="2400" b="1"/>
             </a:lvl1pPr>
-            <a:lvl2pPr marL="228600" indent="0">
-              <a:buNone/>
-              <a:defRPr sz="1000" b="1"/>
+            <a:lvl2pPr marL="457200" indent="0">
+              <a:buNone/>
+              <a:defRPr sz="2000" b="1"/>
             </a:lvl2pPr>
-            <a:lvl3pPr marL="457200" indent="0">
-              <a:buNone/>
-              <a:defRPr sz="900" b="1"/>
+            <a:lvl3pPr marL="914400" indent="0">
+              <a:buNone/>
+              <a:defRPr sz="1800" b="1"/>
             </a:lvl3pPr>
-            <a:lvl4pPr marL="685800" indent="0">
-              <a:buNone/>
-              <a:defRPr sz="800" b="1"/>
+            <a:lvl4pPr marL="1371600" indent="0">
+              <a:buNone/>
+              <a:defRPr sz="1600" b="1"/>
             </a:lvl4pPr>
-            <a:lvl5pPr marL="914400" indent="0">
-              <a:buNone/>
-              <a:defRPr sz="800" b="1"/>
+            <a:lvl5pPr marL="1828800" indent="0">
+              <a:buNone/>
+              <a:defRPr sz="1600" b="1"/>
             </a:lvl5pPr>
-            <a:lvl6pPr marL="1143000" indent="0">
-              <a:buNone/>
-              <a:defRPr sz="800" b="1"/>
+            <a:lvl6pPr marL="2286000" indent="0">
+              <a:buNone/>
+              <a:defRPr sz="1600" b="1"/>
             </a:lvl6pPr>
-            <a:lvl7pPr marL="1371600" indent="0">
-              <a:buNone/>
-              <a:defRPr sz="800" b="1"/>
+            <a:lvl7pPr marL="2743200" indent="0">
+              <a:buNone/>
+              <a:defRPr sz="1600" b="1"/>
             </a:lvl7pPr>
-            <a:lvl8pPr marL="1600200" indent="0">
-              <a:buNone/>
-              <a:defRPr sz="800" b="1"/>
+            <a:lvl8pPr marL="3200400" indent="0">
+              <a:buNone/>
+              <a:defRPr sz="1600" b="1"/>
             </a:lvl8pPr>
-            <a:lvl9pPr marL="1828800" indent="0">
-              <a:buNone/>
-              <a:defRPr sz="800" b="1"/>
+            <a:lvl9pPr marL="3657600" indent="0">
+              <a:buNone/>
+              <a:defRPr sz="1600" b="1"/>
             </a:lvl9pPr>
           </a:lstStyle>
           <a:p>
@@ -1674,39 +1674,39 @@
         </p:nvSpPr>
         <p:spPr>
           <a:xfrm>
-            <a:off x="1974137" y="1014942"/>
-            <a:ext cx="1717755" cy="1843935"/>
+            <a:off x="3948274" y="2029884"/>
+            <a:ext cx="3435510" cy="3687869"/>
           </a:xfrm>
         </p:spPr>
         <p:txBody>
           <a:bodyPr/>
           <a:lstStyle>
             <a:lvl1pPr>
-              <a:defRPr sz="1200"/>
+              <a:defRPr sz="2400"/>
             </a:lvl1pPr>
             <a:lvl2pPr>
-              <a:defRPr sz="1000"/>
+              <a:defRPr sz="2000"/>
             </a:lvl2pPr>
             <a:lvl3pPr>
-              <a:defRPr sz="900"/>
+              <a:defRPr sz="1800"/>
             </a:lvl3pPr>
             <a:lvl4pPr>
-              <a:defRPr sz="800"/>
+              <a:defRPr sz="1600"/>
             </a:lvl4pPr>
             <a:lvl5pPr>
-              <a:defRPr sz="800"/>
+              <a:defRPr sz="1600"/>
             </a:lvl5pPr>
             <a:lvl6pPr>
-              <a:defRPr sz="800"/>
+              <a:defRPr sz="1600"/>
             </a:lvl6pPr>
             <a:lvl7pPr>
-              <a:defRPr sz="800"/>
+              <a:defRPr sz="1600"/>
             </a:lvl7pPr>
             <a:lvl8pPr>
-              <a:defRPr sz="800"/>
+              <a:defRPr sz="1600"/>
             </a:lvl8pPr>
             <a:lvl9pPr>
-              <a:defRPr sz="800"/>
+              <a:defRPr sz="1600"/>
             </a:lvl9pPr>
           </a:lstStyle>
           <a:p>
@@ -1764,7 +1764,7 @@
           <a:p>
             <a:fld id="{F694978D-A894-E24D-9868-C9A03761E7E6}" type="datetimeFigureOut">
               <a:rPr lang="en-US" smtClean="0"/>
-              <a:t>9/6/16</a:t>
+              <a:t>8/26/16</a:t>
             </a:fld>
             <a:endParaRPr lang="en-US"/>
           </a:p>
@@ -1882,7 +1882,7 @@
           <a:p>
             <a:fld id="{F694978D-A894-E24D-9868-C9A03761E7E6}" type="datetimeFigureOut">
               <a:rPr lang="en-US" smtClean="0"/>
-              <a:t>9/6/16</a:t>
+              <a:t>8/26/16</a:t>
             </a:fld>
             <a:endParaRPr lang="en-US"/>
           </a:p>
@@ -1977,7 +1977,7 @@
           <a:p>
             <a:fld id="{F694978D-A894-E24D-9868-C9A03761E7E6}" type="datetimeFigureOut">
               <a:rPr lang="en-US" smtClean="0"/>
-              <a:t>9/6/16</a:t>
+              <a:t>8/26/16</a:t>
             </a:fld>
             <a:endParaRPr lang="en-US"/>
           </a:p>
@@ -2067,15 +2067,15 @@
         </p:nvSpPr>
         <p:spPr>
           <a:xfrm>
-            <a:off x="194311" y="127424"/>
-            <a:ext cx="1278533" cy="542290"/>
+            <a:off x="388622" y="254847"/>
+            <a:ext cx="2557065" cy="1084580"/>
           </a:xfrm>
         </p:spPr>
         <p:txBody>
           <a:bodyPr anchor="b"/>
           <a:lstStyle>
             <a:lvl1pPr algn="l">
-              <a:defRPr sz="1000" b="1"/>
+              <a:defRPr sz="2000" b="1"/>
             </a:lvl1pPr>
           </a:lstStyle>
           <a:p>
@@ -2099,39 +2099,39 @@
         </p:nvSpPr>
         <p:spPr>
           <a:xfrm>
-            <a:off x="1519397" y="127428"/>
-            <a:ext cx="2172494" cy="2731453"/>
+            <a:off x="3038794" y="254856"/>
+            <a:ext cx="4344988" cy="5462905"/>
           </a:xfrm>
         </p:spPr>
         <p:txBody>
           <a:bodyPr/>
           <a:lstStyle>
             <a:lvl1pPr>
-              <a:defRPr sz="1600"/>
+              <a:defRPr sz="3200"/>
             </a:lvl1pPr>
             <a:lvl2pPr>
-              <a:defRPr sz="1400"/>
+              <a:defRPr sz="2800"/>
             </a:lvl2pPr>
             <a:lvl3pPr>
-              <a:defRPr sz="1200"/>
+              <a:defRPr sz="2400"/>
             </a:lvl3pPr>
             <a:lvl4pPr>
-              <a:defRPr sz="1000"/>
+              <a:defRPr sz="2000"/>
             </a:lvl4pPr>
             <a:lvl5pPr>
-              <a:defRPr sz="1000"/>
+              <a:defRPr sz="2000"/>
             </a:lvl5pPr>
             <a:lvl6pPr>
-              <a:defRPr sz="1000"/>
+              <a:defRPr sz="2000"/>
             </a:lvl6pPr>
             <a:lvl7pPr>
-              <a:defRPr sz="1000"/>
+              <a:defRPr sz="2000"/>
             </a:lvl7pPr>
             <a:lvl8pPr>
-              <a:defRPr sz="1000"/>
+              <a:defRPr sz="2000"/>
             </a:lvl8pPr>
             <a:lvl9pPr>
-              <a:defRPr sz="1000"/>
+              <a:defRPr sz="2000"/>
             </a:lvl9pPr>
           </a:lstStyle>
           <a:p>
@@ -2184,8 +2184,8 @@
         </p:nvSpPr>
         <p:spPr>
           <a:xfrm>
-            <a:off x="194311" y="669718"/>
-            <a:ext cx="1278533" cy="2189163"/>
+            <a:off x="388622" y="1339436"/>
+            <a:ext cx="2557065" cy="4378325"/>
           </a:xfrm>
         </p:spPr>
         <p:txBody>
@@ -2193,39 +2193,39 @@
           <a:lstStyle>
             <a:lvl1pPr marL="0" indent="0">
               <a:buNone/>
-              <a:defRPr sz="700"/>
+              <a:defRPr sz="1400"/>
             </a:lvl1pPr>
-            <a:lvl2pPr marL="228600" indent="0">
-              <a:buNone/>
-              <a:defRPr sz="600"/>
+            <a:lvl2pPr marL="457200" indent="0">
+              <a:buNone/>
+              <a:defRPr sz="1200"/>
             </a:lvl2pPr>
-            <a:lvl3pPr marL="457200" indent="0">
-              <a:buNone/>
-              <a:defRPr sz="500"/>
+            <a:lvl3pPr marL="914400" indent="0">
+              <a:buNone/>
+              <a:defRPr sz="1000"/>
             </a:lvl3pPr>
-            <a:lvl4pPr marL="685800" indent="0">
-              <a:buNone/>
-              <a:defRPr sz="500"/>
+            <a:lvl4pPr marL="1371600" indent="0">
+              <a:buNone/>
+              <a:defRPr sz="900"/>
             </a:lvl4pPr>
-            <a:lvl5pPr marL="914400" indent="0">
-              <a:buNone/>
-              <a:defRPr sz="500"/>
+            <a:lvl5pPr marL="1828800" indent="0">
+              <a:buNone/>
+              <a:defRPr sz="900"/>
             </a:lvl5pPr>
-            <a:lvl6pPr marL="1143000" indent="0">
-              <a:buNone/>
-              <a:defRPr sz="500"/>
+            <a:lvl6pPr marL="2286000" indent="0">
+              <a:buNone/>
+              <a:defRPr sz="900"/>
             </a:lvl6pPr>
-            <a:lvl7pPr marL="1371600" indent="0">
-              <a:buNone/>
-              <a:defRPr sz="500"/>
+            <a:lvl7pPr marL="2743200" indent="0">
+              <a:buNone/>
+              <a:defRPr sz="900"/>
             </a:lvl7pPr>
-            <a:lvl8pPr marL="1600200" indent="0">
-              <a:buNone/>
-              <a:defRPr sz="500"/>
+            <a:lvl8pPr marL="3200400" indent="0">
+              <a:buNone/>
+              <a:defRPr sz="900"/>
             </a:lvl8pPr>
-            <a:lvl9pPr marL="1828800" indent="0">
-              <a:buNone/>
-              <a:defRPr sz="500"/>
+            <a:lvl9pPr marL="3657600" indent="0">
+              <a:buNone/>
+              <a:defRPr sz="900"/>
             </a:lvl9pPr>
           </a:lstStyle>
           <a:p>
@@ -2254,7 +2254,7 @@
           <a:p>
             <a:fld id="{F694978D-A894-E24D-9868-C9A03761E7E6}" type="datetimeFigureOut">
               <a:rPr lang="en-US" smtClean="0"/>
-              <a:t>9/6/16</a:t>
+              <a:t>8/26/16</a:t>
             </a:fld>
             <a:endParaRPr lang="en-US"/>
           </a:p>
@@ -2344,15 +2344,15 @@
         </p:nvSpPr>
         <p:spPr>
           <a:xfrm>
-            <a:off x="761723" y="2240284"/>
-            <a:ext cx="2331720" cy="264478"/>
+            <a:off x="1523445" y="4480568"/>
+            <a:ext cx="4663440" cy="528955"/>
           </a:xfrm>
         </p:spPr>
         <p:txBody>
           <a:bodyPr anchor="b"/>
           <a:lstStyle>
             <a:lvl1pPr algn="l">
-              <a:defRPr sz="1000" b="1"/>
+              <a:defRPr sz="2000" b="1"/>
             </a:lvl1pPr>
           </a:lstStyle>
           <a:p>
@@ -2376,8 +2376,8 @@
         </p:nvSpPr>
         <p:spPr>
           <a:xfrm>
-            <a:off x="761723" y="285962"/>
-            <a:ext cx="2331720" cy="1920240"/>
+            <a:off x="1523445" y="571923"/>
+            <a:ext cx="4663440" cy="3840480"/>
           </a:xfrm>
         </p:spPr>
         <p:txBody>
@@ -2385,39 +2385,39 @@
           <a:lstStyle>
             <a:lvl1pPr marL="0" indent="0">
               <a:buNone/>
-              <a:defRPr sz="1600"/>
+              <a:defRPr sz="3200"/>
             </a:lvl1pPr>
-            <a:lvl2pPr marL="228600" indent="0">
-              <a:buNone/>
-              <a:defRPr sz="1400"/>
+            <a:lvl2pPr marL="457200" indent="0">
+              <a:buNone/>
+              <a:defRPr sz="2800"/>
             </a:lvl2pPr>
-            <a:lvl3pPr marL="457200" indent="0">
-              <a:buNone/>
-              <a:defRPr sz="1200"/>
+            <a:lvl3pPr marL="914400" indent="0">
+              <a:buNone/>
+              <a:defRPr sz="2400"/>
             </a:lvl3pPr>
-            <a:lvl4pPr marL="685800" indent="0">
-              <a:buNone/>
-              <a:defRPr sz="1000"/>
+            <a:lvl4pPr marL="1371600" indent="0">
+              <a:buNone/>
+              <a:defRPr sz="2000"/>
             </a:lvl4pPr>
-            <a:lvl5pPr marL="914400" indent="0">
-              <a:buNone/>
-              <a:defRPr sz="1000"/>
+            <a:lvl5pPr marL="1828800" indent="0">
+              <a:buNone/>
+              <a:defRPr sz="2000"/>
             </a:lvl5pPr>
-            <a:lvl6pPr marL="1143000" indent="0">
-              <a:buNone/>
-              <a:defRPr sz="1000"/>
+            <a:lvl6pPr marL="2286000" indent="0">
+              <a:buNone/>
+              <a:defRPr sz="2000"/>
             </a:lvl6pPr>
-            <a:lvl7pPr marL="1371600" indent="0">
-              <a:buNone/>
-              <a:defRPr sz="1000"/>
+            <a:lvl7pPr marL="2743200" indent="0">
+              <a:buNone/>
+              <a:defRPr sz="2000"/>
             </a:lvl7pPr>
-            <a:lvl8pPr marL="1600200" indent="0">
-              <a:buNone/>
-              <a:defRPr sz="1000"/>
+            <a:lvl8pPr marL="3200400" indent="0">
+              <a:buNone/>
+              <a:defRPr sz="2000"/>
             </a:lvl8pPr>
-            <a:lvl9pPr marL="1828800" indent="0">
-              <a:buNone/>
-              <a:defRPr sz="1000"/>
+            <a:lvl9pPr marL="3657600" indent="0">
+              <a:buNone/>
+              <a:defRPr sz="2000"/>
             </a:lvl9pPr>
           </a:lstStyle>
           <a:p>
@@ -2437,8 +2437,8 @@
         </p:nvSpPr>
         <p:spPr>
           <a:xfrm>
-            <a:off x="761723" y="2504762"/>
-            <a:ext cx="2331720" cy="375603"/>
+            <a:off x="1523445" y="5009523"/>
+            <a:ext cx="4663440" cy="751205"/>
           </a:xfrm>
         </p:spPr>
         <p:txBody>
@@ -2446,39 +2446,39 @@
           <a:lstStyle>
             <a:lvl1pPr marL="0" indent="0">
               <a:buNone/>
-              <a:defRPr sz="700"/>
+              <a:defRPr sz="1400"/>
             </a:lvl1pPr>
-            <a:lvl2pPr marL="228600" indent="0">
-              <a:buNone/>
-              <a:defRPr sz="600"/>
+            <a:lvl2pPr marL="457200" indent="0">
+              <a:buNone/>
+              <a:defRPr sz="1200"/>
             </a:lvl2pPr>
-            <a:lvl3pPr marL="457200" indent="0">
-              <a:buNone/>
-              <a:defRPr sz="500"/>
+            <a:lvl3pPr marL="914400" indent="0">
+              <a:buNone/>
+              <a:defRPr sz="1000"/>
             </a:lvl3pPr>
-            <a:lvl4pPr marL="685800" indent="0">
-              <a:buNone/>
-              <a:defRPr sz="500"/>
+            <a:lvl4pPr marL="1371600" indent="0">
+              <a:buNone/>
+              <a:defRPr sz="900"/>
             </a:lvl4pPr>
-            <a:lvl5pPr marL="914400" indent="0">
-              <a:buNone/>
-              <a:defRPr sz="500"/>
+            <a:lvl5pPr marL="1828800" indent="0">
+              <a:buNone/>
+              <a:defRPr sz="900"/>
             </a:lvl5pPr>
-            <a:lvl6pPr marL="1143000" indent="0">
-              <a:buNone/>
-              <a:defRPr sz="500"/>
+            <a:lvl6pPr marL="2286000" indent="0">
+              <a:buNone/>
+              <a:defRPr sz="900"/>
             </a:lvl6pPr>
-            <a:lvl7pPr marL="1371600" indent="0">
-              <a:buNone/>
-              <a:defRPr sz="500"/>
+            <a:lvl7pPr marL="2743200" indent="0">
+              <a:buNone/>
+              <a:defRPr sz="900"/>
             </a:lvl7pPr>
-            <a:lvl8pPr marL="1600200" indent="0">
-              <a:buNone/>
-              <a:defRPr sz="500"/>
+            <a:lvl8pPr marL="3200400" indent="0">
+              <a:buNone/>
+              <a:defRPr sz="900"/>
             </a:lvl8pPr>
-            <a:lvl9pPr marL="1828800" indent="0">
-              <a:buNone/>
-              <a:defRPr sz="500"/>
+            <a:lvl9pPr marL="3657600" indent="0">
+              <a:buNone/>
+              <a:defRPr sz="900"/>
             </a:lvl9pPr>
           </a:lstStyle>
           <a:p>
@@ -2507,7 +2507,7 @@
           <a:p>
             <a:fld id="{F694978D-A894-E24D-9868-C9A03761E7E6}" type="datetimeFigureOut">
               <a:rPr lang="en-US" smtClean="0"/>
-              <a:t>9/6/16</a:t>
+              <a:t>8/26/16</a:t>
             </a:fld>
             <a:endParaRPr lang="en-US"/>
           </a:p>
@@ -2602,15 +2602,15 @@
         </p:nvSpPr>
         <p:spPr>
           <a:xfrm>
-            <a:off x="194310" y="128165"/>
-            <a:ext cx="3497580" cy="533400"/>
+            <a:off x="388620" y="256329"/>
+            <a:ext cx="6995160" cy="1066800"/>
           </a:xfrm>
           <a:prstGeom prst="rect">
             <a:avLst/>
           </a:prstGeom>
         </p:spPr>
         <p:txBody>
-          <a:bodyPr vert="horz" lIns="45720" tIns="22860" rIns="45720" bIns="22860" rtlCol="0" anchor="ctr">
+          <a:bodyPr vert="horz" lIns="91440" tIns="45720" rIns="91440" bIns="45720" rtlCol="0" anchor="ctr">
             <a:normAutofit/>
           </a:bodyPr>
           <a:lstStyle/>
@@ -2635,15 +2635,15 @@
         </p:nvSpPr>
         <p:spPr>
           <a:xfrm>
-            <a:off x="194310" y="746761"/>
-            <a:ext cx="3497580" cy="2112116"/>
+            <a:off x="388620" y="1493521"/>
+            <a:ext cx="6995160" cy="4224232"/>
           </a:xfrm>
           <a:prstGeom prst="rect">
             <a:avLst/>
           </a:prstGeom>
         </p:spPr>
         <p:txBody>
-          <a:bodyPr vert="horz" lIns="45720" tIns="22860" rIns="45720" bIns="22860" rtlCol="0">
+          <a:bodyPr vert="horz" lIns="91440" tIns="45720" rIns="91440" bIns="45720" rtlCol="0">
             <a:normAutofit/>
           </a:bodyPr>
           <a:lstStyle/>
@@ -2697,18 +2697,18 @@
         </p:nvSpPr>
         <p:spPr>
           <a:xfrm>
-            <a:off x="194310" y="2966302"/>
-            <a:ext cx="906780" cy="170392"/>
+            <a:off x="388620" y="5932603"/>
+            <a:ext cx="1813560" cy="340783"/>
           </a:xfrm>
           <a:prstGeom prst="rect">
             <a:avLst/>
           </a:prstGeom>
         </p:spPr>
         <p:txBody>
-          <a:bodyPr vert="horz" lIns="45720" tIns="22860" rIns="45720" bIns="22860" rtlCol="0" anchor="ctr"/>
+          <a:bodyPr vert="horz" lIns="91440" tIns="45720" rIns="91440" bIns="45720" rtlCol="0" anchor="ctr"/>
           <a:lstStyle>
             <a:lvl1pPr algn="l">
-              <a:defRPr sz="600">
+              <a:defRPr sz="1200">
                 <a:solidFill>
                   <a:schemeClr val="tx1">
                     <a:tint val="75000"/>
@@ -2720,7 +2720,7 @@
           <a:p>
             <a:fld id="{F694978D-A894-E24D-9868-C9A03761E7E6}" type="datetimeFigureOut">
               <a:rPr lang="en-US" smtClean="0"/>
-              <a:t>9/6/16</a:t>
+              <a:t>8/26/16</a:t>
             </a:fld>
             <a:endParaRPr lang="en-US"/>
           </a:p>
@@ -2738,18 +2738,18 @@
         </p:nvSpPr>
         <p:spPr>
           <a:xfrm>
-            <a:off x="1327785" y="2966302"/>
-            <a:ext cx="1230630" cy="170392"/>
+            <a:off x="2655570" y="5932603"/>
+            <a:ext cx="2461260" cy="340783"/>
           </a:xfrm>
           <a:prstGeom prst="rect">
             <a:avLst/>
           </a:prstGeom>
         </p:spPr>
         <p:txBody>
-          <a:bodyPr vert="horz" lIns="45720" tIns="22860" rIns="45720" bIns="22860" rtlCol="0" anchor="ctr"/>
+          <a:bodyPr vert="horz" lIns="91440" tIns="45720" rIns="91440" bIns="45720" rtlCol="0" anchor="ctr"/>
           <a:lstStyle>
             <a:lvl1pPr algn="ctr">
-              <a:defRPr sz="600">
+              <a:defRPr sz="1200">
                 <a:solidFill>
                   <a:schemeClr val="tx1">
                     <a:tint val="75000"/>
@@ -2775,18 +2775,18 @@
         </p:nvSpPr>
         <p:spPr>
           <a:xfrm>
-            <a:off x="2785110" y="2966302"/>
-            <a:ext cx="906780" cy="170392"/>
+            <a:off x="5570220" y="5932603"/>
+            <a:ext cx="1813560" cy="340783"/>
           </a:xfrm>
           <a:prstGeom prst="rect">
             <a:avLst/>
           </a:prstGeom>
         </p:spPr>
         <p:txBody>
-          <a:bodyPr vert="horz" lIns="45720" tIns="22860" rIns="45720" bIns="22860" rtlCol="0" anchor="ctr"/>
+          <a:bodyPr vert="horz" lIns="91440" tIns="45720" rIns="91440" bIns="45720" rtlCol="0" anchor="ctr"/>
           <a:lstStyle>
             <a:lvl1pPr algn="r">
-              <a:defRPr sz="600">
+              <a:defRPr sz="1200">
                 <a:solidFill>
                   <a:schemeClr val="tx1">
                     <a:tint val="75000"/>
@@ -2827,12 +2827,12 @@
   </p:sldLayoutIdLst>
   <p:txStyles>
     <p:titleStyle>
-      <a:lvl1pPr algn="ctr" defTabSz="228600" rtl="0" eaLnBrk="1" latinLnBrk="0" hangingPunct="1">
+      <a:lvl1pPr algn="ctr" defTabSz="457200" rtl="0" eaLnBrk="1" latinLnBrk="0" hangingPunct="1">
         <a:spcBef>
           <a:spcPct val="0"/>
         </a:spcBef>
         <a:buNone/>
-        <a:defRPr sz="2200" kern="1200">
+        <a:defRPr sz="4400" kern="1200">
           <a:solidFill>
             <a:schemeClr val="tx1"/>
           </a:solidFill>
@@ -2843,13 +2843,13 @@
       </a:lvl1pPr>
     </p:titleStyle>
     <p:bodyStyle>
-      <a:lvl1pPr marL="171450" indent="-171450" algn="l" defTabSz="228600" rtl="0" eaLnBrk="1" latinLnBrk="0" hangingPunct="1">
+      <a:lvl1pPr marL="342900" indent="-342900" algn="l" defTabSz="457200" rtl="0" eaLnBrk="1" latinLnBrk="0" hangingPunct="1">
         <a:spcBef>
           <a:spcPct val="20000"/>
         </a:spcBef>
         <a:buFont typeface="Arial"/>
         <a:buChar char="•"/>
-        <a:defRPr sz="1600" kern="1200">
+        <a:defRPr sz="3200" kern="1200">
           <a:solidFill>
             <a:schemeClr val="tx1"/>
           </a:solidFill>
@@ -2858,13 +2858,13 @@
           <a:cs typeface="+mn-cs"/>
         </a:defRPr>
       </a:lvl1pPr>
-      <a:lvl2pPr marL="371475" indent="-142875" algn="l" defTabSz="228600" rtl="0" eaLnBrk="1" latinLnBrk="0" hangingPunct="1">
+      <a:lvl2pPr marL="742950" indent="-285750" algn="l" defTabSz="457200" rtl="0" eaLnBrk="1" latinLnBrk="0" hangingPunct="1">
         <a:spcBef>
           <a:spcPct val="20000"/>
         </a:spcBef>
         <a:buFont typeface="Arial"/>
         <a:buChar char="–"/>
-        <a:defRPr sz="1400" kern="1200">
+        <a:defRPr sz="2800" kern="1200">
           <a:solidFill>
             <a:schemeClr val="tx1"/>
           </a:solidFill>
@@ -2873,13 +2873,13 @@
           <a:cs typeface="+mn-cs"/>
         </a:defRPr>
       </a:lvl2pPr>
-      <a:lvl3pPr marL="571500" indent="-114300" algn="l" defTabSz="228600" rtl="0" eaLnBrk="1" latinLnBrk="0" hangingPunct="1">
+      <a:lvl3pPr marL="1143000" indent="-228600" algn="l" defTabSz="457200" rtl="0" eaLnBrk="1" latinLnBrk="0" hangingPunct="1">
         <a:spcBef>
           <a:spcPct val="20000"/>
         </a:spcBef>
         <a:buFont typeface="Arial"/>
         <a:buChar char="•"/>
-        <a:defRPr sz="1200" kern="1200">
+        <a:defRPr sz="2400" kern="1200">
           <a:solidFill>
             <a:schemeClr val="tx1"/>
           </a:solidFill>
@@ -2888,13 +2888,13 @@
           <a:cs typeface="+mn-cs"/>
         </a:defRPr>
       </a:lvl3pPr>
-      <a:lvl4pPr marL="800100" indent="-114300" algn="l" defTabSz="228600" rtl="0" eaLnBrk="1" latinLnBrk="0" hangingPunct="1">
+      <a:lvl4pPr marL="1600200" indent="-228600" algn="l" defTabSz="457200" rtl="0" eaLnBrk="1" latinLnBrk="0" hangingPunct="1">
         <a:spcBef>
           <a:spcPct val="20000"/>
         </a:spcBef>
         <a:buFont typeface="Arial"/>
         <a:buChar char="–"/>
-        <a:defRPr sz="1000" kern="1200">
+        <a:defRPr sz="2000" kern="1200">
           <a:solidFill>
             <a:schemeClr val="tx1"/>
           </a:solidFill>
@@ -2903,13 +2903,13 @@
           <a:cs typeface="+mn-cs"/>
         </a:defRPr>
       </a:lvl4pPr>
-      <a:lvl5pPr marL="1028700" indent="-114300" algn="l" defTabSz="228600" rtl="0" eaLnBrk="1" latinLnBrk="0" hangingPunct="1">
+      <a:lvl5pPr marL="2057400" indent="-228600" algn="l" defTabSz="457200" rtl="0" eaLnBrk="1" latinLnBrk="0" hangingPunct="1">
         <a:spcBef>
           <a:spcPct val="20000"/>
         </a:spcBef>
         <a:buFont typeface="Arial"/>
         <a:buChar char="»"/>
-        <a:defRPr sz="1000" kern="1200">
+        <a:defRPr sz="2000" kern="1200">
           <a:solidFill>
             <a:schemeClr val="tx1"/>
           </a:solidFill>
@@ -2918,13 +2918,13 @@
           <a:cs typeface="+mn-cs"/>
         </a:defRPr>
       </a:lvl5pPr>
-      <a:lvl6pPr marL="1257300" indent="-114300" algn="l" defTabSz="228600" rtl="0" eaLnBrk="1" latinLnBrk="0" hangingPunct="1">
+      <a:lvl6pPr marL="2514600" indent="-228600" algn="l" defTabSz="457200" rtl="0" eaLnBrk="1" latinLnBrk="0" hangingPunct="1">
         <a:spcBef>
           <a:spcPct val="20000"/>
         </a:spcBef>
         <a:buFont typeface="Arial"/>
         <a:buChar char="•"/>
-        <a:defRPr sz="1000" kern="1200">
+        <a:defRPr sz="2000" kern="1200">
           <a:solidFill>
             <a:schemeClr val="tx1"/>
           </a:solidFill>
@@ -2933,13 +2933,13 @@
           <a:cs typeface="+mn-cs"/>
         </a:defRPr>
       </a:lvl6pPr>
-      <a:lvl7pPr marL="1485900" indent="-114300" algn="l" defTabSz="228600" rtl="0" eaLnBrk="1" latinLnBrk="0" hangingPunct="1">
+      <a:lvl7pPr marL="2971800" indent="-228600" algn="l" defTabSz="457200" rtl="0" eaLnBrk="1" latinLnBrk="0" hangingPunct="1">
         <a:spcBef>
           <a:spcPct val="20000"/>
         </a:spcBef>
         <a:buFont typeface="Arial"/>
         <a:buChar char="•"/>
-        <a:defRPr sz="1000" kern="1200">
+        <a:defRPr sz="2000" kern="1200">
           <a:solidFill>
             <a:schemeClr val="tx1"/>
           </a:solidFill>
@@ -2948,13 +2948,13 @@
           <a:cs typeface="+mn-cs"/>
         </a:defRPr>
       </a:lvl7pPr>
-      <a:lvl8pPr marL="1714500" indent="-114300" algn="l" defTabSz="228600" rtl="0" eaLnBrk="1" latinLnBrk="0" hangingPunct="1">
+      <a:lvl8pPr marL="3429000" indent="-228600" algn="l" defTabSz="457200" rtl="0" eaLnBrk="1" latinLnBrk="0" hangingPunct="1">
         <a:spcBef>
           <a:spcPct val="20000"/>
         </a:spcBef>
         <a:buFont typeface="Arial"/>
         <a:buChar char="•"/>
-        <a:defRPr sz="1000" kern="1200">
+        <a:defRPr sz="2000" kern="1200">
           <a:solidFill>
             <a:schemeClr val="tx1"/>
           </a:solidFill>
@@ -2963,13 +2963,13 @@
           <a:cs typeface="+mn-cs"/>
         </a:defRPr>
       </a:lvl8pPr>
-      <a:lvl9pPr marL="1943100" indent="-114300" algn="l" defTabSz="228600" rtl="0" eaLnBrk="1" latinLnBrk="0" hangingPunct="1">
+      <a:lvl9pPr marL="3886200" indent="-228600" algn="l" defTabSz="457200" rtl="0" eaLnBrk="1" latinLnBrk="0" hangingPunct="1">
         <a:spcBef>
           <a:spcPct val="20000"/>
         </a:spcBef>
         <a:buFont typeface="Arial"/>
         <a:buChar char="•"/>
-        <a:defRPr sz="1000" kern="1200">
+        <a:defRPr sz="2000" kern="1200">
           <a:solidFill>
             <a:schemeClr val="tx1"/>
           </a:solidFill>
@@ -2983,8 +2983,8 @@
       <a:defPPr>
         <a:defRPr lang="en-US"/>
       </a:defPPr>
-      <a:lvl1pPr marL="0" algn="l" defTabSz="228600" rtl="0" eaLnBrk="1" latinLnBrk="0" hangingPunct="1">
-        <a:defRPr sz="900" kern="1200">
+      <a:lvl1pPr marL="0" algn="l" defTabSz="457200" rtl="0" eaLnBrk="1" latinLnBrk="0" hangingPunct="1">
+        <a:defRPr sz="1800" kern="1200">
           <a:solidFill>
             <a:schemeClr val="tx1"/>
           </a:solidFill>
@@ -2993,8 +2993,8 @@
           <a:cs typeface="+mn-cs"/>
         </a:defRPr>
       </a:lvl1pPr>
-      <a:lvl2pPr marL="228600" algn="l" defTabSz="228600" rtl="0" eaLnBrk="1" latinLnBrk="0" hangingPunct="1">
-        <a:defRPr sz="900" kern="1200">
+      <a:lvl2pPr marL="457200" algn="l" defTabSz="457200" rtl="0" eaLnBrk="1" latinLnBrk="0" hangingPunct="1">
+        <a:defRPr sz="1800" kern="1200">
           <a:solidFill>
             <a:schemeClr val="tx1"/>
           </a:solidFill>
@@ -3003,8 +3003,8 @@
           <a:cs typeface="+mn-cs"/>
         </a:defRPr>
       </a:lvl2pPr>
-      <a:lvl3pPr marL="457200" algn="l" defTabSz="228600" rtl="0" eaLnBrk="1" latinLnBrk="0" hangingPunct="1">
-        <a:defRPr sz="900" kern="1200">
+      <a:lvl3pPr marL="914400" algn="l" defTabSz="457200" rtl="0" eaLnBrk="1" latinLnBrk="0" hangingPunct="1">
+        <a:defRPr sz="1800" kern="1200">
           <a:solidFill>
             <a:schemeClr val="tx1"/>
           </a:solidFill>
@@ -3013,8 +3013,8 @@
           <a:cs typeface="+mn-cs"/>
         </a:defRPr>
       </a:lvl3pPr>
-      <a:lvl4pPr marL="685800" algn="l" defTabSz="228600" rtl="0" eaLnBrk="1" latinLnBrk="0" hangingPunct="1">
-        <a:defRPr sz="900" kern="1200">
+      <a:lvl4pPr marL="1371600" algn="l" defTabSz="457200" rtl="0" eaLnBrk="1" latinLnBrk="0" hangingPunct="1">
+        <a:defRPr sz="1800" kern="1200">
           <a:solidFill>
             <a:schemeClr val="tx1"/>
           </a:solidFill>
@@ -3023,8 +3023,8 @@
           <a:cs typeface="+mn-cs"/>
         </a:defRPr>
       </a:lvl4pPr>
-      <a:lvl5pPr marL="914400" algn="l" defTabSz="228600" rtl="0" eaLnBrk="1" latinLnBrk="0" hangingPunct="1">
-        <a:defRPr sz="900" kern="1200">
+      <a:lvl5pPr marL="1828800" algn="l" defTabSz="457200" rtl="0" eaLnBrk="1" latinLnBrk="0" hangingPunct="1">
+        <a:defRPr sz="1800" kern="1200">
           <a:solidFill>
             <a:schemeClr val="tx1"/>
           </a:solidFill>
@@ -3033,8 +3033,8 @@
           <a:cs typeface="+mn-cs"/>
         </a:defRPr>
       </a:lvl5pPr>
-      <a:lvl6pPr marL="1143000" algn="l" defTabSz="228600" rtl="0" eaLnBrk="1" latinLnBrk="0" hangingPunct="1">
-        <a:defRPr sz="900" kern="1200">
+      <a:lvl6pPr marL="2286000" algn="l" defTabSz="457200" rtl="0" eaLnBrk="1" latinLnBrk="0" hangingPunct="1">
+        <a:defRPr sz="1800" kern="1200">
           <a:solidFill>
             <a:schemeClr val="tx1"/>
           </a:solidFill>
@@ -3043,8 +3043,8 @@
           <a:cs typeface="+mn-cs"/>
         </a:defRPr>
       </a:lvl6pPr>
-      <a:lvl7pPr marL="1371600" algn="l" defTabSz="228600" rtl="0" eaLnBrk="1" latinLnBrk="0" hangingPunct="1">
-        <a:defRPr sz="900" kern="1200">
+      <a:lvl7pPr marL="2743200" algn="l" defTabSz="457200" rtl="0" eaLnBrk="1" latinLnBrk="0" hangingPunct="1">
+        <a:defRPr sz="1800" kern="1200">
           <a:solidFill>
             <a:schemeClr val="tx1"/>
           </a:solidFill>
@@ -3053,8 +3053,8 @@
           <a:cs typeface="+mn-cs"/>
         </a:defRPr>
       </a:lvl7pPr>
-      <a:lvl8pPr marL="1600200" algn="l" defTabSz="228600" rtl="0" eaLnBrk="1" latinLnBrk="0" hangingPunct="1">
-        <a:defRPr sz="900" kern="1200">
+      <a:lvl8pPr marL="3200400" algn="l" defTabSz="457200" rtl="0" eaLnBrk="1" latinLnBrk="0" hangingPunct="1">
+        <a:defRPr sz="1800" kern="1200">
           <a:solidFill>
             <a:schemeClr val="tx1"/>
           </a:solidFill>
@@ -3063,8 +3063,8 @@
           <a:cs typeface="+mn-cs"/>
         </a:defRPr>
       </a:lvl8pPr>
-      <a:lvl9pPr marL="1828800" algn="l" defTabSz="228600" rtl="0" eaLnBrk="1" latinLnBrk="0" hangingPunct="1">
-        <a:defRPr sz="900" kern="1200">
+      <a:lvl9pPr marL="3657600" algn="l" defTabSz="457200" rtl="0" eaLnBrk="1" latinLnBrk="0" hangingPunct="1">
+        <a:defRPr sz="1800" kern="1200">
           <a:solidFill>
             <a:schemeClr val="tx1"/>
           </a:solidFill>
@@ -3104,10 +3104,10 @@
           <p:nvPr/>
         </p:nvPicPr>
         <p:blipFill>
-          <a:blip r:embed="rId2" cstate="email">
+          <a:blip r:embed="rId2">
             <a:extLst>
               <a:ext uri="{28A0092B-C50C-407E-A947-70E740481C1C}">
-                <a14:useLocalDpi xmlns:a14="http://schemas.microsoft.com/office/drawing/2010/main"/>
+                <a14:useLocalDpi xmlns:a14="http://schemas.microsoft.com/office/drawing/2010/main" val="0"/>
               </a:ext>
             </a:extLst>
           </a:blip>
@@ -3117,8 +3117,8 @@
         </p:blipFill>
         <p:spPr>
           <a:xfrm>
-            <a:off x="463409" y="1929202"/>
-            <a:ext cx="2023802" cy="1073503"/>
+            <a:off x="926817" y="3858403"/>
+            <a:ext cx="4047603" cy="2147006"/>
           </a:xfrm>
           <a:prstGeom prst="rect">
             <a:avLst/>
@@ -3133,8 +3133,8 @@
         </p:nvCxnSpPr>
         <p:spPr>
           <a:xfrm>
-            <a:off x="884390" y="354095"/>
-            <a:ext cx="443716" cy="27421"/>
+            <a:off x="1768780" y="708190"/>
+            <a:ext cx="887432" cy="54841"/>
           </a:xfrm>
           <a:prstGeom prst="straightConnector1">
             <a:avLst/>
@@ -3169,8 +3169,8 @@
         </p:nvSpPr>
         <p:spPr>
           <a:xfrm>
-            <a:off x="381321" y="169429"/>
-            <a:ext cx="804746" cy="184666"/>
+            <a:off x="762642" y="338858"/>
+            <a:ext cx="1609492" cy="369332"/>
           </a:xfrm>
           <a:prstGeom prst="rect">
             <a:avLst/>
@@ -3181,7 +3181,7 @@
           </a:ln>
         </p:spPr>
         <p:txBody>
-          <a:bodyPr wrap="square" lIns="45720" tIns="22860" rIns="45720" bIns="22860" rtlCol="0">
+          <a:bodyPr wrap="square" rtlCol="0">
             <a:spAutoFit/>
           </a:bodyPr>
           <a:lstStyle/>
@@ -3209,10 +3209,10 @@
         </p:nvGrpSpPr>
         <p:grpSpPr>
           <a:xfrm>
-            <a:off x="3045333" y="2595680"/>
-            <a:ext cx="677784" cy="246499"/>
+            <a:off x="6090666" y="5191359"/>
+            <a:ext cx="1355567" cy="400666"/>
             <a:chOff x="5525367" y="5273367"/>
-            <a:chExt cx="1355567" cy="492998"/>
+            <a:chExt cx="1355567" cy="400666"/>
           </a:xfrm>
         </p:grpSpPr>
         <p:sp>
@@ -3223,8 +3223,8 @@
           </p:nvSpPr>
           <p:spPr>
             <a:xfrm>
-              <a:off x="5525369" y="5304701"/>
-              <a:ext cx="1355565" cy="461664"/>
+              <a:off x="5525368" y="5304701"/>
+              <a:ext cx="1355566" cy="369332"/>
             </a:xfrm>
             <a:prstGeom prst="rect">
               <a:avLst/>
@@ -3297,8 +3297,8 @@
         </p:nvSpPr>
         <p:spPr>
           <a:xfrm>
-            <a:off x="1337239" y="220070"/>
-            <a:ext cx="281078" cy="295471"/>
+            <a:off x="2674478" y="440140"/>
+            <a:ext cx="562155" cy="590942"/>
           </a:xfrm>
           <a:prstGeom prst="cube">
             <a:avLst/>
@@ -3319,7 +3319,7 @@
           </a:fontRef>
         </p:style>
         <p:txBody>
-          <a:bodyPr lIns="45720" tIns="22860" rIns="45720" bIns="22860" rtlCol="0" anchor="ctr"/>
+          <a:bodyPr rtlCol="0" anchor="ctr"/>
           <a:lstStyle/>
           <a:p>
             <a:pPr algn="ctr"/>
@@ -3335,8 +3335,8 @@
         </p:nvSpPr>
         <p:spPr>
           <a:xfrm>
-            <a:off x="1386793" y="515541"/>
-            <a:ext cx="177033" cy="104579"/>
+            <a:off x="2773586" y="1031082"/>
+            <a:ext cx="354066" cy="209158"/>
           </a:xfrm>
           <a:prstGeom prst="trapezoid">
             <a:avLst>
@@ -3359,7 +3359,7 @@
           </a:fontRef>
         </p:style>
         <p:txBody>
-          <a:bodyPr lIns="45720" tIns="22860" rIns="45720" bIns="22860" rtlCol="0" anchor="ctr"/>
+          <a:bodyPr rtlCol="0" anchor="ctr"/>
           <a:lstStyle/>
           <a:p>
             <a:pPr algn="ctr"/>
@@ -3375,8 +3375,8 @@
         </p:nvSpPr>
         <p:spPr>
           <a:xfrm rot="3582198">
-            <a:off x="1745106" y="1183479"/>
-            <a:ext cx="183791" cy="272174"/>
+            <a:off x="3490212" y="2366957"/>
+            <a:ext cx="367582" cy="544348"/>
           </a:xfrm>
           <a:prstGeom prst="trapezoid">
             <a:avLst>
@@ -3406,7 +3406,7 @@
           </a:fontRef>
         </p:style>
         <p:txBody>
-          <a:bodyPr lIns="45720" tIns="22860" rIns="45720" bIns="22860" rtlCol="0" anchor="ctr"/>
+          <a:bodyPr rtlCol="0" anchor="ctr"/>
           <a:lstStyle/>
           <a:p>
             <a:pPr algn="ctr"/>
@@ -3422,8 +3422,8 @@
         </p:nvSpPr>
         <p:spPr>
           <a:xfrm rot="19375798">
-            <a:off x="2339504" y="1324708"/>
-            <a:ext cx="183791" cy="272174"/>
+            <a:off x="4679008" y="2649416"/>
+            <a:ext cx="367582" cy="544348"/>
           </a:xfrm>
           <a:prstGeom prst="trapezoid">
             <a:avLst>
@@ -3453,7 +3453,7 @@
           </a:fontRef>
         </p:style>
         <p:txBody>
-          <a:bodyPr lIns="45720" tIns="22860" rIns="45720" bIns="22860" rtlCol="0" anchor="ctr"/>
+          <a:bodyPr rtlCol="0" anchor="ctr"/>
           <a:lstStyle/>
           <a:p>
             <a:pPr algn="ctr"/>
@@ -3469,8 +3469,8 @@
         </p:nvSpPr>
         <p:spPr>
           <a:xfrm rot="287208">
-            <a:off x="2004487" y="1310813"/>
-            <a:ext cx="183791" cy="272174"/>
+            <a:off x="4008973" y="2621625"/>
+            <a:ext cx="367582" cy="544348"/>
           </a:xfrm>
           <a:prstGeom prst="trapezoid">
             <a:avLst>
@@ -3500,7 +3500,7 @@
           </a:fontRef>
         </p:style>
         <p:txBody>
-          <a:bodyPr lIns="45720" tIns="22860" rIns="45720" bIns="22860" rtlCol="0" anchor="ctr"/>
+          <a:bodyPr rtlCol="0" anchor="ctr"/>
           <a:lstStyle/>
           <a:p>
             <a:pPr algn="ctr"/>
@@ -3516,8 +3516,8 @@
         </p:nvSpPr>
         <p:spPr>
           <a:xfrm>
-            <a:off x="1257424" y="936995"/>
-            <a:ext cx="392228" cy="50679"/>
+            <a:off x="2514847" y="1873989"/>
+            <a:ext cx="784455" cy="101357"/>
           </a:xfrm>
           <a:prstGeom prst="trapezoid">
             <a:avLst/>
@@ -3538,7 +3538,7 @@
           </a:fontRef>
         </p:style>
         <p:txBody>
-          <a:bodyPr lIns="45720" tIns="22860" rIns="45720" bIns="22860" rtlCol="0" anchor="ctr"/>
+          <a:bodyPr rtlCol="0" anchor="ctr"/>
           <a:lstStyle/>
           <a:p>
             <a:pPr algn="ctr"/>
@@ -3554,8 +3554,8 @@
         </p:nvSpPr>
         <p:spPr>
           <a:xfrm>
-            <a:off x="1257424" y="987674"/>
-            <a:ext cx="392228" cy="211728"/>
+            <a:off x="2514847" y="1975347"/>
+            <a:ext cx="784455" cy="423456"/>
           </a:xfrm>
           <a:prstGeom prst="cube">
             <a:avLst>
@@ -3578,7 +3578,7 @@
           </a:fontRef>
         </p:style>
         <p:txBody>
-          <a:bodyPr lIns="45720" tIns="22860" rIns="45720" bIns="22860" rtlCol="0" anchor="ctr"/>
+          <a:bodyPr rtlCol="0" anchor="ctr"/>
           <a:lstStyle/>
           <a:p>
             <a:pPr algn="ctr"/>
@@ -3594,8 +3594,8 @@
         </p:nvCxnSpPr>
         <p:spPr>
           <a:xfrm flipH="1">
-            <a:off x="222192" y="807264"/>
-            <a:ext cx="80077" cy="468865"/>
+            <a:off x="444383" y="1614528"/>
+            <a:ext cx="160154" cy="937730"/>
           </a:xfrm>
           <a:prstGeom prst="straightConnector1">
             <a:avLst/>
@@ -3630,8 +3630,8 @@
         </p:nvSpPr>
         <p:spPr>
           <a:xfrm>
-            <a:off x="35361" y="622598"/>
-            <a:ext cx="1017280" cy="184666"/>
+            <a:off x="70722" y="1245196"/>
+            <a:ext cx="2034559" cy="369332"/>
           </a:xfrm>
           <a:prstGeom prst="rect">
             <a:avLst/>
@@ -3639,7 +3639,7 @@
           <a:noFill/>
         </p:spPr>
         <p:txBody>
-          <a:bodyPr wrap="square" lIns="45720" tIns="22860" rIns="45720" bIns="22860" rtlCol="0">
+          <a:bodyPr wrap="square" rtlCol="0">
             <a:spAutoFit/>
           </a:bodyPr>
           <a:lstStyle/>
@@ -3667,8 +3667,8 @@
         </p:nvSpPr>
         <p:spPr>
           <a:xfrm>
-            <a:off x="2128436" y="475498"/>
-            <a:ext cx="906556" cy="184666"/>
+            <a:off x="4256871" y="950995"/>
+            <a:ext cx="1813111" cy="369332"/>
           </a:xfrm>
           <a:prstGeom prst="rect">
             <a:avLst/>
@@ -3676,7 +3676,7 @@
           <a:noFill/>
         </p:spPr>
         <p:txBody>
-          <a:bodyPr wrap="square" lIns="45720" tIns="22860" rIns="45720" bIns="22860" rtlCol="0">
+          <a:bodyPr wrap="square" rtlCol="0">
             <a:spAutoFit/>
           </a:bodyPr>
           <a:lstStyle/>
@@ -3704,8 +3704,8 @@
         </p:nvCxnSpPr>
         <p:spPr>
           <a:xfrm flipH="1">
-            <a:off x="2496966" y="660164"/>
-            <a:ext cx="89790" cy="742344"/>
+            <a:off x="4993931" y="1320327"/>
+            <a:ext cx="179579" cy="1484688"/>
           </a:xfrm>
           <a:prstGeom prst="straightConnector1">
             <a:avLst/>
@@ -3740,8 +3740,8 @@
         </p:nvSpPr>
         <p:spPr>
           <a:xfrm rot="565866">
-            <a:off x="1973267" y="1000054"/>
-            <a:ext cx="428396" cy="263445"/>
+            <a:off x="3946533" y="2000108"/>
+            <a:ext cx="856791" cy="526890"/>
           </a:xfrm>
           <a:prstGeom prst="cube">
             <a:avLst/>
@@ -3767,7 +3767,7 @@
           </a:fontRef>
         </p:style>
         <p:txBody>
-          <a:bodyPr lIns="45720" tIns="22860" rIns="45720" bIns="22860" rtlCol="0" anchor="ctr"/>
+          <a:bodyPr rtlCol="0" anchor="ctr"/>
           <a:lstStyle/>
           <a:p>
             <a:pPr algn="ctr"/>
@@ -3783,8 +3783,8 @@
         </p:nvSpPr>
         <p:spPr>
           <a:xfrm rot="20555765" flipH="1">
-            <a:off x="422833" y="1078260"/>
-            <a:ext cx="434750" cy="242284"/>
+            <a:off x="845666" y="2156520"/>
+            <a:ext cx="869499" cy="484568"/>
           </a:xfrm>
           <a:prstGeom prst="cube">
             <a:avLst>
@@ -3812,7 +3812,7 @@
           </a:fontRef>
         </p:style>
         <p:txBody>
-          <a:bodyPr lIns="45720" tIns="22860" rIns="45720" bIns="22860" rtlCol="0" anchor="ctr"/>
+          <a:bodyPr rtlCol="0" anchor="ctr"/>
           <a:lstStyle/>
           <a:p>
             <a:pPr algn="ctr"/>
@@ -3828,8 +3828,8 @@
         </p:nvCxnSpPr>
         <p:spPr>
           <a:xfrm flipH="1">
-            <a:off x="2244564" y="643256"/>
-            <a:ext cx="175787" cy="344417"/>
+            <a:off x="4489128" y="1286513"/>
+            <a:ext cx="351574" cy="688834"/>
           </a:xfrm>
           <a:prstGeom prst="straightConnector1">
             <a:avLst/>
@@ -3864,8 +3864,8 @@
         </p:nvSpPr>
         <p:spPr>
           <a:xfrm>
-            <a:off x="142116" y="1469064"/>
-            <a:ext cx="160153" cy="165885"/>
+            <a:off x="284231" y="2938128"/>
+            <a:ext cx="320305" cy="331769"/>
           </a:xfrm>
           <a:prstGeom prst="cube">
             <a:avLst>
@@ -3888,7 +3888,7 @@
           </a:fontRef>
         </p:style>
         <p:txBody>
-          <a:bodyPr lIns="45720" tIns="22860" rIns="45720" bIns="22860" rtlCol="0" anchor="ctr"/>
+          <a:bodyPr rtlCol="0" anchor="ctr"/>
           <a:lstStyle/>
           <a:p>
             <a:pPr algn="ctr"/>
@@ -3904,8 +3904,8 @@
         </p:nvSpPr>
         <p:spPr>
           <a:xfrm>
-            <a:off x="142116" y="1319984"/>
-            <a:ext cx="160153" cy="149811"/>
+            <a:off x="284231" y="2639968"/>
+            <a:ext cx="320305" cy="299621"/>
           </a:xfrm>
           <a:prstGeom prst="trapezoid">
             <a:avLst/>
@@ -3926,7 +3926,7 @@
           </a:fontRef>
         </p:style>
         <p:txBody>
-          <a:bodyPr lIns="45720" tIns="22860" rIns="45720" bIns="22860" rtlCol="0" anchor="ctr"/>
+          <a:bodyPr rtlCol="0" anchor="ctr"/>
           <a:lstStyle/>
           <a:p>
             <a:pPr algn="ctr"/>
@@ -3942,8 +3942,8 @@
         </p:nvCxnSpPr>
         <p:spPr>
           <a:xfrm>
-            <a:off x="981447" y="752968"/>
-            <a:ext cx="204621" cy="184027"/>
+            <a:off x="1962893" y="1505935"/>
+            <a:ext cx="409241" cy="368054"/>
           </a:xfrm>
           <a:prstGeom prst="straightConnector1">
             <a:avLst/>
@@ -3978,8 +3978,8 @@
         </p:nvSpPr>
         <p:spPr>
           <a:xfrm>
-            <a:off x="2685389" y="1319566"/>
-            <a:ext cx="160153" cy="165885"/>
+            <a:off x="5370778" y="2639131"/>
+            <a:ext cx="320305" cy="331769"/>
           </a:xfrm>
           <a:prstGeom prst="cube">
             <a:avLst>
@@ -4002,7 +4002,7 @@
           </a:fontRef>
         </p:style>
         <p:txBody>
-          <a:bodyPr lIns="45720" tIns="22860" rIns="45720" bIns="22860" rtlCol="0" anchor="ctr"/>
+          <a:bodyPr rtlCol="0" anchor="ctr"/>
           <a:lstStyle/>
           <a:p>
             <a:pPr algn="ctr"/>
@@ -4018,8 +4018,8 @@
         </p:nvSpPr>
         <p:spPr>
           <a:xfrm>
-            <a:off x="2685389" y="1170486"/>
-            <a:ext cx="160153" cy="149811"/>
+            <a:off x="5370778" y="2340971"/>
+            <a:ext cx="320305" cy="299621"/>
           </a:xfrm>
           <a:prstGeom prst="trapezoid">
             <a:avLst/>
@@ -4040,7 +4040,7 @@
           </a:fontRef>
         </p:style>
         <p:txBody>
-          <a:bodyPr lIns="45720" tIns="22860" rIns="45720" bIns="22860" rtlCol="0" anchor="ctr"/>
+          <a:bodyPr rtlCol="0" anchor="ctr"/>
           <a:lstStyle/>
           <a:p>
             <a:pPr algn="ctr"/>
@@ -4056,8 +4056,8 @@
         </p:nvSpPr>
         <p:spPr>
           <a:xfrm rot="20555765" flipH="1" flipV="1">
-            <a:off x="2159238" y="1491059"/>
-            <a:ext cx="434750" cy="272501"/>
+            <a:off x="4318475" y="2982118"/>
+            <a:ext cx="869499" cy="545001"/>
           </a:xfrm>
           <a:prstGeom prst="cube">
             <a:avLst>
@@ -4085,7 +4085,7 @@
           </a:fontRef>
         </p:style>
         <p:txBody>
-          <a:bodyPr lIns="45720" tIns="22860" rIns="45720" bIns="22860" rtlCol="0" anchor="ctr"/>
+          <a:bodyPr rtlCol="0" anchor="ctr"/>
           <a:lstStyle/>
           <a:p>
             <a:pPr algn="ctr"/>
@@ -4101,8 +4101,8 @@
         </p:nvSpPr>
         <p:spPr>
           <a:xfrm rot="565866" flipV="1">
-            <a:off x="423678" y="1555030"/>
-            <a:ext cx="428396" cy="283930"/>
+            <a:off x="847355" y="3110060"/>
+            <a:ext cx="856791" cy="567860"/>
           </a:xfrm>
           <a:prstGeom prst="cube">
             <a:avLst/>
@@ -4128,7 +4128,7 @@
           </a:fontRef>
         </p:style>
         <p:txBody>
-          <a:bodyPr lIns="45720" tIns="22860" rIns="45720" bIns="22860" rtlCol="0" anchor="ctr"/>
+          <a:bodyPr rtlCol="0" anchor="ctr"/>
           <a:lstStyle/>
           <a:p>
             <a:pPr algn="ctr"/>
@@ -4144,10 +4144,10 @@
         </p:nvGrpSpPr>
         <p:grpSpPr>
           <a:xfrm>
-            <a:off x="463409" y="643257"/>
-            <a:ext cx="2132771" cy="1822697"/>
+            <a:off x="926817" y="1286513"/>
+            <a:ext cx="4265540" cy="3645393"/>
             <a:chOff x="862377" y="1313934"/>
-            <a:chExt cx="4265542" cy="3645393"/>
+            <a:chExt cx="4265540" cy="3645393"/>
           </a:xfrm>
         </p:grpSpPr>
         <p:cxnSp>
@@ -4197,8 +4197,8 @@
           </p:nvSpPr>
           <p:spPr>
             <a:xfrm>
-              <a:off x="1419211" y="3962639"/>
-              <a:ext cx="1520276" cy="461664"/>
+              <a:off x="1419211" y="3962640"/>
+              <a:ext cx="1520275" cy="369332"/>
             </a:xfrm>
             <a:prstGeom prst="rect">
               <a:avLst/>
@@ -4216,7 +4216,14 @@
                   <a:latin typeface="Times"/>
                   <a:cs typeface="Times"/>
                 </a:rPr>
-                <a:t>1 m</a:t>
+                <a:t>1 </a:t>
+              </a:r>
+              <a:r>
+                <a:rPr lang="en-US" dirty="0" smtClean="0">
+                  <a:latin typeface="Times"/>
+                  <a:cs typeface="Times"/>
+                </a:rPr>
+                <a:t>m</a:t>
               </a:r>
               <a:endParaRPr lang="en-US" dirty="0">
                 <a:latin typeface="Times"/>
@@ -4270,8 +4277,8 @@
           </p:nvSpPr>
           <p:spPr>
             <a:xfrm>
-              <a:off x="2179349" y="2579680"/>
-              <a:ext cx="1728580" cy="461664"/>
+              <a:off x="2179349" y="2579679"/>
+              <a:ext cx="1728579" cy="369332"/>
             </a:xfrm>
             <a:prstGeom prst="rect">
               <a:avLst/>
@@ -4313,8 +4320,8 @@
           </p:nvSpPr>
           <p:spPr>
             <a:xfrm>
-              <a:off x="3607643" y="3771701"/>
-              <a:ext cx="1520276" cy="461664"/>
+              <a:off x="3607642" y="3771701"/>
+              <a:ext cx="1520275" cy="369332"/>
             </a:xfrm>
             <a:prstGeom prst="rect">
               <a:avLst/>
@@ -4332,7 +4339,14 @@
                   <a:latin typeface="Times"/>
                   <a:cs typeface="Times"/>
                 </a:rPr>
-                <a:t>1 m</a:t>
+                <a:t>1 </a:t>
+              </a:r>
+              <a:r>
+                <a:rPr lang="en-US" dirty="0" smtClean="0">
+                  <a:latin typeface="Times"/>
+                  <a:cs typeface="Times"/>
+                </a:rPr>
+                <a:t>m</a:t>
               </a:r>
               <a:endParaRPr lang="en-US" dirty="0">
                 <a:latin typeface="Times"/>
@@ -4387,10 +4401,10 @@
         </p:nvGrpSpPr>
         <p:grpSpPr>
           <a:xfrm>
-            <a:off x="1337239" y="2302644"/>
-            <a:ext cx="1365514" cy="1030474"/>
+            <a:off x="2674478" y="4605287"/>
+            <a:ext cx="2731028" cy="1691616"/>
             <a:chOff x="2610038" y="4632708"/>
-            <a:chExt cx="2731028" cy="2060948"/>
+            <a:chExt cx="2731028" cy="1691616"/>
           </a:xfrm>
         </p:grpSpPr>
         <p:sp>
@@ -4401,8 +4415,8 @@
           </p:nvSpPr>
           <p:spPr>
             <a:xfrm>
-              <a:off x="4479202" y="4940136"/>
-              <a:ext cx="861864" cy="738664"/>
+              <a:off x="4479202" y="4940135"/>
+              <a:ext cx="861864" cy="369332"/>
             </a:xfrm>
             <a:prstGeom prst="rect">
               <a:avLst/>
@@ -4471,7 +4485,7 @@
           <p:spPr>
             <a:xfrm>
               <a:off x="3463118" y="5954992"/>
-              <a:ext cx="1096816" cy="738664"/>
+              <a:ext cx="1096816" cy="369332"/>
             </a:xfrm>
             <a:prstGeom prst="rect">
               <a:avLst/>
@@ -4492,6 +4506,10 @@
                 </a:rPr>
                 <a:t>Boundary</a:t>
               </a:r>
+              <a:endParaRPr lang="en-US" dirty="0" smtClean="0">
+                <a:latin typeface="Times"/>
+                <a:cs typeface="Times"/>
+              </a:endParaRPr>
             </a:p>
           </p:txBody>
         </p:sp>
@@ -4540,8 +4558,8 @@
         </p:nvCxnSpPr>
         <p:spPr>
           <a:xfrm flipV="1">
-            <a:off x="561399" y="2721543"/>
-            <a:ext cx="147653" cy="217694"/>
+            <a:off x="1122798" y="5443086"/>
+            <a:ext cx="295305" cy="435387"/>
           </a:xfrm>
           <a:prstGeom prst="straightConnector1">
             <a:avLst/>
@@ -4576,8 +4594,8 @@
         </p:nvSpPr>
         <p:spPr>
           <a:xfrm>
-            <a:off x="68099" y="2956328"/>
-            <a:ext cx="1038149" cy="184666"/>
+            <a:off x="136198" y="5912655"/>
+            <a:ext cx="2076297" cy="369332"/>
           </a:xfrm>
           <a:prstGeom prst="rect">
             <a:avLst/>
@@ -4585,7 +4603,7 @@
           <a:noFill/>
         </p:spPr>
         <p:txBody>
-          <a:bodyPr wrap="square" lIns="45720" tIns="22860" rIns="45720" bIns="22860" rtlCol="0">
+          <a:bodyPr wrap="square" rtlCol="0">
             <a:spAutoFit/>
           </a:bodyPr>
           <a:lstStyle/>
@@ -4613,8 +4631,8 @@
         </p:nvSpPr>
         <p:spPr>
           <a:xfrm>
-            <a:off x="1257424" y="1591583"/>
-            <a:ext cx="476156" cy="260526"/>
+            <a:off x="2514847" y="3183166"/>
+            <a:ext cx="952312" cy="521052"/>
           </a:xfrm>
           <a:prstGeom prst="cube">
             <a:avLst>
@@ -4637,7 +4655,7 @@
           </a:fontRef>
         </p:style>
         <p:txBody>
-          <a:bodyPr lIns="45720" tIns="22860" rIns="45720" bIns="22860" rtlCol="0" anchor="ctr"/>
+          <a:bodyPr rtlCol="0" anchor="ctr"/>
           <a:lstStyle/>
           <a:p>
             <a:pPr algn="ctr"/>
@@ -4653,8 +4671,8 @@
         </p:nvSpPr>
         <p:spPr>
           <a:xfrm flipV="1">
-            <a:off x="1257424" y="1853347"/>
-            <a:ext cx="476156" cy="63531"/>
+            <a:off x="2514847" y="3706693"/>
+            <a:ext cx="952312" cy="127062"/>
           </a:xfrm>
           <a:prstGeom prst="trapezoid">
             <a:avLst/>
@@ -4675,7 +4693,7 @@
           </a:fontRef>
         </p:style>
         <p:txBody>
-          <a:bodyPr lIns="45720" tIns="22860" rIns="45720" bIns="22860" rtlCol="0" anchor="ctr"/>
+          <a:bodyPr rtlCol="0" anchor="ctr"/>
           <a:lstStyle/>
           <a:p>
             <a:pPr algn="ctr"/>
@@ -4693,8 +4711,8 @@
         </p:nvSpPr>
         <p:spPr bwMode="auto">
           <a:xfrm>
-            <a:off x="2732332" y="1634948"/>
-            <a:ext cx="1109620" cy="913742"/>
+            <a:off x="5464664" y="3269896"/>
+            <a:ext cx="2219239" cy="1827483"/>
           </a:xfrm>
           <a:prstGeom prst="ellipse">
             <a:avLst/>
@@ -4719,7 +4737,7 @@
           </a:extLst>
         </p:spPr>
         <p:txBody>
-          <a:bodyPr lIns="45720" tIns="22860" rIns="45720" bIns="22860"/>
+          <a:bodyPr/>
           <a:lstStyle/>
           <a:p>
             <a:endParaRPr lang="en-US">
@@ -4739,8 +4757,8 @@
         </p:nvSpPr>
         <p:spPr bwMode="auto">
           <a:xfrm flipV="1">
-            <a:off x="1760958" y="2125655"/>
-            <a:ext cx="112487" cy="30436"/>
+            <a:off x="3521916" y="4251309"/>
+            <a:ext cx="224973" cy="60872"/>
           </a:xfrm>
           <a:prstGeom prst="ellipse">
             <a:avLst/>
@@ -4765,7 +4783,7 @@
           </a:extLst>
         </p:spPr>
         <p:txBody>
-          <a:bodyPr lIns="45720" tIns="22860" rIns="45720" bIns="22860"/>
+          <a:bodyPr/>
           <a:lstStyle/>
           <a:p>
             <a:endParaRPr lang="en-US">
@@ -4787,8 +4805,8 @@
         </p:nvCxnSpPr>
         <p:spPr bwMode="auto">
           <a:xfrm flipH="1">
-            <a:off x="1817202" y="1768763"/>
-            <a:ext cx="1077631" cy="356892"/>
+            <a:off x="3634403" y="3537525"/>
+            <a:ext cx="2155261" cy="713784"/>
           </a:xfrm>
           <a:prstGeom prst="line">
             <a:avLst/>
@@ -4821,8 +4839,8 @@
         </p:nvCxnSpPr>
         <p:spPr bwMode="auto">
           <a:xfrm>
-            <a:off x="1813235" y="2156091"/>
-            <a:ext cx="1111298" cy="300267"/>
+            <a:off x="3626469" y="4312181"/>
+            <a:ext cx="2222596" cy="600533"/>
           </a:xfrm>
           <a:prstGeom prst="line">
             <a:avLst/>
@@ -4854,10 +4872,10 @@
           <p:nvPr/>
         </p:nvPicPr>
         <p:blipFill>
-          <a:blip r:embed="rId3" cstate="email">
+          <a:blip r:embed="rId3">
             <a:extLst>
               <a:ext uri="{28A0092B-C50C-407E-A947-70E740481C1C}">
-                <a14:useLocalDpi xmlns:a14="http://schemas.microsoft.com/office/drawing/2010/main"/>
+                <a14:useLocalDpi xmlns:a14="http://schemas.microsoft.com/office/drawing/2010/main" val="0"/>
               </a:ext>
             </a:extLst>
           </a:blip>
@@ -4867,8 +4885,8 @@
         </p:blipFill>
         <p:spPr>
           <a:xfrm>
-            <a:off x="2757074" y="1750919"/>
-            <a:ext cx="1074296" cy="802269"/>
+            <a:off x="5514147" y="3501837"/>
+            <a:ext cx="2148592" cy="1604538"/>
           </a:xfrm>
           <a:prstGeom prst="rect">
             <a:avLst/>
